--- a/MPPI-CBF/Research Update(2).pptx
+++ b/MPPI-CBF/Research Update(2).pptx
@@ -5,7 +5,7 @@
     <p:sldMasterId id="2147483648" r:id="rId1"/>
   </p:sldMasterIdLst>
   <p:notesMasterIdLst>
-    <p:notesMasterId r:id="rId15"/>
+    <p:notesMasterId r:id="rId13"/>
   </p:notesMasterIdLst>
   <p:sldIdLst>
     <p:sldId id="256" r:id="rId2"/>
@@ -19,8 +19,6 @@
     <p:sldId id="832" r:id="rId10"/>
     <p:sldId id="848" r:id="rId11"/>
     <p:sldId id="825" r:id="rId12"/>
-    <p:sldId id="841" r:id="rId13"/>
-    <p:sldId id="843" r:id="rId14"/>
   </p:sldIdLst>
   <p:sldSz cx="12192000" cy="6858000"/>
   <p:notesSz cx="6858000" cy="9144000"/>
@@ -221,7 +219,7 @@
           <a:p>
             <a:fld id="{E59B1ACC-88D6-4B68-8AE9-F9C0CE0121E8}" type="datetimeFigureOut">
               <a:rPr lang="zh-CN" altLang="en-US" smtClean="0"/>
-              <a:t>2021/11/2</a:t>
+              <a:t>2022/2/28</a:t>
             </a:fld>
             <a:endParaRPr lang="zh-CN" altLang="en-US"/>
           </a:p>
@@ -657,174 +655,6 @@
 </p:notes>
 </file>
 
-<file path=ppt/notesSlides/notesSlide3.xml><?xml version="1.0" encoding="utf-8"?>
-<p:notes xmlns:a="http://schemas.openxmlformats.org/drawingml/2006/main" xmlns:r="http://schemas.openxmlformats.org/officeDocument/2006/relationships" xmlns:p="http://schemas.openxmlformats.org/presentationml/2006/main">
-  <p:cSld>
-    <p:spTree>
-      <p:nvGrpSpPr>
-        <p:cNvPr id="1" name=""/>
-        <p:cNvGrpSpPr/>
-        <p:nvPr/>
-      </p:nvGrpSpPr>
-      <p:grpSpPr>
-        <a:xfrm>
-          <a:off x="0" y="0"/>
-          <a:ext cx="0" cy="0"/>
-          <a:chOff x="0" y="0"/>
-          <a:chExt cx="0" cy="0"/>
-        </a:xfrm>
-      </p:grpSpPr>
-      <p:sp>
-        <p:nvSpPr>
-          <p:cNvPr id="2" name="Slide Image Placeholder 1"/>
-          <p:cNvSpPr>
-            <a:spLocks noGrp="1" noRot="1" noChangeAspect="1"/>
-          </p:cNvSpPr>
-          <p:nvPr>
-            <p:ph type="sldImg"/>
-          </p:nvPr>
-        </p:nvSpPr>
-        <p:spPr/>
-      </p:sp>
-      <p:sp>
-        <p:nvSpPr>
-          <p:cNvPr id="3" name="Notes Placeholder 2"/>
-          <p:cNvSpPr>
-            <a:spLocks noGrp="1"/>
-          </p:cNvSpPr>
-          <p:nvPr>
-            <p:ph type="body" idx="1"/>
-          </p:nvPr>
-        </p:nvSpPr>
-        <p:spPr/>
-        <p:txBody>
-          <a:bodyPr/>
-          <a:lstStyle/>
-          <a:p>
-            <a:endParaRPr lang="zh-CN" altLang="en-US" dirty="0"/>
-          </a:p>
-        </p:txBody>
-      </p:sp>
-      <p:sp>
-        <p:nvSpPr>
-          <p:cNvPr id="4" name="Slide Number Placeholder 3"/>
-          <p:cNvSpPr>
-            <a:spLocks noGrp="1"/>
-          </p:cNvSpPr>
-          <p:nvPr>
-            <p:ph type="sldNum" sz="quarter" idx="5"/>
-          </p:nvPr>
-        </p:nvSpPr>
-        <p:spPr/>
-        <p:txBody>
-          <a:bodyPr/>
-          <a:lstStyle/>
-          <a:p>
-            <a:fld id="{2EE288F0-D0F0-47A3-8744-5447B341E2D8}" type="slidenum">
-              <a:rPr lang="zh-CN" altLang="en-US" smtClean="0"/>
-              <a:t>12</a:t>
-            </a:fld>
-            <a:endParaRPr lang="zh-CN" altLang="en-US"/>
-          </a:p>
-        </p:txBody>
-      </p:sp>
-    </p:spTree>
-    <p:extLst>
-      <p:ext uri="{BB962C8B-B14F-4D97-AF65-F5344CB8AC3E}">
-        <p14:creationId xmlns:p14="http://schemas.microsoft.com/office/powerpoint/2010/main" val="2558826325"/>
-      </p:ext>
-    </p:extLst>
-  </p:cSld>
-  <p:clrMapOvr>
-    <a:masterClrMapping/>
-  </p:clrMapOvr>
-</p:notes>
-</file>
-
-<file path=ppt/notesSlides/notesSlide4.xml><?xml version="1.0" encoding="utf-8"?>
-<p:notes xmlns:a="http://schemas.openxmlformats.org/drawingml/2006/main" xmlns:r="http://schemas.openxmlformats.org/officeDocument/2006/relationships" xmlns:p="http://schemas.openxmlformats.org/presentationml/2006/main">
-  <p:cSld>
-    <p:spTree>
-      <p:nvGrpSpPr>
-        <p:cNvPr id="1" name=""/>
-        <p:cNvGrpSpPr/>
-        <p:nvPr/>
-      </p:nvGrpSpPr>
-      <p:grpSpPr>
-        <a:xfrm>
-          <a:off x="0" y="0"/>
-          <a:ext cx="0" cy="0"/>
-          <a:chOff x="0" y="0"/>
-          <a:chExt cx="0" cy="0"/>
-        </a:xfrm>
-      </p:grpSpPr>
-      <p:sp>
-        <p:nvSpPr>
-          <p:cNvPr id="2" name="Slide Image Placeholder 1"/>
-          <p:cNvSpPr>
-            <a:spLocks noGrp="1" noRot="1" noChangeAspect="1"/>
-          </p:cNvSpPr>
-          <p:nvPr>
-            <p:ph type="sldImg"/>
-          </p:nvPr>
-        </p:nvSpPr>
-        <p:spPr/>
-      </p:sp>
-      <p:sp>
-        <p:nvSpPr>
-          <p:cNvPr id="3" name="Notes Placeholder 2"/>
-          <p:cNvSpPr>
-            <a:spLocks noGrp="1"/>
-          </p:cNvSpPr>
-          <p:nvPr>
-            <p:ph type="body" idx="1"/>
-          </p:nvPr>
-        </p:nvSpPr>
-        <p:spPr/>
-        <p:txBody>
-          <a:bodyPr/>
-          <a:lstStyle/>
-          <a:p>
-            <a:endParaRPr lang="zh-CN" altLang="en-US" dirty="0"/>
-          </a:p>
-        </p:txBody>
-      </p:sp>
-      <p:sp>
-        <p:nvSpPr>
-          <p:cNvPr id="4" name="Slide Number Placeholder 3"/>
-          <p:cNvSpPr>
-            <a:spLocks noGrp="1"/>
-          </p:cNvSpPr>
-          <p:nvPr>
-            <p:ph type="sldNum" sz="quarter" idx="5"/>
-          </p:nvPr>
-        </p:nvSpPr>
-        <p:spPr/>
-        <p:txBody>
-          <a:bodyPr/>
-          <a:lstStyle/>
-          <a:p>
-            <a:fld id="{2EE288F0-D0F0-47A3-8744-5447B341E2D8}" type="slidenum">
-              <a:rPr lang="zh-CN" altLang="en-US" smtClean="0"/>
-              <a:t>13</a:t>
-            </a:fld>
-            <a:endParaRPr lang="zh-CN" altLang="en-US"/>
-          </a:p>
-        </p:txBody>
-      </p:sp>
-    </p:spTree>
-    <p:extLst>
-      <p:ext uri="{BB962C8B-B14F-4D97-AF65-F5344CB8AC3E}">
-        <p14:creationId xmlns:p14="http://schemas.microsoft.com/office/powerpoint/2010/main" val="3520098107"/>
-      </p:ext>
-    </p:extLst>
-  </p:cSld>
-  <p:clrMapOvr>
-    <a:masterClrMapping/>
-  </p:clrMapOvr>
-</p:notes>
-</file>
-
 <file path=ppt/slideLayouts/slideLayout1.xml><?xml version="1.0" encoding="utf-8"?>
 <p:sldLayout xmlns:a="http://schemas.openxmlformats.org/drawingml/2006/main" xmlns:r="http://schemas.openxmlformats.org/officeDocument/2006/relationships" xmlns:p="http://schemas.openxmlformats.org/presentationml/2006/main" type="title" preserve="1">
   <p:cSld name="Title Slide">
@@ -974,7 +804,7 @@
           <a:p>
             <a:fld id="{96304055-C020-4592-8EEC-75911A5C2170}" type="datetimeFigureOut">
               <a:rPr lang="zh-CN" altLang="en-US" smtClean="0"/>
-              <a:t>2021/11/2</a:t>
+              <a:t>2022/2/28</a:t>
             </a:fld>
             <a:endParaRPr lang="zh-CN" altLang="en-US"/>
           </a:p>
@@ -1174,7 +1004,7 @@
           <a:p>
             <a:fld id="{96304055-C020-4592-8EEC-75911A5C2170}" type="datetimeFigureOut">
               <a:rPr lang="zh-CN" altLang="en-US" smtClean="0"/>
-              <a:t>2021/11/2</a:t>
+              <a:t>2022/2/28</a:t>
             </a:fld>
             <a:endParaRPr lang="zh-CN" altLang="en-US"/>
           </a:p>
@@ -1384,7 +1214,7 @@
           <a:p>
             <a:fld id="{96304055-C020-4592-8EEC-75911A5C2170}" type="datetimeFigureOut">
               <a:rPr lang="zh-CN" altLang="en-US" smtClean="0"/>
-              <a:t>2021/11/2</a:t>
+              <a:t>2022/2/28</a:t>
             </a:fld>
             <a:endParaRPr lang="zh-CN" altLang="en-US"/>
           </a:p>
@@ -1584,7 +1414,7 @@
           <a:p>
             <a:fld id="{96304055-C020-4592-8EEC-75911A5C2170}" type="datetimeFigureOut">
               <a:rPr lang="zh-CN" altLang="en-US" smtClean="0"/>
-              <a:t>2021/11/2</a:t>
+              <a:t>2022/2/28</a:t>
             </a:fld>
             <a:endParaRPr lang="zh-CN" altLang="en-US"/>
           </a:p>
@@ -1860,7 +1690,7 @@
           <a:p>
             <a:fld id="{96304055-C020-4592-8EEC-75911A5C2170}" type="datetimeFigureOut">
               <a:rPr lang="zh-CN" altLang="en-US" smtClean="0"/>
-              <a:t>2021/11/2</a:t>
+              <a:t>2022/2/28</a:t>
             </a:fld>
             <a:endParaRPr lang="zh-CN" altLang="en-US"/>
           </a:p>
@@ -2128,7 +1958,7 @@
           <a:p>
             <a:fld id="{96304055-C020-4592-8EEC-75911A5C2170}" type="datetimeFigureOut">
               <a:rPr lang="zh-CN" altLang="en-US" smtClean="0"/>
-              <a:t>2021/11/2</a:t>
+              <a:t>2022/2/28</a:t>
             </a:fld>
             <a:endParaRPr lang="zh-CN" altLang="en-US"/>
           </a:p>
@@ -2543,7 +2373,7 @@
           <a:p>
             <a:fld id="{96304055-C020-4592-8EEC-75911A5C2170}" type="datetimeFigureOut">
               <a:rPr lang="zh-CN" altLang="en-US" smtClean="0"/>
-              <a:t>2021/11/2</a:t>
+              <a:t>2022/2/28</a:t>
             </a:fld>
             <a:endParaRPr lang="zh-CN" altLang="en-US"/>
           </a:p>
@@ -2685,7 +2515,7 @@
           <a:p>
             <a:fld id="{96304055-C020-4592-8EEC-75911A5C2170}" type="datetimeFigureOut">
               <a:rPr lang="zh-CN" altLang="en-US" smtClean="0"/>
-              <a:t>2021/11/2</a:t>
+              <a:t>2022/2/28</a:t>
             </a:fld>
             <a:endParaRPr lang="zh-CN" altLang="en-US"/>
           </a:p>
@@ -2798,7 +2628,7 @@
           <a:p>
             <a:fld id="{96304055-C020-4592-8EEC-75911A5C2170}" type="datetimeFigureOut">
               <a:rPr lang="zh-CN" altLang="en-US" smtClean="0"/>
-              <a:t>2021/11/2</a:t>
+              <a:t>2022/2/28</a:t>
             </a:fld>
             <a:endParaRPr lang="zh-CN" altLang="en-US"/>
           </a:p>
@@ -3111,7 +2941,7 @@
           <a:p>
             <a:fld id="{96304055-C020-4592-8EEC-75911A5C2170}" type="datetimeFigureOut">
               <a:rPr lang="zh-CN" altLang="en-US" smtClean="0"/>
-              <a:t>2021/11/2</a:t>
+              <a:t>2022/2/28</a:t>
             </a:fld>
             <a:endParaRPr lang="zh-CN" altLang="en-US"/>
           </a:p>
@@ -3400,7 +3230,7 @@
           <a:p>
             <a:fld id="{96304055-C020-4592-8EEC-75911A5C2170}" type="datetimeFigureOut">
               <a:rPr lang="zh-CN" altLang="en-US" smtClean="0"/>
-              <a:t>2021/11/2</a:t>
+              <a:t>2022/2/28</a:t>
             </a:fld>
             <a:endParaRPr lang="zh-CN" altLang="en-US"/>
           </a:p>
@@ -3643,7 +3473,7 @@
           <a:p>
             <a:fld id="{96304055-C020-4592-8EEC-75911A5C2170}" type="datetimeFigureOut">
               <a:rPr lang="zh-CN" altLang="en-US" smtClean="0"/>
-              <a:t>2021/11/2</a:t>
+              <a:t>2022/2/28</a:t>
             </a:fld>
             <a:endParaRPr lang="zh-CN" altLang="en-US"/>
           </a:p>
@@ -4714,5914 +4544,6 @@
 </p:sld>
 </file>
 
-<file path=ppt/slides/slide12.xml><?xml version="1.0" encoding="utf-8"?>
-<p:sld xmlns:a="http://schemas.openxmlformats.org/drawingml/2006/main" xmlns:r="http://schemas.openxmlformats.org/officeDocument/2006/relationships" xmlns:p="http://schemas.openxmlformats.org/presentationml/2006/main" show="0">
-  <p:cSld>
-    <p:spTree>
-      <p:nvGrpSpPr>
-        <p:cNvPr id="1" name=""/>
-        <p:cNvGrpSpPr/>
-        <p:nvPr/>
-      </p:nvGrpSpPr>
-      <p:grpSpPr>
-        <a:xfrm>
-          <a:off x="0" y="0"/>
-          <a:ext cx="0" cy="0"/>
-          <a:chOff x="0" y="0"/>
-          <a:chExt cx="0" cy="0"/>
-        </a:xfrm>
-      </p:grpSpPr>
-      <p:sp>
-        <p:nvSpPr>
-          <p:cNvPr id="4" name="Rectangle: Rounded Corners 3">
-            <a:extLst>
-              <a:ext uri="{FF2B5EF4-FFF2-40B4-BE49-F238E27FC236}">
-                <a16:creationId xmlns:a16="http://schemas.microsoft.com/office/drawing/2014/main" id="{8C57BA90-03D2-431D-A9D9-39140E4BDF00}"/>
-              </a:ext>
-            </a:extLst>
-          </p:cNvPr>
-          <p:cNvSpPr/>
-          <p:nvPr/>
-        </p:nvSpPr>
-        <p:spPr>
-          <a:xfrm>
-            <a:off x="8480551" y="1773932"/>
-            <a:ext cx="2522764" cy="1126671"/>
-          </a:xfrm>
-          <a:prstGeom prst="roundRect">
-            <a:avLst/>
-          </a:prstGeom>
-        </p:spPr>
-        <p:style>
-          <a:lnRef idx="2">
-            <a:schemeClr val="dk1"/>
-          </a:lnRef>
-          <a:fillRef idx="1">
-            <a:schemeClr val="lt1"/>
-          </a:fillRef>
-          <a:effectRef idx="0">
-            <a:schemeClr val="dk1"/>
-          </a:effectRef>
-          <a:fontRef idx="minor">
-            <a:schemeClr val="dk1"/>
-          </a:fontRef>
-        </p:style>
-        <p:txBody>
-          <a:bodyPr rtlCol="0" anchor="ctr"/>
-          <a:lstStyle/>
-          <a:p>
-            <a:pPr algn="ctr"/>
-            <a:r>
-              <a:rPr lang="en-US" altLang="zh-CN" sz="2400" b="1" dirty="0">
-                <a:solidFill>
-                  <a:schemeClr val="tx1"/>
-                </a:solidFill>
-              </a:rPr>
-              <a:t>Dynamic</a:t>
-            </a:r>
-            <a:r>
-              <a:rPr lang="en-US" altLang="zh-CN" sz="2400" b="1" dirty="0">
-                <a:solidFill>
-                  <a:sysClr val="windowText" lastClr="000000"/>
-                </a:solidFill>
-              </a:rPr>
-              <a:t> </a:t>
-            </a:r>
-            <a:r>
-              <a:rPr lang="en-US" altLang="zh-CN" sz="2400" b="1" dirty="0">
-                <a:solidFill>
-                  <a:schemeClr val="tx1"/>
-                </a:solidFill>
-              </a:rPr>
-              <a:t>System</a:t>
-            </a:r>
-            <a:endParaRPr lang="zh-CN" altLang="en-US" sz="2400" b="1" dirty="0">
-              <a:solidFill>
-                <a:schemeClr val="tx1"/>
-              </a:solidFill>
-            </a:endParaRPr>
-          </a:p>
-        </p:txBody>
-      </p:sp>
-      <p:sp>
-        <p:nvSpPr>
-          <p:cNvPr id="5" name="Rectangle: Rounded Corners 4">
-            <a:extLst>
-              <a:ext uri="{FF2B5EF4-FFF2-40B4-BE49-F238E27FC236}">
-                <a16:creationId xmlns:a16="http://schemas.microsoft.com/office/drawing/2014/main" id="{E8D97AE4-4BCD-4DFA-BE35-9B386750F09F}"/>
-              </a:ext>
-            </a:extLst>
-          </p:cNvPr>
-          <p:cNvSpPr/>
-          <p:nvPr/>
-        </p:nvSpPr>
-        <p:spPr>
-          <a:xfrm>
-            <a:off x="1351188" y="3992331"/>
-            <a:ext cx="9682844" cy="1514475"/>
-          </a:xfrm>
-          <a:prstGeom prst="roundRect">
-            <a:avLst/>
-          </a:prstGeom>
-        </p:spPr>
-        <p:style>
-          <a:lnRef idx="2">
-            <a:schemeClr val="accent3">
-              <a:shade val="50000"/>
-            </a:schemeClr>
-          </a:lnRef>
-          <a:fillRef idx="1">
-            <a:schemeClr val="accent3"/>
-          </a:fillRef>
-          <a:effectRef idx="0">
-            <a:schemeClr val="accent3"/>
-          </a:effectRef>
-          <a:fontRef idx="minor">
-            <a:schemeClr val="lt1"/>
-          </a:fontRef>
-        </p:style>
-        <p:txBody>
-          <a:bodyPr rtlCol="0" anchor="ctr"/>
-          <a:lstStyle/>
-          <a:p>
-            <a:pPr algn="ctr"/>
-            <a:r>
-              <a:rPr lang="en-US" altLang="zh-CN" dirty="0" err="1"/>
-              <a:t>MMPPi</a:t>
-            </a:r>
-            <a:endParaRPr lang="zh-CN" altLang="en-US" dirty="0"/>
-          </a:p>
-        </p:txBody>
-      </p:sp>
-      <p:sp>
-        <p:nvSpPr>
-          <p:cNvPr id="6" name="Rectangle: Rounded Corners 5">
-            <a:extLst>
-              <a:ext uri="{FF2B5EF4-FFF2-40B4-BE49-F238E27FC236}">
-                <a16:creationId xmlns:a16="http://schemas.microsoft.com/office/drawing/2014/main" id="{F734ADF6-799A-4881-9B00-ECF44A91FF7D}"/>
-              </a:ext>
-            </a:extLst>
-          </p:cNvPr>
-          <p:cNvSpPr/>
-          <p:nvPr/>
-        </p:nvSpPr>
-        <p:spPr>
-          <a:xfrm>
-            <a:off x="1518557" y="4233180"/>
-            <a:ext cx="2306411" cy="869497"/>
-          </a:xfrm>
-          <a:prstGeom prst="roundRect">
-            <a:avLst/>
-          </a:prstGeom>
-        </p:spPr>
-        <p:style>
-          <a:lnRef idx="2">
-            <a:schemeClr val="dk1"/>
-          </a:lnRef>
-          <a:fillRef idx="1">
-            <a:schemeClr val="lt1"/>
-          </a:fillRef>
-          <a:effectRef idx="0">
-            <a:schemeClr val="dk1"/>
-          </a:effectRef>
-          <a:fontRef idx="minor">
-            <a:schemeClr val="dk1"/>
-          </a:fontRef>
-        </p:style>
-        <p:txBody>
-          <a:bodyPr rtlCol="0" anchor="ctr"/>
-          <a:lstStyle/>
-          <a:p>
-            <a:pPr algn="ctr"/>
-            <a:r>
-              <a:rPr lang="en-US" altLang="zh-CN" sz="1600" b="1" dirty="0">
-                <a:solidFill>
-                  <a:schemeClr val="tx1"/>
-                </a:solidFill>
-              </a:rPr>
-              <a:t>Trajectory</a:t>
-            </a:r>
-            <a:r>
-              <a:rPr lang="en-US" altLang="zh-CN" sz="1600" b="1" dirty="0"/>
-              <a:t> </a:t>
-            </a:r>
-            <a:r>
-              <a:rPr lang="en-US" altLang="zh-CN" sz="1600" b="1" dirty="0">
-                <a:solidFill>
-                  <a:schemeClr val="tx1"/>
-                </a:solidFill>
-              </a:rPr>
-              <a:t>Simulation</a:t>
-            </a:r>
-            <a:endParaRPr lang="zh-CN" altLang="en-US" sz="1600" b="1" dirty="0">
-              <a:solidFill>
-                <a:schemeClr val="tx1"/>
-              </a:solidFill>
-            </a:endParaRPr>
-          </a:p>
-        </p:txBody>
-      </p:sp>
-      <p:sp>
-        <p:nvSpPr>
-          <p:cNvPr id="8" name="Rectangle: Rounded Corners 7">
-            <a:extLst>
-              <a:ext uri="{FF2B5EF4-FFF2-40B4-BE49-F238E27FC236}">
-                <a16:creationId xmlns:a16="http://schemas.microsoft.com/office/drawing/2014/main" id="{28D7EECB-B84A-438D-A74E-ADABE43A2CDB}"/>
-              </a:ext>
-            </a:extLst>
-          </p:cNvPr>
-          <p:cNvSpPr/>
-          <p:nvPr/>
-        </p:nvSpPr>
-        <p:spPr>
-          <a:xfrm>
-            <a:off x="4792432" y="4233178"/>
-            <a:ext cx="2222372" cy="869497"/>
-          </a:xfrm>
-          <a:prstGeom prst="roundRect">
-            <a:avLst/>
-          </a:prstGeom>
-        </p:spPr>
-        <p:style>
-          <a:lnRef idx="2">
-            <a:schemeClr val="dk1"/>
-          </a:lnRef>
-          <a:fillRef idx="1">
-            <a:schemeClr val="lt1"/>
-          </a:fillRef>
-          <a:effectRef idx="0">
-            <a:schemeClr val="dk1"/>
-          </a:effectRef>
-          <a:fontRef idx="minor">
-            <a:schemeClr val="dk1"/>
-          </a:fontRef>
-        </p:style>
-        <p:txBody>
-          <a:bodyPr rtlCol="0" anchor="ctr"/>
-          <a:lstStyle/>
-          <a:p>
-            <a:pPr algn="ctr"/>
-            <a:r>
-              <a:rPr lang="en-US" altLang="zh-CN" sz="1600" b="1" dirty="0">
-                <a:solidFill>
-                  <a:schemeClr val="tx1"/>
-                </a:solidFill>
-              </a:rPr>
-              <a:t>Control</a:t>
-            </a:r>
-            <a:r>
-              <a:rPr lang="en-US" altLang="zh-CN" sz="1600" b="1" dirty="0"/>
-              <a:t> </a:t>
-            </a:r>
-            <a:r>
-              <a:rPr lang="en-US" altLang="zh-CN" sz="1600" b="1" dirty="0">
-                <a:solidFill>
-                  <a:schemeClr val="tx1"/>
-                </a:solidFill>
-              </a:rPr>
-              <a:t>Weighted</a:t>
-            </a:r>
-            <a:r>
-              <a:rPr lang="en-US" altLang="zh-CN" sz="1600" b="1" dirty="0"/>
-              <a:t> </a:t>
-            </a:r>
-            <a:r>
-              <a:rPr lang="en-US" altLang="zh-CN" sz="1600" b="1" dirty="0">
-                <a:solidFill>
-                  <a:schemeClr val="tx1"/>
-                </a:solidFill>
-              </a:rPr>
-              <a:t>Averaging</a:t>
-            </a:r>
-            <a:endParaRPr lang="zh-CN" altLang="en-US" sz="1600" b="1" dirty="0">
-              <a:solidFill>
-                <a:schemeClr val="tx1"/>
-              </a:solidFill>
-            </a:endParaRPr>
-          </a:p>
-        </p:txBody>
-      </p:sp>
-      <p:sp>
-        <p:nvSpPr>
-          <p:cNvPr id="9" name="Rectangle: Rounded Corners 8">
-            <a:extLst>
-              <a:ext uri="{FF2B5EF4-FFF2-40B4-BE49-F238E27FC236}">
-                <a16:creationId xmlns:a16="http://schemas.microsoft.com/office/drawing/2014/main" id="{37FF3C8A-4A23-45FB-831D-7521FF142DC0}"/>
-              </a:ext>
-            </a:extLst>
-          </p:cNvPr>
-          <p:cNvSpPr/>
-          <p:nvPr/>
-        </p:nvSpPr>
-        <p:spPr>
-          <a:xfrm>
-            <a:off x="8823989" y="4236481"/>
-            <a:ext cx="1812472" cy="869497"/>
-          </a:xfrm>
-          <a:prstGeom prst="roundRect">
-            <a:avLst/>
-          </a:prstGeom>
-        </p:spPr>
-        <p:style>
-          <a:lnRef idx="2">
-            <a:schemeClr val="dk1"/>
-          </a:lnRef>
-          <a:fillRef idx="1">
-            <a:schemeClr val="lt1"/>
-          </a:fillRef>
-          <a:effectRef idx="0">
-            <a:schemeClr val="dk1"/>
-          </a:effectRef>
-          <a:fontRef idx="minor">
-            <a:schemeClr val="dk1"/>
-          </a:fontRef>
-        </p:style>
-        <p:txBody>
-          <a:bodyPr rtlCol="0" anchor="ctr"/>
-          <a:lstStyle/>
-          <a:p>
-            <a:pPr algn="ctr"/>
-            <a:r>
-              <a:rPr lang="en-US" altLang="zh-CN" dirty="0"/>
-              <a:t>Parallel Simulation</a:t>
-            </a:r>
-          </a:p>
-        </p:txBody>
-      </p:sp>
-      <p:cxnSp>
-        <p:nvCxnSpPr>
-          <p:cNvPr id="11" name="Straight Arrow Connector 10">
-            <a:extLst>
-              <a:ext uri="{FF2B5EF4-FFF2-40B4-BE49-F238E27FC236}">
-                <a16:creationId xmlns:a16="http://schemas.microsoft.com/office/drawing/2014/main" id="{C009924D-B8DD-4061-B620-AE3A68F57148}"/>
-              </a:ext>
-            </a:extLst>
-          </p:cNvPr>
-          <p:cNvCxnSpPr>
-            <a:cxnSpLocks/>
-            <a:stCxn id="4" idx="2"/>
-            <a:endCxn id="9" idx="0"/>
-          </p:cNvCxnSpPr>
-          <p:nvPr/>
-        </p:nvCxnSpPr>
-        <p:spPr>
-          <a:xfrm flipH="1">
-            <a:off x="9730225" y="2900603"/>
-            <a:ext cx="11708" cy="1335878"/>
-          </a:xfrm>
-          <a:prstGeom prst="straightConnector1">
-            <a:avLst/>
-          </a:prstGeom>
-          <a:ln>
-            <a:tailEnd type="triangle"/>
-          </a:ln>
-        </p:spPr>
-        <p:style>
-          <a:lnRef idx="3">
-            <a:schemeClr val="accent1"/>
-          </a:lnRef>
-          <a:fillRef idx="0">
-            <a:schemeClr val="accent1"/>
-          </a:fillRef>
-          <a:effectRef idx="2">
-            <a:schemeClr val="accent1"/>
-          </a:effectRef>
-          <a:fontRef idx="minor">
-            <a:schemeClr val="tx1"/>
-          </a:fontRef>
-        </p:style>
-      </p:cxnSp>
-      <p:sp>
-        <p:nvSpPr>
-          <p:cNvPr id="12" name="Rectangle: Rounded Corners 11">
-            <a:extLst>
-              <a:ext uri="{FF2B5EF4-FFF2-40B4-BE49-F238E27FC236}">
-                <a16:creationId xmlns:a16="http://schemas.microsoft.com/office/drawing/2014/main" id="{F242C5EE-8C85-4FB2-8B51-C91EF6E6FC0F}"/>
-              </a:ext>
-            </a:extLst>
-          </p:cNvPr>
-          <p:cNvSpPr/>
-          <p:nvPr/>
-        </p:nvSpPr>
-        <p:spPr>
-          <a:xfrm>
-            <a:off x="854187" y="1756459"/>
-            <a:ext cx="3635149" cy="1126672"/>
-          </a:xfrm>
-          <a:prstGeom prst="roundRect">
-            <a:avLst/>
-          </a:prstGeom>
-        </p:spPr>
-        <p:style>
-          <a:lnRef idx="2">
-            <a:schemeClr val="dk1"/>
-          </a:lnRef>
-          <a:fillRef idx="1">
-            <a:schemeClr val="lt1"/>
-          </a:fillRef>
-          <a:effectRef idx="0">
-            <a:schemeClr val="dk1"/>
-          </a:effectRef>
-          <a:fontRef idx="minor">
-            <a:schemeClr val="dk1"/>
-          </a:fontRef>
-        </p:style>
-        <p:txBody>
-          <a:bodyPr rtlCol="0" anchor="ctr"/>
-          <a:lstStyle/>
-          <a:p>
-            <a:pPr algn="ctr"/>
-            <a:r>
-              <a:rPr lang="en-US" altLang="zh-CN" sz="2400" b="1" dirty="0">
-                <a:solidFill>
-                  <a:schemeClr val="tx1"/>
-                </a:solidFill>
-              </a:rPr>
-              <a:t>Control Barrier Function</a:t>
-            </a:r>
-            <a:endParaRPr lang="zh-CN" altLang="en-US" sz="2400" b="1" dirty="0">
-              <a:solidFill>
-                <a:schemeClr val="tx1"/>
-              </a:solidFill>
-            </a:endParaRPr>
-          </a:p>
-        </p:txBody>
-      </p:sp>
-      <p:cxnSp>
-        <p:nvCxnSpPr>
-          <p:cNvPr id="14" name="Straight Arrow Connector 13">
-            <a:extLst>
-              <a:ext uri="{FF2B5EF4-FFF2-40B4-BE49-F238E27FC236}">
-                <a16:creationId xmlns:a16="http://schemas.microsoft.com/office/drawing/2014/main" id="{84730496-3ECD-4FE0-8A14-6C6FF1E83055}"/>
-              </a:ext>
-            </a:extLst>
-          </p:cNvPr>
-          <p:cNvCxnSpPr>
-            <a:cxnSpLocks/>
-            <a:stCxn id="6" idx="0"/>
-            <a:endCxn id="12" idx="2"/>
-          </p:cNvCxnSpPr>
-          <p:nvPr/>
-        </p:nvCxnSpPr>
-        <p:spPr>
-          <a:xfrm flipH="1" flipV="1">
-            <a:off x="2671762" y="2883131"/>
-            <a:ext cx="1" cy="1350049"/>
-          </a:xfrm>
-          <a:prstGeom prst="straightConnector1">
-            <a:avLst/>
-          </a:prstGeom>
-          <a:ln>
-            <a:tailEnd type="triangle"/>
-          </a:ln>
-        </p:spPr>
-        <p:style>
-          <a:lnRef idx="3">
-            <a:schemeClr val="accent1"/>
-          </a:lnRef>
-          <a:fillRef idx="0">
-            <a:schemeClr val="accent1"/>
-          </a:fillRef>
-          <a:effectRef idx="2">
-            <a:schemeClr val="accent1"/>
-          </a:effectRef>
-          <a:fontRef idx="minor">
-            <a:schemeClr val="tx1"/>
-          </a:fontRef>
-        </p:style>
-      </p:cxnSp>
-      <p:cxnSp>
-        <p:nvCxnSpPr>
-          <p:cNvPr id="17" name="Straight Arrow Connector 16">
-            <a:extLst>
-              <a:ext uri="{FF2B5EF4-FFF2-40B4-BE49-F238E27FC236}">
-                <a16:creationId xmlns:a16="http://schemas.microsoft.com/office/drawing/2014/main" id="{9866981E-80B1-4579-953D-093B01107CE2}"/>
-              </a:ext>
-            </a:extLst>
-          </p:cNvPr>
-          <p:cNvCxnSpPr>
-            <a:cxnSpLocks/>
-            <a:stCxn id="12" idx="3"/>
-            <a:endCxn id="4" idx="1"/>
-          </p:cNvCxnSpPr>
-          <p:nvPr/>
-        </p:nvCxnSpPr>
-        <p:spPr>
-          <a:xfrm>
-            <a:off x="4489336" y="2319795"/>
-            <a:ext cx="3991215" cy="17473"/>
-          </a:xfrm>
-          <a:prstGeom prst="straightConnector1">
-            <a:avLst/>
-          </a:prstGeom>
-          <a:ln>
-            <a:tailEnd type="triangle"/>
-          </a:ln>
-        </p:spPr>
-        <p:style>
-          <a:lnRef idx="3">
-            <a:schemeClr val="accent1"/>
-          </a:lnRef>
-          <a:fillRef idx="0">
-            <a:schemeClr val="accent1"/>
-          </a:fillRef>
-          <a:effectRef idx="2">
-            <a:schemeClr val="accent1"/>
-          </a:effectRef>
-          <a:fontRef idx="minor">
-            <a:schemeClr val="tx1"/>
-          </a:fontRef>
-        </p:style>
-      </p:cxnSp>
-      <p:sp>
-        <p:nvSpPr>
-          <p:cNvPr id="13" name="Rectangle: Rounded Corners 12">
-            <a:extLst>
-              <a:ext uri="{FF2B5EF4-FFF2-40B4-BE49-F238E27FC236}">
-                <a16:creationId xmlns:a16="http://schemas.microsoft.com/office/drawing/2014/main" id="{87C15DC0-8CF6-4CA3-934E-0FFE36BBBDF9}"/>
-              </a:ext>
-            </a:extLst>
-          </p:cNvPr>
-          <p:cNvSpPr/>
-          <p:nvPr/>
-        </p:nvSpPr>
-        <p:spPr>
-          <a:xfrm>
-            <a:off x="8915157" y="4303156"/>
-            <a:ext cx="1812472" cy="869497"/>
-          </a:xfrm>
-          <a:prstGeom prst="roundRect">
-            <a:avLst/>
-          </a:prstGeom>
-        </p:spPr>
-        <p:style>
-          <a:lnRef idx="2">
-            <a:schemeClr val="dk1"/>
-          </a:lnRef>
-          <a:fillRef idx="1">
-            <a:schemeClr val="lt1"/>
-          </a:fillRef>
-          <a:effectRef idx="0">
-            <a:schemeClr val="dk1"/>
-          </a:effectRef>
-          <a:fontRef idx="minor">
-            <a:schemeClr val="dk1"/>
-          </a:fontRef>
-        </p:style>
-        <p:txBody>
-          <a:bodyPr rtlCol="0" anchor="ctr"/>
-          <a:lstStyle/>
-          <a:p>
-            <a:pPr algn="ctr"/>
-            <a:r>
-              <a:rPr lang="en-US" altLang="zh-CN" dirty="0"/>
-              <a:t>Parallel Simulation</a:t>
-            </a:r>
-          </a:p>
-        </p:txBody>
-      </p:sp>
-      <p:sp>
-        <p:nvSpPr>
-          <p:cNvPr id="15" name="Rectangle: Rounded Corners 14">
-            <a:extLst>
-              <a:ext uri="{FF2B5EF4-FFF2-40B4-BE49-F238E27FC236}">
-                <a16:creationId xmlns:a16="http://schemas.microsoft.com/office/drawing/2014/main" id="{4772CB83-DD8D-4A70-B585-BF6E69B28B51}"/>
-              </a:ext>
-            </a:extLst>
-          </p:cNvPr>
-          <p:cNvSpPr/>
-          <p:nvPr/>
-        </p:nvSpPr>
-        <p:spPr>
-          <a:xfrm>
-            <a:off x="8996800" y="4388881"/>
-            <a:ext cx="1812472" cy="869497"/>
-          </a:xfrm>
-          <a:prstGeom prst="roundRect">
-            <a:avLst/>
-          </a:prstGeom>
-        </p:spPr>
-        <p:style>
-          <a:lnRef idx="2">
-            <a:schemeClr val="dk1"/>
-          </a:lnRef>
-          <a:fillRef idx="1">
-            <a:schemeClr val="lt1"/>
-          </a:fillRef>
-          <a:effectRef idx="0">
-            <a:schemeClr val="dk1"/>
-          </a:effectRef>
-          <a:fontRef idx="minor">
-            <a:schemeClr val="dk1"/>
-          </a:fontRef>
-        </p:style>
-        <p:txBody>
-          <a:bodyPr rtlCol="0" anchor="ctr"/>
-          <a:lstStyle/>
-          <a:p>
-            <a:pPr algn="ctr"/>
-            <a:r>
-              <a:rPr lang="en-US" altLang="zh-CN" dirty="0"/>
-              <a:t>Parallel Simulation</a:t>
-            </a:r>
-          </a:p>
-        </p:txBody>
-      </p:sp>
-      <p:sp>
-        <p:nvSpPr>
-          <p:cNvPr id="16" name="Rectangle: Rounded Corners 15">
-            <a:extLst>
-              <a:ext uri="{FF2B5EF4-FFF2-40B4-BE49-F238E27FC236}">
-                <a16:creationId xmlns:a16="http://schemas.microsoft.com/office/drawing/2014/main" id="{91F617DF-0E91-45E5-9DA9-E7EDD712EF7C}"/>
-              </a:ext>
-            </a:extLst>
-          </p:cNvPr>
-          <p:cNvSpPr/>
-          <p:nvPr/>
-        </p:nvSpPr>
-        <p:spPr>
-          <a:xfrm>
-            <a:off x="9065517" y="4493656"/>
-            <a:ext cx="1812472" cy="869497"/>
-          </a:xfrm>
-          <a:prstGeom prst="roundRect">
-            <a:avLst/>
-          </a:prstGeom>
-        </p:spPr>
-        <p:style>
-          <a:lnRef idx="2">
-            <a:schemeClr val="dk1"/>
-          </a:lnRef>
-          <a:fillRef idx="1">
-            <a:schemeClr val="lt1"/>
-          </a:fillRef>
-          <a:effectRef idx="0">
-            <a:schemeClr val="dk1"/>
-          </a:effectRef>
-          <a:fontRef idx="minor">
-            <a:schemeClr val="dk1"/>
-          </a:fontRef>
-        </p:style>
-        <p:txBody>
-          <a:bodyPr rtlCol="0" anchor="ctr"/>
-          <a:lstStyle/>
-          <a:p>
-            <a:pPr algn="ctr"/>
-            <a:endParaRPr lang="en-US" altLang="zh-CN" sz="1200" b="1" dirty="0"/>
-          </a:p>
-          <a:p>
-            <a:pPr algn="ctr"/>
-            <a:endParaRPr lang="en-US" altLang="zh-CN" sz="1200" b="1" dirty="0"/>
-          </a:p>
-          <a:p>
-            <a:pPr algn="ctr"/>
-            <a:r>
-              <a:rPr lang="en-US" altLang="zh-CN" sz="1600" b="1" dirty="0">
-                <a:solidFill>
-                  <a:schemeClr val="tx1"/>
-                </a:solidFill>
-              </a:rPr>
-              <a:t>Parallel Simulation</a:t>
-            </a:r>
-          </a:p>
-          <a:p>
-            <a:pPr algn="ctr"/>
-            <a:endParaRPr lang="en-US" altLang="zh-CN" sz="1200" b="1" dirty="0"/>
-          </a:p>
-          <a:p>
-            <a:pPr algn="ctr"/>
-            <a:endParaRPr lang="en-US" altLang="zh-CN" sz="1200" b="1" dirty="0"/>
-          </a:p>
-        </p:txBody>
-      </p:sp>
-      <p:cxnSp>
-        <p:nvCxnSpPr>
-          <p:cNvPr id="3" name="Straight Arrow Connector 2">
-            <a:extLst>
-              <a:ext uri="{FF2B5EF4-FFF2-40B4-BE49-F238E27FC236}">
-                <a16:creationId xmlns:a16="http://schemas.microsoft.com/office/drawing/2014/main" id="{0BC3B2FB-3168-4E1C-BA1D-A6495B2609B8}"/>
-              </a:ext>
-            </a:extLst>
-          </p:cNvPr>
-          <p:cNvCxnSpPr>
-            <a:cxnSpLocks/>
-            <a:stCxn id="9" idx="1"/>
-            <a:endCxn id="8" idx="3"/>
-          </p:cNvCxnSpPr>
-          <p:nvPr/>
-        </p:nvCxnSpPr>
-        <p:spPr>
-          <a:xfrm flipH="1" flipV="1">
-            <a:off x="7014804" y="4667927"/>
-            <a:ext cx="1809185" cy="3303"/>
-          </a:xfrm>
-          <a:prstGeom prst="straightConnector1">
-            <a:avLst/>
-          </a:prstGeom>
-          <a:ln>
-            <a:tailEnd type="triangle"/>
-          </a:ln>
-        </p:spPr>
-        <p:style>
-          <a:lnRef idx="3">
-            <a:schemeClr val="accent1"/>
-          </a:lnRef>
-          <a:fillRef idx="0">
-            <a:schemeClr val="accent1"/>
-          </a:fillRef>
-          <a:effectRef idx="2">
-            <a:schemeClr val="accent1"/>
-          </a:effectRef>
-          <a:fontRef idx="minor">
-            <a:schemeClr val="tx1"/>
-          </a:fontRef>
-        </p:style>
-      </p:cxnSp>
-      <p:cxnSp>
-        <p:nvCxnSpPr>
-          <p:cNvPr id="20" name="Straight Arrow Connector 19">
-            <a:extLst>
-              <a:ext uri="{FF2B5EF4-FFF2-40B4-BE49-F238E27FC236}">
-                <a16:creationId xmlns:a16="http://schemas.microsoft.com/office/drawing/2014/main" id="{30441291-9F6F-4271-BCA9-4AEA9B8C68F8}"/>
-              </a:ext>
-            </a:extLst>
-          </p:cNvPr>
-          <p:cNvCxnSpPr>
-            <a:cxnSpLocks/>
-            <a:stCxn id="8" idx="1"/>
-            <a:endCxn id="6" idx="3"/>
-          </p:cNvCxnSpPr>
-          <p:nvPr/>
-        </p:nvCxnSpPr>
-        <p:spPr>
-          <a:xfrm flipH="1">
-            <a:off x="3824968" y="4667927"/>
-            <a:ext cx="967464" cy="2"/>
-          </a:xfrm>
-          <a:prstGeom prst="straightConnector1">
-            <a:avLst/>
-          </a:prstGeom>
-          <a:ln>
-            <a:tailEnd type="triangle"/>
-          </a:ln>
-        </p:spPr>
-        <p:style>
-          <a:lnRef idx="3">
-            <a:schemeClr val="accent1"/>
-          </a:lnRef>
-          <a:fillRef idx="0">
-            <a:schemeClr val="accent1"/>
-          </a:fillRef>
-          <a:effectRef idx="2">
-            <a:schemeClr val="accent1"/>
-          </a:effectRef>
-          <a:fontRef idx="minor">
-            <a:schemeClr val="tx1"/>
-          </a:fontRef>
-        </p:style>
-      </p:cxnSp>
-      <p:sp>
-        <p:nvSpPr>
-          <p:cNvPr id="36" name="TextBox 35">
-            <a:extLst>
-              <a:ext uri="{FF2B5EF4-FFF2-40B4-BE49-F238E27FC236}">
-                <a16:creationId xmlns:a16="http://schemas.microsoft.com/office/drawing/2014/main" id="{A588DDEE-F44D-4676-9AA4-D6F81B5B0A34}"/>
-              </a:ext>
-            </a:extLst>
-          </p:cNvPr>
-          <p:cNvSpPr txBox="1"/>
-          <p:nvPr/>
-        </p:nvSpPr>
-        <p:spPr>
-          <a:xfrm>
-            <a:off x="5456155" y="5127030"/>
-            <a:ext cx="1971675" cy="461665"/>
-          </a:xfrm>
-          <a:prstGeom prst="rect">
-            <a:avLst/>
-          </a:prstGeom>
-          <a:noFill/>
-        </p:spPr>
-        <p:txBody>
-          <a:bodyPr wrap="square" rtlCol="0">
-            <a:spAutoFit/>
-          </a:bodyPr>
-          <a:lstStyle/>
-          <a:p>
-            <a:r>
-              <a:rPr lang="en-US" altLang="zh-CN" sz="2400" dirty="0">
-                <a:latin typeface="Times New Roman" panose="02020603050405020304" pitchFamily="18" charset="0"/>
-                <a:cs typeface="Times New Roman" panose="02020603050405020304" pitchFamily="18" charset="0"/>
-              </a:rPr>
-              <a:t>MPPI</a:t>
-            </a:r>
-            <a:endParaRPr lang="zh-CN" altLang="en-US" sz="2400" dirty="0">
-              <a:latin typeface="Times New Roman" panose="02020603050405020304" pitchFamily="18" charset="0"/>
-              <a:cs typeface="Times New Roman" panose="02020603050405020304" pitchFamily="18" charset="0"/>
-            </a:endParaRPr>
-          </a:p>
-        </p:txBody>
-      </p:sp>
-      <mc:AlternateContent xmlns:mc="http://schemas.openxmlformats.org/markup-compatibility/2006" xmlns:a14="http://schemas.microsoft.com/office/drawing/2010/main">
-        <mc:Choice Requires="a14">
-          <p:sp>
-            <p:nvSpPr>
-              <p:cNvPr id="37" name="TextBox 36">
-                <a:extLst>
-                  <a:ext uri="{FF2B5EF4-FFF2-40B4-BE49-F238E27FC236}">
-                    <a16:creationId xmlns:a16="http://schemas.microsoft.com/office/drawing/2014/main" id="{2920D67C-8BFA-47B8-B304-CF49A20AAC8C}"/>
-                  </a:ext>
-                </a:extLst>
-              </p:cNvPr>
-              <p:cNvSpPr txBox="1"/>
-              <p:nvPr/>
-            </p:nvSpPr>
-            <p:spPr>
-              <a:xfrm>
-                <a:off x="9808043" y="3096939"/>
-                <a:ext cx="1095749" cy="369332"/>
-              </a:xfrm>
-              <a:prstGeom prst="rect">
-                <a:avLst/>
-              </a:prstGeom>
-              <a:noFill/>
-            </p:spPr>
-            <p:txBody>
-              <a:bodyPr wrap="none" lIns="0" tIns="0" rIns="0" bIns="0" rtlCol="0">
-                <a:spAutoFit/>
-              </a:bodyPr>
-              <a:lstStyle/>
-              <a:p>
-                <a:pPr/>
-                <a14:m>
-                  <m:oMathPara xmlns:m="http://schemas.openxmlformats.org/officeDocument/2006/math">
-                    <m:oMathParaPr>
-                      <m:jc m:val="centerGroup"/>
-                    </m:oMathParaPr>
-                    <m:oMath xmlns:m="http://schemas.openxmlformats.org/officeDocument/2006/math">
-                      <m:sSub>
-                        <m:sSubPr>
-                          <m:ctrlPr>
-                            <a:rPr lang="en-US" altLang="zh-CN" sz="2400" b="0" i="1" smtClean="0">
-                              <a:latin typeface="Cambria Math" panose="02040503050406030204" pitchFamily="18" charset="0"/>
-                            </a:rPr>
-                          </m:ctrlPr>
-                        </m:sSubPr>
-                        <m:e>
-                          <m:r>
-                            <a:rPr lang="en-US" altLang="zh-CN" sz="2400" b="0" i="1" smtClean="0">
-                              <a:latin typeface="Cambria Math" panose="02040503050406030204" pitchFamily="18" charset="0"/>
-                            </a:rPr>
-                            <m:t>𝑥</m:t>
-                          </m:r>
-                        </m:e>
-                        <m:sub>
-                          <m:r>
-                            <a:rPr lang="en-US" altLang="zh-CN" sz="2400" b="0" i="1" smtClean="0">
-                              <a:latin typeface="Cambria Math" panose="02040503050406030204" pitchFamily="18" charset="0"/>
-                            </a:rPr>
-                            <m:t>𝑡</m:t>
-                          </m:r>
-                        </m:sub>
-                      </m:sSub>
-                      <m:r>
-                        <a:rPr lang="en-US" altLang="zh-CN" sz="2400" b="0" i="1" smtClean="0">
-                          <a:latin typeface="Cambria Math" panose="02040503050406030204" pitchFamily="18" charset="0"/>
-                        </a:rPr>
-                        <m:t>→</m:t>
-                      </m:r>
-                      <m:sSub>
-                        <m:sSubPr>
-                          <m:ctrlPr>
-                            <a:rPr lang="en-US" altLang="zh-CN" sz="2400" b="0" i="1" smtClean="0">
-                              <a:latin typeface="Cambria Math" panose="02040503050406030204" pitchFamily="18" charset="0"/>
-                            </a:rPr>
-                          </m:ctrlPr>
-                        </m:sSubPr>
-                        <m:e>
-                          <m:r>
-                            <a:rPr lang="en-US" altLang="zh-CN" sz="2400" b="0" i="1" smtClean="0">
-                              <a:latin typeface="Cambria Math" panose="02040503050406030204" pitchFamily="18" charset="0"/>
-                            </a:rPr>
-                            <m:t>𝑥</m:t>
-                          </m:r>
-                        </m:e>
-                        <m:sub>
-                          <m:r>
-                            <a:rPr lang="en-US" altLang="zh-CN" sz="2400" b="0" i="1" smtClean="0">
-                              <a:latin typeface="Cambria Math" panose="02040503050406030204" pitchFamily="18" charset="0"/>
-                            </a:rPr>
-                            <m:t>0</m:t>
-                          </m:r>
-                        </m:sub>
-                      </m:sSub>
-                    </m:oMath>
-                  </m:oMathPara>
-                </a14:m>
-                <a:endParaRPr lang="zh-CN" altLang="en-US" sz="2400" dirty="0"/>
-              </a:p>
-            </p:txBody>
-          </p:sp>
-        </mc:Choice>
-        <mc:Fallback xmlns="">
-          <p:sp>
-            <p:nvSpPr>
-              <p:cNvPr id="37" name="TextBox 36">
-                <a:extLst>
-                  <a:ext uri="{FF2B5EF4-FFF2-40B4-BE49-F238E27FC236}">
-                    <a16:creationId xmlns:a16="http://schemas.microsoft.com/office/drawing/2014/main" id="{2920D67C-8BFA-47B8-B304-CF49A20AAC8C}"/>
-                  </a:ext>
-                </a:extLst>
-              </p:cNvPr>
-              <p:cNvSpPr txBox="1">
-                <a:spLocks noRot="1" noChangeAspect="1" noMove="1" noResize="1" noEditPoints="1" noAdjustHandles="1" noChangeArrowheads="1" noChangeShapeType="1" noTextEdit="1"/>
-              </p:cNvSpPr>
-              <p:nvPr/>
-            </p:nvSpPr>
-            <p:spPr>
-              <a:xfrm>
-                <a:off x="9808043" y="3096939"/>
-                <a:ext cx="1095749" cy="369332"/>
-              </a:xfrm>
-              <a:prstGeom prst="rect">
-                <a:avLst/>
-              </a:prstGeom>
-              <a:blipFill>
-                <a:blip r:embed="rId3"/>
-                <a:stretch>
-                  <a:fillRect l="-2778" r="-1667" b="-13115"/>
-                </a:stretch>
-              </a:blipFill>
-            </p:spPr>
-            <p:txBody>
-              <a:bodyPr/>
-              <a:lstStyle/>
-              <a:p>
-                <a:r>
-                  <a:rPr lang="zh-CN" altLang="en-US">
-                    <a:noFill/>
-                  </a:rPr>
-                  <a:t> </a:t>
-                </a:r>
-              </a:p>
-            </p:txBody>
-          </p:sp>
-        </mc:Fallback>
-      </mc:AlternateContent>
-      <mc:AlternateContent xmlns:mc="http://schemas.openxmlformats.org/markup-compatibility/2006" xmlns:a14="http://schemas.microsoft.com/office/drawing/2010/main">
-        <mc:Choice Requires="a14">
-          <p:sp>
-            <p:nvSpPr>
-              <p:cNvPr id="51" name="TextBox 50">
-                <a:extLst>
-                  <a:ext uri="{FF2B5EF4-FFF2-40B4-BE49-F238E27FC236}">
-                    <a16:creationId xmlns:a16="http://schemas.microsoft.com/office/drawing/2014/main" id="{80B43B82-D5F2-48C5-B790-AFD875BFFE5B}"/>
-                  </a:ext>
-                </a:extLst>
-              </p:cNvPr>
-              <p:cNvSpPr txBox="1"/>
-              <p:nvPr/>
-            </p:nvSpPr>
-            <p:spPr>
-              <a:xfrm>
-                <a:off x="4094770" y="4301404"/>
-                <a:ext cx="541110" cy="369332"/>
-              </a:xfrm>
-              <a:prstGeom prst="rect">
-                <a:avLst/>
-              </a:prstGeom>
-              <a:noFill/>
-            </p:spPr>
-            <p:txBody>
-              <a:bodyPr wrap="none" lIns="0" tIns="0" rIns="0" bIns="0" rtlCol="0">
-                <a:spAutoFit/>
-              </a:bodyPr>
-              <a:lstStyle/>
-              <a:p>
-                <a:pPr/>
-                <a14:m>
-                  <m:oMathPara xmlns:m="http://schemas.openxmlformats.org/officeDocument/2006/math">
-                    <m:oMathParaPr>
-                      <m:jc m:val="centerGroup"/>
-                    </m:oMathParaPr>
-                    <m:oMath xmlns:m="http://schemas.openxmlformats.org/officeDocument/2006/math">
-                      <m:sSup>
-                        <m:sSupPr>
-                          <m:ctrlPr>
-                            <a:rPr lang="en-US" altLang="zh-CN" sz="2400" b="0" i="1" smtClean="0">
-                              <a:latin typeface="Cambria Math" panose="02040503050406030204" pitchFamily="18" charset="0"/>
-                            </a:rPr>
-                          </m:ctrlPr>
-                        </m:sSupPr>
-                        <m:e>
-                          <m:r>
-                            <a:rPr lang="en-US" altLang="zh-CN" sz="2400" b="0" i="1" smtClean="0">
-                              <a:latin typeface="Cambria Math" panose="02040503050406030204" pitchFamily="18" charset="0"/>
-                            </a:rPr>
-                            <m:t>𝜔</m:t>
-                          </m:r>
-                        </m:e>
-                        <m:sup>
-                          <m:r>
-                            <a:rPr lang="en-US" altLang="zh-CN" sz="2400" b="0" i="1" smtClean="0">
-                              <a:latin typeface="Cambria Math" panose="02040503050406030204" pitchFamily="18" charset="0"/>
-                            </a:rPr>
-                            <m:t>𝑚</m:t>
-                          </m:r>
-                        </m:sup>
-                      </m:sSup>
-                    </m:oMath>
-                  </m:oMathPara>
-                </a14:m>
-                <a:endParaRPr lang="zh-CN" altLang="en-US" sz="2400" dirty="0"/>
-              </a:p>
-            </p:txBody>
-          </p:sp>
-        </mc:Choice>
-        <mc:Fallback xmlns="">
-          <p:sp>
-            <p:nvSpPr>
-              <p:cNvPr id="51" name="TextBox 50">
-                <a:extLst>
-                  <a:ext uri="{FF2B5EF4-FFF2-40B4-BE49-F238E27FC236}">
-                    <a16:creationId xmlns:a16="http://schemas.microsoft.com/office/drawing/2014/main" id="{80B43B82-D5F2-48C5-B790-AFD875BFFE5B}"/>
-                  </a:ext>
-                </a:extLst>
-              </p:cNvPr>
-              <p:cNvSpPr txBox="1">
-                <a:spLocks noRot="1" noChangeAspect="1" noMove="1" noResize="1" noEditPoints="1" noAdjustHandles="1" noChangeArrowheads="1" noChangeShapeType="1" noTextEdit="1"/>
-              </p:cNvSpPr>
-              <p:nvPr/>
-            </p:nvSpPr>
-            <p:spPr>
-              <a:xfrm>
-                <a:off x="4094770" y="4301404"/>
-                <a:ext cx="541110" cy="369332"/>
-              </a:xfrm>
-              <a:prstGeom prst="rect">
-                <a:avLst/>
-              </a:prstGeom>
-              <a:blipFill>
-                <a:blip r:embed="rId4"/>
-                <a:stretch>
-                  <a:fillRect l="-6818"/>
-                </a:stretch>
-              </a:blipFill>
-            </p:spPr>
-            <p:txBody>
-              <a:bodyPr/>
-              <a:lstStyle/>
-              <a:p>
-                <a:r>
-                  <a:rPr lang="zh-CN" altLang="en-US">
-                    <a:noFill/>
-                  </a:rPr>
-                  <a:t> </a:t>
-                </a:r>
-              </a:p>
-            </p:txBody>
-          </p:sp>
-        </mc:Fallback>
-      </mc:AlternateContent>
-      <p:cxnSp>
-        <p:nvCxnSpPr>
-          <p:cNvPr id="53" name="Straight Arrow Connector 52">
-            <a:extLst>
-              <a:ext uri="{FF2B5EF4-FFF2-40B4-BE49-F238E27FC236}">
-                <a16:creationId xmlns:a16="http://schemas.microsoft.com/office/drawing/2014/main" id="{BAD3A9E3-3FD1-4B24-A405-4C372A472096}"/>
-              </a:ext>
-            </a:extLst>
-          </p:cNvPr>
-          <p:cNvCxnSpPr>
-            <a:cxnSpLocks/>
-          </p:cNvCxnSpPr>
-          <p:nvPr/>
-        </p:nvCxnSpPr>
-        <p:spPr>
-          <a:xfrm flipV="1">
-            <a:off x="2682064" y="5102675"/>
-            <a:ext cx="0" cy="1067967"/>
-          </a:xfrm>
-          <a:prstGeom prst="straightConnector1">
-            <a:avLst/>
-          </a:prstGeom>
-          <a:ln>
-            <a:tailEnd type="triangle"/>
-          </a:ln>
-        </p:spPr>
-        <p:style>
-          <a:lnRef idx="3">
-            <a:schemeClr val="accent1"/>
-          </a:lnRef>
-          <a:fillRef idx="0">
-            <a:schemeClr val="accent1"/>
-          </a:fillRef>
-          <a:effectRef idx="2">
-            <a:schemeClr val="accent1"/>
-          </a:effectRef>
-          <a:fontRef idx="minor">
-            <a:schemeClr val="tx1"/>
-          </a:fontRef>
-        </p:style>
-      </p:cxnSp>
-      <mc:AlternateContent xmlns:mc="http://schemas.openxmlformats.org/markup-compatibility/2006" xmlns:a14="http://schemas.microsoft.com/office/drawing/2010/main">
-        <mc:Choice Requires="a14">
-          <p:sp>
-            <p:nvSpPr>
-              <p:cNvPr id="57" name="TextBox 56">
-                <a:extLst>
-                  <a:ext uri="{FF2B5EF4-FFF2-40B4-BE49-F238E27FC236}">
-                    <a16:creationId xmlns:a16="http://schemas.microsoft.com/office/drawing/2014/main" id="{993CFC25-4FB2-442B-963A-2B81FD97FCA1}"/>
-                  </a:ext>
-                </a:extLst>
-              </p:cNvPr>
-              <p:cNvSpPr txBox="1"/>
-              <p:nvPr/>
-            </p:nvSpPr>
-            <p:spPr>
-              <a:xfrm>
-                <a:off x="2960112" y="5609155"/>
-                <a:ext cx="388055" cy="369332"/>
-              </a:xfrm>
-              <a:prstGeom prst="rect">
-                <a:avLst/>
-              </a:prstGeom>
-              <a:noFill/>
-            </p:spPr>
-            <p:txBody>
-              <a:bodyPr wrap="none" lIns="0" tIns="0" rIns="0" bIns="0" rtlCol="0">
-                <a:spAutoFit/>
-              </a:bodyPr>
-              <a:lstStyle/>
-              <a:p>
-                <a:pPr/>
-                <a14:m>
-                  <m:oMathPara xmlns:m="http://schemas.openxmlformats.org/officeDocument/2006/math">
-                    <m:oMathParaPr>
-                      <m:jc m:val="centerGroup"/>
-                    </m:oMathParaPr>
-                    <m:oMath xmlns:m="http://schemas.openxmlformats.org/officeDocument/2006/math">
-                      <m:sSub>
-                        <m:sSubPr>
-                          <m:ctrlPr>
-                            <a:rPr lang="en-US" altLang="zh-CN" sz="2400" b="0" i="1" smtClean="0">
-                              <a:latin typeface="Cambria Math" panose="02040503050406030204" pitchFamily="18" charset="0"/>
-                            </a:rPr>
-                          </m:ctrlPr>
-                        </m:sSubPr>
-                        <m:e>
-                          <m:r>
-                            <a:rPr lang="en-US" altLang="zh-CN" sz="2400" b="0" i="1" smtClean="0">
-                              <a:latin typeface="Cambria Math" panose="02040503050406030204" pitchFamily="18" charset="0"/>
-                            </a:rPr>
-                            <m:t>𝑥</m:t>
-                          </m:r>
-                        </m:e>
-                        <m:sub>
-                          <m:r>
-                            <a:rPr lang="en-US" altLang="zh-CN" sz="2400" b="0" i="1" smtClean="0">
-                              <a:latin typeface="Cambria Math" panose="02040503050406030204" pitchFamily="18" charset="0"/>
-                            </a:rPr>
-                            <m:t>0</m:t>
-                          </m:r>
-                        </m:sub>
-                      </m:sSub>
-                    </m:oMath>
-                  </m:oMathPara>
-                </a14:m>
-                <a:endParaRPr lang="zh-CN" altLang="en-US" sz="2400" dirty="0"/>
-              </a:p>
-            </p:txBody>
-          </p:sp>
-        </mc:Choice>
-        <mc:Fallback xmlns="">
-          <p:sp>
-            <p:nvSpPr>
-              <p:cNvPr id="57" name="TextBox 56">
-                <a:extLst>
-                  <a:ext uri="{FF2B5EF4-FFF2-40B4-BE49-F238E27FC236}">
-                    <a16:creationId xmlns:a16="http://schemas.microsoft.com/office/drawing/2014/main" id="{993CFC25-4FB2-442B-963A-2B81FD97FCA1}"/>
-                  </a:ext>
-                </a:extLst>
-              </p:cNvPr>
-              <p:cNvSpPr txBox="1">
-                <a:spLocks noRot="1" noChangeAspect="1" noMove="1" noResize="1" noEditPoints="1" noAdjustHandles="1" noChangeArrowheads="1" noChangeShapeType="1" noTextEdit="1"/>
-              </p:cNvSpPr>
-              <p:nvPr/>
-            </p:nvSpPr>
-            <p:spPr>
-              <a:xfrm>
-                <a:off x="2960112" y="5609155"/>
-                <a:ext cx="388055" cy="369332"/>
-              </a:xfrm>
-              <a:prstGeom prst="rect">
-                <a:avLst/>
-              </a:prstGeom>
-              <a:blipFill>
-                <a:blip r:embed="rId5"/>
-                <a:stretch>
-                  <a:fillRect l="-9524" r="-6349" b="-13115"/>
-                </a:stretch>
-              </a:blipFill>
-            </p:spPr>
-            <p:txBody>
-              <a:bodyPr/>
-              <a:lstStyle/>
-              <a:p>
-                <a:r>
-                  <a:rPr lang="zh-CN" altLang="en-US">
-                    <a:noFill/>
-                  </a:rPr>
-                  <a:t> </a:t>
-                </a:r>
-              </a:p>
-            </p:txBody>
-          </p:sp>
-        </mc:Fallback>
-      </mc:AlternateContent>
-      <mc:AlternateContent xmlns:mc="http://schemas.openxmlformats.org/markup-compatibility/2006" xmlns:a14="http://schemas.microsoft.com/office/drawing/2010/main">
-        <mc:Choice Requires="a14">
-          <p:sp>
-            <p:nvSpPr>
-              <p:cNvPr id="58" name="TextBox 57">
-                <a:extLst>
-                  <a:ext uri="{FF2B5EF4-FFF2-40B4-BE49-F238E27FC236}">
-                    <a16:creationId xmlns:a16="http://schemas.microsoft.com/office/drawing/2014/main" id="{4A4FD2DA-F8E0-4F91-83F2-280C0A02E055}"/>
-                  </a:ext>
-                </a:extLst>
-              </p:cNvPr>
-              <p:cNvSpPr txBox="1"/>
-              <p:nvPr/>
-            </p:nvSpPr>
-            <p:spPr>
-              <a:xfrm>
-                <a:off x="2959699" y="3265293"/>
-                <a:ext cx="812595" cy="369332"/>
-              </a:xfrm>
-              <a:prstGeom prst="rect">
-                <a:avLst/>
-              </a:prstGeom>
-              <a:noFill/>
-            </p:spPr>
-            <p:txBody>
-              <a:bodyPr wrap="none" lIns="0" tIns="0" rIns="0" bIns="0" rtlCol="0">
-                <a:spAutoFit/>
-              </a:bodyPr>
-              <a:lstStyle/>
-              <a:p>
-                <a:pPr/>
-                <a14:m>
-                  <m:oMathPara xmlns:m="http://schemas.openxmlformats.org/officeDocument/2006/math">
-                    <m:oMathParaPr>
-                      <m:jc m:val="centerGroup"/>
-                    </m:oMathParaPr>
-                    <m:oMath xmlns:m="http://schemas.openxmlformats.org/officeDocument/2006/math">
-                      <m:sSub>
-                        <m:sSubPr>
-                          <m:ctrlPr>
-                            <a:rPr lang="en-US" altLang="zh-CN" sz="2400" b="0" i="1" smtClean="0">
-                              <a:latin typeface="Cambria Math" panose="02040503050406030204" pitchFamily="18" charset="0"/>
-                            </a:rPr>
-                          </m:ctrlPr>
-                        </m:sSubPr>
-                        <m:e>
-                          <m:r>
-                            <a:rPr lang="en-US" altLang="zh-CN" sz="2400" b="0" i="1" smtClean="0">
-                              <a:latin typeface="Cambria Math" panose="02040503050406030204" pitchFamily="18" charset="0"/>
-                            </a:rPr>
-                            <m:t>𝑥</m:t>
-                          </m:r>
-                        </m:e>
-                        <m:sub>
-                          <m:r>
-                            <a:rPr lang="en-US" altLang="zh-CN" sz="2400" b="0" i="1" smtClean="0">
-                              <a:latin typeface="Cambria Math" panose="02040503050406030204" pitchFamily="18" charset="0"/>
-                            </a:rPr>
-                            <m:t>𝑟</m:t>
-                          </m:r>
-                        </m:sub>
-                      </m:sSub>
-                      <m:r>
-                        <a:rPr lang="en-US" altLang="zh-CN" sz="2400" b="0" i="1" smtClean="0">
-                          <a:latin typeface="Cambria Math" panose="02040503050406030204" pitchFamily="18" charset="0"/>
-                        </a:rPr>
-                        <m:t>,</m:t>
-                      </m:r>
-                      <m:sSub>
-                        <m:sSubPr>
-                          <m:ctrlPr>
-                            <a:rPr lang="en-US" altLang="zh-CN" sz="2400" b="0" i="1" smtClean="0">
-                              <a:latin typeface="Cambria Math" panose="02040503050406030204" pitchFamily="18" charset="0"/>
-                            </a:rPr>
-                          </m:ctrlPr>
-                        </m:sSubPr>
-                        <m:e>
-                          <m:r>
-                            <a:rPr lang="en-US" altLang="zh-CN" sz="2400" b="0" i="1" smtClean="0">
-                              <a:latin typeface="Cambria Math" panose="02040503050406030204" pitchFamily="18" charset="0"/>
-                            </a:rPr>
-                            <m:t>𝑢</m:t>
-                          </m:r>
-                        </m:e>
-                        <m:sub>
-                          <m:r>
-                            <a:rPr lang="en-US" altLang="zh-CN" sz="2400" b="0" i="1" smtClean="0">
-                              <a:latin typeface="Cambria Math" panose="02040503050406030204" pitchFamily="18" charset="0"/>
-                            </a:rPr>
-                            <m:t>𝑟</m:t>
-                          </m:r>
-                        </m:sub>
-                      </m:sSub>
-                    </m:oMath>
-                  </m:oMathPara>
-                </a14:m>
-                <a:endParaRPr lang="zh-CN" altLang="en-US" sz="2400" dirty="0"/>
-              </a:p>
-            </p:txBody>
-          </p:sp>
-        </mc:Choice>
-        <mc:Fallback xmlns="">
-          <p:sp>
-            <p:nvSpPr>
-              <p:cNvPr id="58" name="TextBox 57">
-                <a:extLst>
-                  <a:ext uri="{FF2B5EF4-FFF2-40B4-BE49-F238E27FC236}">
-                    <a16:creationId xmlns:a16="http://schemas.microsoft.com/office/drawing/2014/main" id="{4A4FD2DA-F8E0-4F91-83F2-280C0A02E055}"/>
-                  </a:ext>
-                </a:extLst>
-              </p:cNvPr>
-              <p:cNvSpPr txBox="1">
-                <a:spLocks noRot="1" noChangeAspect="1" noMove="1" noResize="1" noEditPoints="1" noAdjustHandles="1" noChangeArrowheads="1" noChangeShapeType="1" noTextEdit="1"/>
-              </p:cNvSpPr>
-              <p:nvPr/>
-            </p:nvSpPr>
-            <p:spPr>
-              <a:xfrm>
-                <a:off x="2959699" y="3265293"/>
-                <a:ext cx="812595" cy="369332"/>
-              </a:xfrm>
-              <a:prstGeom prst="rect">
-                <a:avLst/>
-              </a:prstGeom>
-              <a:blipFill>
-                <a:blip r:embed="rId6"/>
-                <a:stretch>
-                  <a:fillRect l="-4511" b="-10000"/>
-                </a:stretch>
-              </a:blipFill>
-            </p:spPr>
-            <p:txBody>
-              <a:bodyPr/>
-              <a:lstStyle/>
-              <a:p>
-                <a:r>
-                  <a:rPr lang="zh-CN" altLang="en-US">
-                    <a:noFill/>
-                  </a:rPr>
-                  <a:t> </a:t>
-                </a:r>
-              </a:p>
-            </p:txBody>
-          </p:sp>
-        </mc:Fallback>
-      </mc:AlternateContent>
-      <mc:AlternateContent xmlns:mc="http://schemas.openxmlformats.org/markup-compatibility/2006" xmlns:a14="http://schemas.microsoft.com/office/drawing/2010/main">
-        <mc:Choice Requires="a14">
-          <p:sp>
-            <p:nvSpPr>
-              <p:cNvPr id="59" name="TextBox 58">
-                <a:extLst>
-                  <a:ext uri="{FF2B5EF4-FFF2-40B4-BE49-F238E27FC236}">
-                    <a16:creationId xmlns:a16="http://schemas.microsoft.com/office/drawing/2014/main" id="{B11F33A5-42D4-48E8-B61D-ED7E5EC8561D}"/>
-                  </a:ext>
-                </a:extLst>
-              </p:cNvPr>
-              <p:cNvSpPr txBox="1"/>
-              <p:nvPr/>
-            </p:nvSpPr>
-            <p:spPr>
-              <a:xfrm>
-                <a:off x="5817363" y="1967935"/>
-                <a:ext cx="387670" cy="369332"/>
-              </a:xfrm>
-              <a:prstGeom prst="rect">
-                <a:avLst/>
-              </a:prstGeom>
-              <a:noFill/>
-            </p:spPr>
-            <p:txBody>
-              <a:bodyPr wrap="none" lIns="0" tIns="0" rIns="0" bIns="0" rtlCol="0">
-                <a:spAutoFit/>
-              </a:bodyPr>
-              <a:lstStyle/>
-              <a:p>
-                <a:pPr/>
-                <a14:m>
-                  <m:oMathPara xmlns:m="http://schemas.openxmlformats.org/officeDocument/2006/math">
-                    <m:oMathParaPr>
-                      <m:jc m:val="centerGroup"/>
-                    </m:oMathParaPr>
-                    <m:oMath xmlns:m="http://schemas.openxmlformats.org/officeDocument/2006/math">
-                      <m:sSub>
-                        <m:sSubPr>
-                          <m:ctrlPr>
-                            <a:rPr lang="en-US" altLang="zh-CN" sz="2400" b="0" i="1" smtClean="0">
-                              <a:latin typeface="Cambria Math" panose="02040503050406030204" pitchFamily="18" charset="0"/>
-                            </a:rPr>
-                          </m:ctrlPr>
-                        </m:sSubPr>
-                        <m:e>
-                          <m:r>
-                            <a:rPr lang="en-US" altLang="zh-CN" sz="2400" b="0" i="1" smtClean="0">
-                              <a:latin typeface="Cambria Math" panose="02040503050406030204" pitchFamily="18" charset="0"/>
-                            </a:rPr>
-                            <m:t>𝑢</m:t>
-                          </m:r>
-                        </m:e>
-                        <m:sub>
-                          <m:r>
-                            <a:rPr lang="en-US" altLang="zh-CN" sz="2400" b="0" i="1" smtClean="0">
-                              <a:latin typeface="Cambria Math" panose="02040503050406030204" pitchFamily="18" charset="0"/>
-                            </a:rPr>
-                            <m:t>𝑠</m:t>
-                          </m:r>
-                        </m:sub>
-                      </m:sSub>
-                    </m:oMath>
-                  </m:oMathPara>
-                </a14:m>
-                <a:endParaRPr lang="zh-CN" altLang="en-US" sz="2400" dirty="0"/>
-              </a:p>
-            </p:txBody>
-          </p:sp>
-        </mc:Choice>
-        <mc:Fallback xmlns="">
-          <p:sp>
-            <p:nvSpPr>
-              <p:cNvPr id="59" name="TextBox 58">
-                <a:extLst>
-                  <a:ext uri="{FF2B5EF4-FFF2-40B4-BE49-F238E27FC236}">
-                    <a16:creationId xmlns:a16="http://schemas.microsoft.com/office/drawing/2014/main" id="{B11F33A5-42D4-48E8-B61D-ED7E5EC8561D}"/>
-                  </a:ext>
-                </a:extLst>
-              </p:cNvPr>
-              <p:cNvSpPr txBox="1">
-                <a:spLocks noRot="1" noChangeAspect="1" noMove="1" noResize="1" noEditPoints="1" noAdjustHandles="1" noChangeArrowheads="1" noChangeShapeType="1" noTextEdit="1"/>
-              </p:cNvSpPr>
-              <p:nvPr/>
-            </p:nvSpPr>
-            <p:spPr>
-              <a:xfrm>
-                <a:off x="5817363" y="1967935"/>
-                <a:ext cx="387670" cy="369332"/>
-              </a:xfrm>
-              <a:prstGeom prst="rect">
-                <a:avLst/>
-              </a:prstGeom>
-              <a:blipFill>
-                <a:blip r:embed="rId7"/>
-                <a:stretch>
-                  <a:fillRect l="-7813" b="-10000"/>
-                </a:stretch>
-              </a:blipFill>
-            </p:spPr>
-            <p:txBody>
-              <a:bodyPr/>
-              <a:lstStyle/>
-              <a:p>
-                <a:r>
-                  <a:rPr lang="zh-CN" altLang="en-US">
-                    <a:noFill/>
-                  </a:rPr>
-                  <a:t> </a:t>
-                </a:r>
-              </a:p>
-            </p:txBody>
-          </p:sp>
-        </mc:Fallback>
-      </mc:AlternateContent>
-      <mc:AlternateContent xmlns:mc="http://schemas.openxmlformats.org/markup-compatibility/2006" xmlns:a14="http://schemas.microsoft.com/office/drawing/2010/main">
-        <mc:Choice Requires="a14">
-          <p:sp>
-            <p:nvSpPr>
-              <p:cNvPr id="60" name="TextBox 59">
-                <a:extLst>
-                  <a:ext uri="{FF2B5EF4-FFF2-40B4-BE49-F238E27FC236}">
-                    <a16:creationId xmlns:a16="http://schemas.microsoft.com/office/drawing/2014/main" id="{A0052B95-3FCF-4DEA-9EA3-0A863DD0CE9C}"/>
-                  </a:ext>
-                </a:extLst>
-              </p:cNvPr>
-              <p:cNvSpPr txBox="1"/>
-              <p:nvPr/>
-            </p:nvSpPr>
-            <p:spPr>
-              <a:xfrm>
-                <a:off x="9808043" y="3403680"/>
-                <a:ext cx="820609" cy="369332"/>
-              </a:xfrm>
-              <a:prstGeom prst="rect">
-                <a:avLst/>
-              </a:prstGeom>
-              <a:noFill/>
-            </p:spPr>
-            <p:txBody>
-              <a:bodyPr wrap="none" lIns="0" tIns="0" rIns="0" bIns="0" rtlCol="0">
-                <a:spAutoFit/>
-              </a:bodyPr>
-              <a:lstStyle/>
-              <a:p>
-                <a:pPr/>
-                <a14:m>
-                  <m:oMathPara xmlns:m="http://schemas.openxmlformats.org/officeDocument/2006/math">
-                    <m:oMathParaPr>
-                      <m:jc m:val="centerGroup"/>
-                    </m:oMathParaPr>
-                    <m:oMath xmlns:m="http://schemas.openxmlformats.org/officeDocument/2006/math">
-                      <m:sSub>
-                        <m:sSubPr>
-                          <m:ctrlPr>
-                            <a:rPr lang="en-US" altLang="zh-CN" sz="2400" b="0" i="1" smtClean="0">
-                              <a:latin typeface="Cambria Math" panose="02040503050406030204" pitchFamily="18" charset="0"/>
-                            </a:rPr>
-                          </m:ctrlPr>
-                        </m:sSubPr>
-                        <m:e>
-                          <m:r>
-                            <a:rPr lang="en-US" altLang="zh-CN" sz="2400" b="0" i="1" smtClean="0">
-                              <a:latin typeface="Cambria Math" panose="02040503050406030204" pitchFamily="18" charset="0"/>
-                            </a:rPr>
-                            <m:t>𝜇</m:t>
-                          </m:r>
-                        </m:e>
-                        <m:sub>
-                          <m:r>
-                            <a:rPr lang="en-US" altLang="zh-CN" sz="2400" b="0" i="1" smtClean="0">
-                              <a:latin typeface="Cambria Math" panose="02040503050406030204" pitchFamily="18" charset="0"/>
-                            </a:rPr>
-                            <m:t>0</m:t>
-                          </m:r>
-                        </m:sub>
-                      </m:sSub>
-                      <m:r>
-                        <a:rPr lang="en-US" altLang="zh-CN" sz="2400" b="0" i="1" smtClean="0">
-                          <a:latin typeface="Cambria Math" panose="02040503050406030204" pitchFamily="18" charset="0"/>
-                        </a:rPr>
-                        <m:t>,</m:t>
-                      </m:r>
-                      <m:sSub>
-                        <m:sSubPr>
-                          <m:ctrlPr>
-                            <a:rPr lang="en-US" altLang="zh-CN" sz="2400" b="0" i="1" smtClean="0">
-                              <a:latin typeface="Cambria Math" panose="02040503050406030204" pitchFamily="18" charset="0"/>
-                            </a:rPr>
-                          </m:ctrlPr>
-                        </m:sSubPr>
-                        <m:e>
-                          <m:r>
-                            <m:rPr>
-                              <m:sty m:val="p"/>
-                            </m:rPr>
-                            <a:rPr lang="en-US" altLang="zh-CN" sz="2400" b="0" i="0" smtClean="0">
-                              <a:latin typeface="Cambria Math" panose="02040503050406030204" pitchFamily="18" charset="0"/>
-                            </a:rPr>
-                            <m:t>Σ</m:t>
-                          </m:r>
-                        </m:e>
-                        <m:sub>
-                          <m:r>
-                            <a:rPr lang="en-US" altLang="zh-CN" sz="2400" b="0" i="1" smtClean="0">
-                              <a:latin typeface="Cambria Math" panose="02040503050406030204" pitchFamily="18" charset="0"/>
-                            </a:rPr>
-                            <m:t>0</m:t>
-                          </m:r>
-                        </m:sub>
-                      </m:sSub>
-                    </m:oMath>
-                  </m:oMathPara>
-                </a14:m>
-                <a:endParaRPr lang="zh-CN" altLang="en-US" sz="2400" dirty="0"/>
-              </a:p>
-            </p:txBody>
-          </p:sp>
-        </mc:Choice>
-        <mc:Fallback xmlns="">
-          <p:sp>
-            <p:nvSpPr>
-              <p:cNvPr id="60" name="TextBox 59">
-                <a:extLst>
-                  <a:ext uri="{FF2B5EF4-FFF2-40B4-BE49-F238E27FC236}">
-                    <a16:creationId xmlns:a16="http://schemas.microsoft.com/office/drawing/2014/main" id="{A0052B95-3FCF-4DEA-9EA3-0A863DD0CE9C}"/>
-                  </a:ext>
-                </a:extLst>
-              </p:cNvPr>
-              <p:cNvSpPr txBox="1">
-                <a:spLocks noRot="1" noChangeAspect="1" noMove="1" noResize="1" noEditPoints="1" noAdjustHandles="1" noChangeArrowheads="1" noChangeShapeType="1" noTextEdit="1"/>
-              </p:cNvSpPr>
-              <p:nvPr/>
-            </p:nvSpPr>
-            <p:spPr>
-              <a:xfrm>
-                <a:off x="9808043" y="3403680"/>
-                <a:ext cx="820609" cy="369332"/>
-              </a:xfrm>
-              <a:prstGeom prst="rect">
-                <a:avLst/>
-              </a:prstGeom>
-              <a:blipFill>
-                <a:blip r:embed="rId8"/>
-                <a:stretch>
-                  <a:fillRect l="-8148" r="-741" b="-22951"/>
-                </a:stretch>
-              </a:blipFill>
-            </p:spPr>
-            <p:txBody>
-              <a:bodyPr/>
-              <a:lstStyle/>
-              <a:p>
-                <a:r>
-                  <a:rPr lang="zh-CN" altLang="en-US">
-                    <a:noFill/>
-                  </a:rPr>
-                  <a:t> </a:t>
-                </a:r>
-              </a:p>
-            </p:txBody>
-          </p:sp>
-        </mc:Fallback>
-      </mc:AlternateContent>
-      <mc:AlternateContent xmlns:mc="http://schemas.openxmlformats.org/markup-compatibility/2006" xmlns:a14="http://schemas.microsoft.com/office/drawing/2010/main">
-        <mc:Choice Requires="a14">
-          <p:sp>
-            <p:nvSpPr>
-              <p:cNvPr id="65" name="TextBox 64">
-                <a:extLst>
-                  <a:ext uri="{FF2B5EF4-FFF2-40B4-BE49-F238E27FC236}">
-                    <a16:creationId xmlns:a16="http://schemas.microsoft.com/office/drawing/2014/main" id="{064EF36F-1550-4429-9AC7-B33FAE2A205C}"/>
-                  </a:ext>
-                </a:extLst>
-              </p:cNvPr>
-              <p:cNvSpPr txBox="1"/>
-              <p:nvPr/>
-            </p:nvSpPr>
-            <p:spPr>
-              <a:xfrm>
-                <a:off x="7271978" y="4264089"/>
-                <a:ext cx="1398318" cy="369332"/>
-              </a:xfrm>
-              <a:prstGeom prst="rect">
-                <a:avLst/>
-              </a:prstGeom>
-              <a:noFill/>
-            </p:spPr>
-            <p:txBody>
-              <a:bodyPr wrap="square" lIns="0" tIns="0" rIns="0" bIns="0" rtlCol="0">
-                <a:spAutoFit/>
-              </a:bodyPr>
-              <a:lstStyle/>
-              <a:p>
-                <a:pPr/>
-                <a14:m>
-                  <m:oMathPara xmlns:m="http://schemas.openxmlformats.org/officeDocument/2006/math">
-                    <m:oMathParaPr>
-                      <m:jc m:val="centerGroup"/>
-                    </m:oMathParaPr>
-                    <m:oMath xmlns:m="http://schemas.openxmlformats.org/officeDocument/2006/math">
-                      <m:r>
-                        <a:rPr lang="en-US" altLang="zh-CN" sz="2400" b="0" i="1" smtClean="0">
-                          <a:latin typeface="Cambria Math" panose="02040503050406030204" pitchFamily="18" charset="0"/>
-                        </a:rPr>
-                        <m:t>𝑆</m:t>
-                      </m:r>
-                      <m:d>
-                        <m:dPr>
-                          <m:ctrlPr>
-                            <a:rPr lang="en-US" altLang="zh-CN" sz="2400" b="0" i="1" smtClean="0">
-                              <a:latin typeface="Cambria Math" panose="02040503050406030204" pitchFamily="18" charset="0"/>
-                            </a:rPr>
-                          </m:ctrlPr>
-                        </m:dPr>
-                        <m:e>
-                          <m:sSup>
-                            <m:sSupPr>
-                              <m:ctrlPr>
-                                <a:rPr lang="en-US" altLang="zh-CN" sz="2400" b="0" i="1" smtClean="0">
-                                  <a:latin typeface="Cambria Math" panose="02040503050406030204" pitchFamily="18" charset="0"/>
-                                </a:rPr>
-                              </m:ctrlPr>
-                            </m:sSupPr>
-                            <m:e>
-                              <m:r>
-                                <a:rPr lang="en-US" altLang="zh-CN" sz="2400" b="0" i="1" smtClean="0">
-                                  <a:latin typeface="Cambria Math" panose="02040503050406030204" pitchFamily="18" charset="0"/>
-                                </a:rPr>
-                                <m:t>𝑉</m:t>
-                              </m:r>
-                            </m:e>
-                            <m:sup>
-                              <m:r>
-                                <a:rPr lang="en-US" altLang="zh-CN" sz="2400" b="0" i="1" smtClean="0">
-                                  <a:latin typeface="Cambria Math" panose="02040503050406030204" pitchFamily="18" charset="0"/>
-                                </a:rPr>
-                                <m:t>𝑚</m:t>
-                              </m:r>
-                            </m:sup>
-                          </m:sSup>
-                        </m:e>
-                      </m:d>
-                      <m:r>
-                        <a:rPr lang="en-US" altLang="zh-CN" sz="2400" b="0" i="1" smtClean="0">
-                          <a:latin typeface="Cambria Math" panose="02040503050406030204" pitchFamily="18" charset="0"/>
-                        </a:rPr>
-                        <m:t>,</m:t>
-                      </m:r>
-                      <m:sSup>
-                        <m:sSupPr>
-                          <m:ctrlPr>
-                            <a:rPr lang="en-US" altLang="zh-CN" sz="2400" b="0" i="1" smtClean="0">
-                              <a:latin typeface="Cambria Math" panose="02040503050406030204" pitchFamily="18" charset="0"/>
-                            </a:rPr>
-                          </m:ctrlPr>
-                        </m:sSupPr>
-                        <m:e>
-                          <m:r>
-                            <a:rPr lang="en-US" altLang="zh-CN" sz="2400" b="0" i="1" smtClean="0">
-                              <a:latin typeface="Cambria Math" panose="02040503050406030204" pitchFamily="18" charset="0"/>
-                            </a:rPr>
-                            <m:t>𝑉</m:t>
-                          </m:r>
-                        </m:e>
-                        <m:sup>
-                          <m:r>
-                            <a:rPr lang="en-US" altLang="zh-CN" sz="2400" b="0" i="1" smtClean="0">
-                              <a:latin typeface="Cambria Math" panose="02040503050406030204" pitchFamily="18" charset="0"/>
-                            </a:rPr>
-                            <m:t>𝑚</m:t>
-                          </m:r>
-                        </m:sup>
-                      </m:sSup>
-                    </m:oMath>
-                  </m:oMathPara>
-                </a14:m>
-                <a:endParaRPr lang="zh-CN" altLang="en-US" sz="2400" dirty="0"/>
-              </a:p>
-            </p:txBody>
-          </p:sp>
-        </mc:Choice>
-        <mc:Fallback xmlns="">
-          <p:sp>
-            <p:nvSpPr>
-              <p:cNvPr id="65" name="TextBox 64">
-                <a:extLst>
-                  <a:ext uri="{FF2B5EF4-FFF2-40B4-BE49-F238E27FC236}">
-                    <a16:creationId xmlns:a16="http://schemas.microsoft.com/office/drawing/2014/main" id="{064EF36F-1550-4429-9AC7-B33FAE2A205C}"/>
-                  </a:ext>
-                </a:extLst>
-              </p:cNvPr>
-              <p:cNvSpPr txBox="1">
-                <a:spLocks noRot="1" noChangeAspect="1" noMove="1" noResize="1" noEditPoints="1" noAdjustHandles="1" noChangeArrowheads="1" noChangeShapeType="1" noTextEdit="1"/>
-              </p:cNvSpPr>
-              <p:nvPr/>
-            </p:nvSpPr>
-            <p:spPr>
-              <a:xfrm>
-                <a:off x="7271978" y="4264089"/>
-                <a:ext cx="1398318" cy="369332"/>
-              </a:xfrm>
-              <a:prstGeom prst="rect">
-                <a:avLst/>
-              </a:prstGeom>
-              <a:blipFill>
-                <a:blip r:embed="rId9"/>
-                <a:stretch>
-                  <a:fillRect l="-7860" r="-3057" b="-6557"/>
-                </a:stretch>
-              </a:blipFill>
-            </p:spPr>
-            <p:txBody>
-              <a:bodyPr/>
-              <a:lstStyle/>
-              <a:p>
-                <a:r>
-                  <a:rPr lang="zh-CN" altLang="en-US">
-                    <a:noFill/>
-                  </a:rPr>
-                  <a:t> </a:t>
-                </a:r>
-              </a:p>
-            </p:txBody>
-          </p:sp>
-        </mc:Fallback>
-      </mc:AlternateContent>
-    </p:spTree>
-    <p:extLst>
-      <p:ext uri="{BB962C8B-B14F-4D97-AF65-F5344CB8AC3E}">
-        <p14:creationId xmlns:p14="http://schemas.microsoft.com/office/powerpoint/2010/main" val="2272623120"/>
-      </p:ext>
-    </p:extLst>
-  </p:cSld>
-  <p:clrMapOvr>
-    <a:masterClrMapping/>
-  </p:clrMapOvr>
-</p:sld>
-</file>
-
-<file path=ppt/slides/slide13.xml><?xml version="1.0" encoding="utf-8"?>
-<p:sld xmlns:a="http://schemas.openxmlformats.org/drawingml/2006/main" xmlns:r="http://schemas.openxmlformats.org/officeDocument/2006/relationships" xmlns:p="http://schemas.openxmlformats.org/presentationml/2006/main" show="0">
-  <p:cSld>
-    <p:spTree>
-      <p:nvGrpSpPr>
-        <p:cNvPr id="1" name=""/>
-        <p:cNvGrpSpPr/>
-        <p:nvPr/>
-      </p:nvGrpSpPr>
-      <p:grpSpPr>
-        <a:xfrm>
-          <a:off x="0" y="0"/>
-          <a:ext cx="0" cy="0"/>
-          <a:chOff x="0" y="0"/>
-          <a:chExt cx="0" cy="0"/>
-        </a:xfrm>
-      </p:grpSpPr>
-      <p:sp>
-        <p:nvSpPr>
-          <p:cNvPr id="5" name="Rectangle: Rounded Corners 4">
-            <a:extLst>
-              <a:ext uri="{FF2B5EF4-FFF2-40B4-BE49-F238E27FC236}">
-                <a16:creationId xmlns:a16="http://schemas.microsoft.com/office/drawing/2014/main" id="{E8D97AE4-4BCD-4DFA-BE35-9B386750F09F}"/>
-              </a:ext>
-            </a:extLst>
-          </p:cNvPr>
-          <p:cNvSpPr/>
-          <p:nvPr/>
-        </p:nvSpPr>
-        <p:spPr>
-          <a:xfrm>
-            <a:off x="288163" y="1958859"/>
-            <a:ext cx="11715799" cy="4817086"/>
-          </a:xfrm>
-          <a:prstGeom prst="roundRect">
-            <a:avLst/>
-          </a:prstGeom>
-        </p:spPr>
-        <p:style>
-          <a:lnRef idx="2">
-            <a:schemeClr val="accent3">
-              <a:shade val="50000"/>
-            </a:schemeClr>
-          </a:lnRef>
-          <a:fillRef idx="1">
-            <a:schemeClr val="accent3"/>
-          </a:fillRef>
-          <a:effectRef idx="0">
-            <a:schemeClr val="accent3"/>
-          </a:effectRef>
-          <a:fontRef idx="minor">
-            <a:schemeClr val="lt1"/>
-          </a:fontRef>
-        </p:style>
-        <p:txBody>
-          <a:bodyPr rtlCol="0" anchor="ctr"/>
-          <a:lstStyle/>
-          <a:p>
-            <a:pPr algn="ctr"/>
-            <a:endParaRPr lang="zh-CN" altLang="en-US" dirty="0"/>
-          </a:p>
-        </p:txBody>
-      </p:sp>
-      <p:sp>
-        <p:nvSpPr>
-          <p:cNvPr id="78" name="Rectangle: Rounded Corners 77">
-            <a:extLst>
-              <a:ext uri="{FF2B5EF4-FFF2-40B4-BE49-F238E27FC236}">
-                <a16:creationId xmlns:a16="http://schemas.microsoft.com/office/drawing/2014/main" id="{0EEEA1C4-F1DC-48AD-9D8D-69BCA52B2D96}"/>
-              </a:ext>
-            </a:extLst>
-          </p:cNvPr>
-          <p:cNvSpPr/>
-          <p:nvPr/>
-        </p:nvSpPr>
-        <p:spPr>
-          <a:xfrm>
-            <a:off x="4135408" y="2610647"/>
-            <a:ext cx="7375870" cy="3923696"/>
-          </a:xfrm>
-          <a:prstGeom prst="roundRect">
-            <a:avLst/>
-          </a:prstGeom>
-        </p:spPr>
-        <p:style>
-          <a:lnRef idx="2">
-            <a:schemeClr val="dk1"/>
-          </a:lnRef>
-          <a:fillRef idx="1">
-            <a:schemeClr val="lt1"/>
-          </a:fillRef>
-          <a:effectRef idx="0">
-            <a:schemeClr val="dk1"/>
-          </a:effectRef>
-          <a:fontRef idx="minor">
-            <a:schemeClr val="dk1"/>
-          </a:fontRef>
-        </p:style>
-        <p:txBody>
-          <a:bodyPr rtlCol="0" anchor="ctr"/>
-          <a:lstStyle/>
-          <a:p>
-            <a:pPr algn="ctr"/>
-            <a:endParaRPr lang="en-US" altLang="zh-CN" dirty="0"/>
-          </a:p>
-          <a:p>
-            <a:pPr algn="ctr"/>
-            <a:endParaRPr lang="en-US" altLang="zh-CN" dirty="0"/>
-          </a:p>
-          <a:p>
-            <a:pPr algn="ctr"/>
-            <a:endParaRPr lang="en-US" altLang="zh-CN" dirty="0"/>
-          </a:p>
-          <a:p>
-            <a:pPr algn="ctr"/>
-            <a:endParaRPr lang="en-US" altLang="zh-CN" dirty="0"/>
-          </a:p>
-          <a:p>
-            <a:pPr algn="ctr"/>
-            <a:endParaRPr lang="en-US" altLang="zh-CN" dirty="0"/>
-          </a:p>
-          <a:p>
-            <a:pPr algn="ctr"/>
-            <a:endParaRPr lang="en-US" altLang="zh-CN" dirty="0"/>
-          </a:p>
-          <a:p>
-            <a:pPr algn="ctr"/>
-            <a:endParaRPr lang="en-US" altLang="zh-CN" dirty="0"/>
-          </a:p>
-          <a:p>
-            <a:pPr algn="ctr"/>
-            <a:endParaRPr lang="en-US" altLang="zh-CN" dirty="0"/>
-          </a:p>
-          <a:p>
-            <a:pPr algn="ctr"/>
-            <a:endParaRPr lang="en-US" altLang="zh-CN" dirty="0"/>
-          </a:p>
-          <a:p>
-            <a:pPr algn="ctr"/>
-            <a:r>
-              <a:rPr lang="en-US" altLang="zh-CN" dirty="0"/>
-              <a:t>Safe Parallel Computation</a:t>
-            </a:r>
-            <a:endParaRPr lang="zh-CN" altLang="en-US" dirty="0"/>
-          </a:p>
-          <a:p>
-            <a:pPr algn="ctr"/>
-            <a:endParaRPr lang="zh-CN" altLang="en-US" dirty="0"/>
-          </a:p>
-        </p:txBody>
-      </p:sp>
-      <p:sp>
-        <p:nvSpPr>
-          <p:cNvPr id="76" name="Rectangle: Rounded Corners 75">
-            <a:extLst>
-              <a:ext uri="{FF2B5EF4-FFF2-40B4-BE49-F238E27FC236}">
-                <a16:creationId xmlns:a16="http://schemas.microsoft.com/office/drawing/2014/main" id="{75E6A9E7-1B73-4874-A500-F3D86BF4C5B8}"/>
-              </a:ext>
-            </a:extLst>
-          </p:cNvPr>
-          <p:cNvSpPr/>
-          <p:nvPr/>
-        </p:nvSpPr>
-        <p:spPr>
-          <a:xfrm>
-            <a:off x="4211157" y="2675003"/>
-            <a:ext cx="7375870" cy="3923696"/>
-          </a:xfrm>
-          <a:prstGeom prst="roundRect">
-            <a:avLst/>
-          </a:prstGeom>
-        </p:spPr>
-        <p:style>
-          <a:lnRef idx="2">
-            <a:schemeClr val="dk1"/>
-          </a:lnRef>
-          <a:fillRef idx="1">
-            <a:schemeClr val="lt1"/>
-          </a:fillRef>
-          <a:effectRef idx="0">
-            <a:schemeClr val="dk1"/>
-          </a:effectRef>
-          <a:fontRef idx="minor">
-            <a:schemeClr val="dk1"/>
-          </a:fontRef>
-        </p:style>
-        <p:txBody>
-          <a:bodyPr rtlCol="0" anchor="ctr"/>
-          <a:lstStyle/>
-          <a:p>
-            <a:pPr algn="ctr"/>
-            <a:endParaRPr lang="en-US" altLang="zh-CN" dirty="0"/>
-          </a:p>
-          <a:p>
-            <a:pPr algn="ctr"/>
-            <a:endParaRPr lang="en-US" altLang="zh-CN" dirty="0"/>
-          </a:p>
-          <a:p>
-            <a:pPr algn="ctr"/>
-            <a:endParaRPr lang="en-US" altLang="zh-CN" dirty="0"/>
-          </a:p>
-          <a:p>
-            <a:pPr algn="ctr"/>
-            <a:endParaRPr lang="en-US" altLang="zh-CN" dirty="0"/>
-          </a:p>
-          <a:p>
-            <a:pPr algn="ctr"/>
-            <a:endParaRPr lang="en-US" altLang="zh-CN" dirty="0"/>
-          </a:p>
-          <a:p>
-            <a:pPr algn="ctr"/>
-            <a:endParaRPr lang="en-US" altLang="zh-CN" dirty="0"/>
-          </a:p>
-          <a:p>
-            <a:pPr algn="ctr"/>
-            <a:endParaRPr lang="en-US" altLang="zh-CN" dirty="0"/>
-          </a:p>
-          <a:p>
-            <a:pPr algn="ctr"/>
-            <a:endParaRPr lang="en-US" altLang="zh-CN" dirty="0"/>
-          </a:p>
-          <a:p>
-            <a:pPr algn="ctr"/>
-            <a:endParaRPr lang="en-US" altLang="zh-CN" dirty="0"/>
-          </a:p>
-          <a:p>
-            <a:pPr algn="ctr"/>
-            <a:r>
-              <a:rPr lang="en-US" altLang="zh-CN" dirty="0"/>
-              <a:t>Safe Parallel Computation</a:t>
-            </a:r>
-            <a:endParaRPr lang="zh-CN" altLang="en-US" dirty="0"/>
-          </a:p>
-          <a:p>
-            <a:pPr algn="ctr"/>
-            <a:endParaRPr lang="zh-CN" altLang="en-US" dirty="0"/>
-          </a:p>
-        </p:txBody>
-      </p:sp>
-      <p:sp>
-        <p:nvSpPr>
-          <p:cNvPr id="27" name="Rectangle: Rounded Corners 26">
-            <a:extLst>
-              <a:ext uri="{FF2B5EF4-FFF2-40B4-BE49-F238E27FC236}">
-                <a16:creationId xmlns:a16="http://schemas.microsoft.com/office/drawing/2014/main" id="{76EC8F50-52DA-4197-B6C1-A411CCC859D5}"/>
-              </a:ext>
-            </a:extLst>
-          </p:cNvPr>
-          <p:cNvSpPr/>
-          <p:nvPr/>
-        </p:nvSpPr>
-        <p:spPr>
-          <a:xfrm>
-            <a:off x="4294652" y="2769463"/>
-            <a:ext cx="7375870" cy="3893592"/>
-          </a:xfrm>
-          <a:prstGeom prst="roundRect">
-            <a:avLst/>
-          </a:prstGeom>
-        </p:spPr>
-        <p:style>
-          <a:lnRef idx="2">
-            <a:schemeClr val="dk1"/>
-          </a:lnRef>
-          <a:fillRef idx="1">
-            <a:schemeClr val="lt1"/>
-          </a:fillRef>
-          <a:effectRef idx="0">
-            <a:schemeClr val="dk1"/>
-          </a:effectRef>
-          <a:fontRef idx="minor">
-            <a:schemeClr val="dk1"/>
-          </a:fontRef>
-        </p:style>
-        <p:txBody>
-          <a:bodyPr rtlCol="0" anchor="ctr"/>
-          <a:lstStyle/>
-          <a:p>
-            <a:pPr algn="ctr"/>
-            <a:endParaRPr lang="en-US" altLang="zh-CN" dirty="0"/>
-          </a:p>
-          <a:p>
-            <a:pPr algn="ctr"/>
-            <a:endParaRPr lang="en-US" altLang="zh-CN" dirty="0"/>
-          </a:p>
-          <a:p>
-            <a:pPr algn="ctr"/>
-            <a:endParaRPr lang="en-US" altLang="zh-CN" dirty="0"/>
-          </a:p>
-          <a:p>
-            <a:pPr algn="ctr"/>
-            <a:endParaRPr lang="en-US" altLang="zh-CN" dirty="0"/>
-          </a:p>
-          <a:p>
-            <a:pPr algn="ctr"/>
-            <a:endParaRPr lang="en-US" altLang="zh-CN" dirty="0"/>
-          </a:p>
-          <a:p>
-            <a:pPr algn="ctr"/>
-            <a:endParaRPr lang="en-US" altLang="zh-CN" dirty="0"/>
-          </a:p>
-          <a:p>
-            <a:pPr algn="ctr"/>
-            <a:endParaRPr lang="en-US" altLang="zh-CN" dirty="0"/>
-          </a:p>
-          <a:p>
-            <a:pPr algn="ctr"/>
-            <a:endParaRPr lang="en-US" altLang="zh-CN" dirty="0"/>
-          </a:p>
-          <a:p>
-            <a:pPr algn="ctr"/>
-            <a:endParaRPr lang="en-US" altLang="zh-CN" dirty="0"/>
-          </a:p>
-          <a:p>
-            <a:pPr algn="ctr"/>
-            <a:endParaRPr lang="en-US" altLang="zh-CN" dirty="0"/>
-          </a:p>
-          <a:p>
-            <a:pPr algn="ctr"/>
-            <a:endParaRPr lang="en-US" altLang="zh-CN" dirty="0"/>
-          </a:p>
-          <a:p>
-            <a:pPr algn="ctr"/>
-            <a:endParaRPr lang="en-US" altLang="zh-CN" dirty="0"/>
-          </a:p>
-          <a:p>
-            <a:pPr algn="ctr"/>
-            <a:endParaRPr lang="en-US" altLang="zh-CN" dirty="0"/>
-          </a:p>
-          <a:p>
-            <a:pPr algn="ctr"/>
-            <a:r>
-              <a:rPr lang="en-US" altLang="zh-CN" sz="2000" b="1" dirty="0"/>
-              <a:t>Safe Parallel Computation</a:t>
-            </a:r>
-            <a:endParaRPr lang="zh-CN" altLang="en-US" sz="2000" b="1" dirty="0"/>
-          </a:p>
-          <a:p>
-            <a:pPr algn="ctr"/>
-            <a:endParaRPr lang="zh-CN" altLang="en-US" dirty="0"/>
-          </a:p>
-        </p:txBody>
-      </p:sp>
-      <p:sp>
-        <p:nvSpPr>
-          <p:cNvPr id="101" name="Rectangle: Rounded Corners 100">
-            <a:extLst>
-              <a:ext uri="{FF2B5EF4-FFF2-40B4-BE49-F238E27FC236}">
-                <a16:creationId xmlns:a16="http://schemas.microsoft.com/office/drawing/2014/main" id="{B98C1C4D-ECC6-4A0E-95C4-BE9FFF87ADAC}"/>
-              </a:ext>
-            </a:extLst>
-          </p:cNvPr>
-          <p:cNvSpPr/>
-          <p:nvPr/>
-        </p:nvSpPr>
-        <p:spPr>
-          <a:xfrm>
-            <a:off x="4409449" y="3390002"/>
-            <a:ext cx="2278755" cy="2764398"/>
-          </a:xfrm>
-          <a:prstGeom prst="roundRect">
-            <a:avLst/>
-          </a:prstGeom>
-          <a:ln/>
-        </p:spPr>
-        <p:style>
-          <a:lnRef idx="2">
-            <a:schemeClr val="accent3">
-              <a:shade val="50000"/>
-            </a:schemeClr>
-          </a:lnRef>
-          <a:fillRef idx="1">
-            <a:schemeClr val="accent3"/>
-          </a:fillRef>
-          <a:effectRef idx="0">
-            <a:schemeClr val="accent3"/>
-          </a:effectRef>
-          <a:fontRef idx="minor">
-            <a:schemeClr val="lt1"/>
-          </a:fontRef>
-        </p:style>
-        <p:txBody>
-          <a:bodyPr rtlCol="0" anchor="ctr"/>
-          <a:lstStyle/>
-          <a:p>
-            <a:pPr algn="ctr"/>
-            <a:endParaRPr lang="en-US" altLang="zh-CN" sz="1800" b="1" dirty="0"/>
-          </a:p>
-          <a:p>
-            <a:pPr algn="ctr"/>
-            <a:endParaRPr lang="en-US" altLang="zh-CN" b="1" dirty="0"/>
-          </a:p>
-          <a:p>
-            <a:pPr algn="ctr"/>
-            <a:endParaRPr lang="en-US" altLang="zh-CN" sz="1800" b="1" dirty="0"/>
-          </a:p>
-          <a:p>
-            <a:pPr algn="ctr"/>
-            <a:endParaRPr lang="en-US" altLang="zh-CN" b="1" dirty="0"/>
-          </a:p>
-          <a:p>
-            <a:pPr algn="ctr"/>
-            <a:endParaRPr lang="en-US" altLang="zh-CN" sz="1800" b="1" dirty="0"/>
-          </a:p>
-          <a:p>
-            <a:pPr algn="ctr"/>
-            <a:endParaRPr lang="en-US" altLang="zh-CN" b="1" dirty="0"/>
-          </a:p>
-        </p:txBody>
-      </p:sp>
-      <p:sp>
-        <p:nvSpPr>
-          <p:cNvPr id="4" name="Rectangle: Rounded Corners 3">
-            <a:extLst>
-              <a:ext uri="{FF2B5EF4-FFF2-40B4-BE49-F238E27FC236}">
-                <a16:creationId xmlns:a16="http://schemas.microsoft.com/office/drawing/2014/main" id="{8C57BA90-03D2-431D-A9D9-39140E4BDF00}"/>
-              </a:ext>
-            </a:extLst>
-          </p:cNvPr>
-          <p:cNvSpPr/>
-          <p:nvPr/>
-        </p:nvSpPr>
-        <p:spPr>
-          <a:xfrm>
-            <a:off x="4421317" y="94407"/>
-            <a:ext cx="2745466" cy="1126671"/>
-          </a:xfrm>
-          <a:prstGeom prst="roundRect">
-            <a:avLst/>
-          </a:prstGeom>
-        </p:spPr>
-        <p:style>
-          <a:lnRef idx="2">
-            <a:schemeClr val="dk1"/>
-          </a:lnRef>
-          <a:fillRef idx="1">
-            <a:schemeClr val="lt1"/>
-          </a:fillRef>
-          <a:effectRef idx="0">
-            <a:schemeClr val="dk1"/>
-          </a:effectRef>
-          <a:fontRef idx="minor">
-            <a:schemeClr val="dk1"/>
-          </a:fontRef>
-        </p:style>
-        <p:txBody>
-          <a:bodyPr rtlCol="0" anchor="ctr"/>
-          <a:lstStyle/>
-          <a:p>
-            <a:pPr algn="ctr"/>
-            <a:r>
-              <a:rPr lang="en-US" altLang="zh-CN" sz="2400" b="1" dirty="0"/>
-              <a:t>Dynamic</a:t>
-            </a:r>
-            <a:r>
-              <a:rPr lang="en-US" altLang="zh-CN" sz="2400" b="1" dirty="0">
-                <a:solidFill>
-                  <a:sysClr val="windowText" lastClr="000000"/>
-                </a:solidFill>
-              </a:rPr>
-              <a:t> </a:t>
-            </a:r>
-            <a:r>
-              <a:rPr lang="en-US" altLang="zh-CN" sz="2400" b="1" dirty="0"/>
-              <a:t>System</a:t>
-            </a:r>
-            <a:endParaRPr lang="zh-CN" altLang="en-US" sz="2400" b="1" dirty="0"/>
-          </a:p>
-        </p:txBody>
-      </p:sp>
-      <p:sp>
-        <p:nvSpPr>
-          <p:cNvPr id="6" name="Rectangle: Rounded Corners 5">
-            <a:extLst>
-              <a:ext uri="{FF2B5EF4-FFF2-40B4-BE49-F238E27FC236}">
-                <a16:creationId xmlns:a16="http://schemas.microsoft.com/office/drawing/2014/main" id="{F734ADF6-799A-4881-9B00-ECF44A91FF7D}"/>
-              </a:ext>
-            </a:extLst>
-          </p:cNvPr>
-          <p:cNvSpPr/>
-          <p:nvPr/>
-        </p:nvSpPr>
-        <p:spPr>
-          <a:xfrm>
-            <a:off x="410924" y="3263416"/>
-            <a:ext cx="2188500" cy="869497"/>
-          </a:xfrm>
-          <a:prstGeom prst="roundRect">
-            <a:avLst/>
-          </a:prstGeom>
-          <a:ln/>
-        </p:spPr>
-        <p:style>
-          <a:lnRef idx="2">
-            <a:schemeClr val="dk1"/>
-          </a:lnRef>
-          <a:fillRef idx="1">
-            <a:schemeClr val="lt1"/>
-          </a:fillRef>
-          <a:effectRef idx="0">
-            <a:schemeClr val="dk1"/>
-          </a:effectRef>
-          <a:fontRef idx="minor">
-            <a:schemeClr val="dk1"/>
-          </a:fontRef>
-        </p:style>
-        <p:txBody>
-          <a:bodyPr rtlCol="0" anchor="ctr"/>
-          <a:lstStyle/>
-          <a:p>
-            <a:pPr algn="ctr"/>
-            <a:r>
-              <a:rPr lang="en-US" altLang="zh-CN" b="1" dirty="0"/>
-              <a:t>Control Update</a:t>
-            </a:r>
-            <a:endParaRPr lang="zh-CN" altLang="en-US" b="1" dirty="0"/>
-          </a:p>
-        </p:txBody>
-      </p:sp>
-      <p:sp>
-        <p:nvSpPr>
-          <p:cNvPr id="8" name="Rectangle: Rounded Corners 7">
-            <a:extLst>
-              <a:ext uri="{FF2B5EF4-FFF2-40B4-BE49-F238E27FC236}">
-                <a16:creationId xmlns:a16="http://schemas.microsoft.com/office/drawing/2014/main" id="{28D7EECB-B84A-438D-A74E-ADABE43A2CDB}"/>
-              </a:ext>
-            </a:extLst>
-          </p:cNvPr>
-          <p:cNvSpPr/>
-          <p:nvPr/>
-        </p:nvSpPr>
-        <p:spPr>
-          <a:xfrm>
-            <a:off x="410923" y="4877301"/>
-            <a:ext cx="2188501" cy="869497"/>
-          </a:xfrm>
-          <a:prstGeom prst="roundRect">
-            <a:avLst/>
-          </a:prstGeom>
-          <a:ln/>
-        </p:spPr>
-        <p:style>
-          <a:lnRef idx="2">
-            <a:schemeClr val="dk1"/>
-          </a:lnRef>
-          <a:fillRef idx="1">
-            <a:schemeClr val="lt1"/>
-          </a:fillRef>
-          <a:effectRef idx="0">
-            <a:schemeClr val="dk1"/>
-          </a:effectRef>
-          <a:fontRef idx="minor">
-            <a:schemeClr val="dk1"/>
-          </a:fontRef>
-        </p:style>
-        <p:txBody>
-          <a:bodyPr rtlCol="0" anchor="ctr"/>
-          <a:lstStyle/>
-          <a:p>
-            <a:pPr algn="ctr"/>
-            <a:r>
-              <a:rPr lang="en-US" altLang="zh-CN" b="1" dirty="0"/>
-              <a:t>Control Weighted Averaging</a:t>
-            </a:r>
-            <a:endParaRPr lang="zh-CN" altLang="en-US" b="1" dirty="0"/>
-          </a:p>
-        </p:txBody>
-      </p:sp>
-      <p:sp>
-        <p:nvSpPr>
-          <p:cNvPr id="12" name="Rectangle: Rounded Corners 11">
-            <a:extLst>
-              <a:ext uri="{FF2B5EF4-FFF2-40B4-BE49-F238E27FC236}">
-                <a16:creationId xmlns:a16="http://schemas.microsoft.com/office/drawing/2014/main" id="{F242C5EE-8C85-4FB2-8B51-C91EF6E6FC0F}"/>
-              </a:ext>
-            </a:extLst>
-          </p:cNvPr>
-          <p:cNvSpPr/>
-          <p:nvPr/>
-        </p:nvSpPr>
-        <p:spPr>
-          <a:xfrm>
-            <a:off x="4585194" y="3976004"/>
-            <a:ext cx="1943250" cy="447098"/>
-          </a:xfrm>
-          <a:prstGeom prst="roundRect">
-            <a:avLst/>
-          </a:prstGeom>
-        </p:spPr>
-        <p:style>
-          <a:lnRef idx="2">
-            <a:schemeClr val="dk1"/>
-          </a:lnRef>
-          <a:fillRef idx="1">
-            <a:schemeClr val="lt1"/>
-          </a:fillRef>
-          <a:effectRef idx="0">
-            <a:schemeClr val="dk1"/>
-          </a:effectRef>
-          <a:fontRef idx="minor">
-            <a:schemeClr val="dk1"/>
-          </a:fontRef>
-        </p:style>
-        <p:txBody>
-          <a:bodyPr rtlCol="0" anchor="ctr"/>
-          <a:lstStyle/>
-          <a:p>
-            <a:pPr algn="ctr"/>
-            <a:r>
-              <a:rPr lang="en-US" altLang="zh-CN" sz="1600" b="1" dirty="0"/>
-              <a:t>Control Barrier Function</a:t>
-            </a:r>
-            <a:endParaRPr lang="zh-CN" altLang="en-US" sz="1600" b="1" dirty="0"/>
-          </a:p>
-        </p:txBody>
-      </p:sp>
-      <mc:AlternateContent xmlns:mc="http://schemas.openxmlformats.org/markup-compatibility/2006" xmlns:a14="http://schemas.microsoft.com/office/drawing/2010/main">
-        <mc:Choice Requires="a14">
-          <p:sp>
-            <p:nvSpPr>
-              <p:cNvPr id="42" name="TextBox 41">
-                <a:extLst>
-                  <a:ext uri="{FF2B5EF4-FFF2-40B4-BE49-F238E27FC236}">
-                    <a16:creationId xmlns:a16="http://schemas.microsoft.com/office/drawing/2014/main" id="{4FA8F41E-A0AA-4BF9-A274-078468CC3555}"/>
-                  </a:ext>
-                </a:extLst>
-              </p:cNvPr>
-              <p:cNvSpPr txBox="1"/>
-              <p:nvPr/>
-            </p:nvSpPr>
-            <p:spPr>
-              <a:xfrm>
-                <a:off x="2709016" y="4877301"/>
-                <a:ext cx="1495666" cy="369332"/>
-              </a:xfrm>
-              <a:prstGeom prst="rect">
-                <a:avLst/>
-              </a:prstGeom>
-              <a:noFill/>
-            </p:spPr>
-            <p:txBody>
-              <a:bodyPr wrap="none" lIns="0" tIns="0" rIns="0" bIns="0" rtlCol="0">
-                <a:spAutoFit/>
-              </a:bodyPr>
-              <a:lstStyle/>
-              <a:p>
-                <a:pPr/>
-                <a14:m>
-                  <m:oMathPara xmlns:m="http://schemas.openxmlformats.org/officeDocument/2006/math">
-                    <m:oMathParaPr>
-                      <m:jc m:val="centerGroup"/>
-                    </m:oMathParaPr>
-                    <m:oMath xmlns:m="http://schemas.openxmlformats.org/officeDocument/2006/math">
-                      <m:r>
-                        <a:rPr lang="en-US" altLang="zh-CN" sz="2400" b="0" i="1" smtClean="0">
-                          <a:latin typeface="Cambria Math" panose="02040503050406030204" pitchFamily="18" charset="0"/>
-                        </a:rPr>
-                        <m:t>𝑆</m:t>
-                      </m:r>
-                      <m:d>
-                        <m:dPr>
-                          <m:ctrlPr>
-                            <a:rPr lang="en-US" altLang="zh-CN" sz="2400" b="0" i="1" smtClean="0">
-                              <a:latin typeface="Cambria Math" panose="02040503050406030204" pitchFamily="18" charset="0"/>
-                            </a:rPr>
-                          </m:ctrlPr>
-                        </m:dPr>
-                        <m:e>
-                          <m:sSup>
-                            <m:sSupPr>
-                              <m:ctrlPr>
-                                <a:rPr lang="en-US" altLang="zh-CN" sz="2400" b="0" i="1" smtClean="0">
-                                  <a:latin typeface="Cambria Math" panose="02040503050406030204" pitchFamily="18" charset="0"/>
-                                </a:rPr>
-                              </m:ctrlPr>
-                            </m:sSupPr>
-                            <m:e>
-                              <m:r>
-                                <a:rPr lang="en-US" altLang="zh-CN" sz="2400" b="0" i="1" smtClean="0">
-                                  <a:latin typeface="Cambria Math" panose="02040503050406030204" pitchFamily="18" charset="0"/>
-                                </a:rPr>
-                                <m:t>𝑉</m:t>
-                              </m:r>
-                            </m:e>
-                            <m:sup>
-                              <m:r>
-                                <a:rPr lang="en-US" altLang="zh-CN" sz="2400" b="0" i="1" smtClean="0">
-                                  <a:latin typeface="Cambria Math" panose="02040503050406030204" pitchFamily="18" charset="0"/>
-                                </a:rPr>
-                                <m:t>𝑚</m:t>
-                              </m:r>
-                            </m:sup>
-                          </m:sSup>
-                        </m:e>
-                      </m:d>
-                      <m:r>
-                        <a:rPr lang="en-US" altLang="zh-CN" sz="2400" b="0" i="1" smtClean="0">
-                          <a:latin typeface="Cambria Math" panose="02040503050406030204" pitchFamily="18" charset="0"/>
-                        </a:rPr>
-                        <m:t>,</m:t>
-                      </m:r>
-                      <m:sSup>
-                        <m:sSupPr>
-                          <m:ctrlPr>
-                            <a:rPr lang="en-US" altLang="zh-CN" sz="2400" b="0" i="1" smtClean="0">
-                              <a:latin typeface="Cambria Math" panose="02040503050406030204" pitchFamily="18" charset="0"/>
-                            </a:rPr>
-                          </m:ctrlPr>
-                        </m:sSupPr>
-                        <m:e>
-                          <m:r>
-                            <a:rPr lang="en-US" altLang="zh-CN" sz="2400" b="0" i="1" smtClean="0">
-                              <a:latin typeface="Cambria Math" panose="02040503050406030204" pitchFamily="18" charset="0"/>
-                            </a:rPr>
-                            <m:t>𝑉</m:t>
-                          </m:r>
-                        </m:e>
-                        <m:sup>
-                          <m:r>
-                            <a:rPr lang="en-US" altLang="zh-CN" sz="2400" b="0" i="1" smtClean="0">
-                              <a:latin typeface="Cambria Math" panose="02040503050406030204" pitchFamily="18" charset="0"/>
-                            </a:rPr>
-                            <m:t>𝑚</m:t>
-                          </m:r>
-                        </m:sup>
-                      </m:sSup>
-                    </m:oMath>
-                  </m:oMathPara>
-                </a14:m>
-                <a:endParaRPr lang="zh-CN" altLang="en-US" sz="2400" dirty="0"/>
-              </a:p>
-            </p:txBody>
-          </p:sp>
-        </mc:Choice>
-        <mc:Fallback xmlns="">
-          <p:sp>
-            <p:nvSpPr>
-              <p:cNvPr id="42" name="TextBox 41">
-                <a:extLst>
-                  <a:ext uri="{FF2B5EF4-FFF2-40B4-BE49-F238E27FC236}">
-                    <a16:creationId xmlns:a16="http://schemas.microsoft.com/office/drawing/2014/main" id="{4FA8F41E-A0AA-4BF9-A274-078468CC3555}"/>
-                  </a:ext>
-                </a:extLst>
-              </p:cNvPr>
-              <p:cNvSpPr txBox="1">
-                <a:spLocks noRot="1" noChangeAspect="1" noMove="1" noResize="1" noEditPoints="1" noAdjustHandles="1" noChangeArrowheads="1" noChangeShapeType="1" noTextEdit="1"/>
-              </p:cNvSpPr>
-              <p:nvPr/>
-            </p:nvSpPr>
-            <p:spPr>
-              <a:xfrm>
-                <a:off x="2709016" y="4877301"/>
-                <a:ext cx="1495666" cy="369332"/>
-              </a:xfrm>
-              <a:prstGeom prst="rect">
-                <a:avLst/>
-              </a:prstGeom>
-              <a:blipFill>
-                <a:blip r:embed="rId3"/>
-                <a:stretch>
-                  <a:fillRect l="-3659" b="-6557"/>
-                </a:stretch>
-              </a:blipFill>
-            </p:spPr>
-            <p:txBody>
-              <a:bodyPr/>
-              <a:lstStyle/>
-              <a:p>
-                <a:r>
-                  <a:rPr lang="zh-CN" altLang="en-US">
-                    <a:noFill/>
-                  </a:rPr>
-                  <a:t> </a:t>
-                </a:r>
-              </a:p>
-            </p:txBody>
-          </p:sp>
-        </mc:Fallback>
-      </mc:AlternateContent>
-      <mc:AlternateContent xmlns:mc="http://schemas.openxmlformats.org/markup-compatibility/2006" xmlns:a14="http://schemas.microsoft.com/office/drawing/2010/main">
-        <mc:Choice Requires="a14">
-          <p:sp>
-            <p:nvSpPr>
-              <p:cNvPr id="51" name="TextBox 50">
-                <a:extLst>
-                  <a:ext uri="{FF2B5EF4-FFF2-40B4-BE49-F238E27FC236}">
-                    <a16:creationId xmlns:a16="http://schemas.microsoft.com/office/drawing/2014/main" id="{80B43B82-D5F2-48C5-B790-AFD875BFFE5B}"/>
-                  </a:ext>
-                </a:extLst>
-              </p:cNvPr>
-              <p:cNvSpPr txBox="1"/>
-              <p:nvPr/>
-            </p:nvSpPr>
-            <p:spPr>
-              <a:xfrm>
-                <a:off x="1561234" y="4347997"/>
-                <a:ext cx="541110" cy="369332"/>
-              </a:xfrm>
-              <a:prstGeom prst="rect">
-                <a:avLst/>
-              </a:prstGeom>
-              <a:noFill/>
-            </p:spPr>
-            <p:txBody>
-              <a:bodyPr wrap="none" lIns="0" tIns="0" rIns="0" bIns="0" rtlCol="0">
-                <a:spAutoFit/>
-              </a:bodyPr>
-              <a:lstStyle/>
-              <a:p>
-                <a:pPr/>
-                <a14:m>
-                  <m:oMathPara xmlns:m="http://schemas.openxmlformats.org/officeDocument/2006/math">
-                    <m:oMathParaPr>
-                      <m:jc m:val="centerGroup"/>
-                    </m:oMathParaPr>
-                    <m:oMath xmlns:m="http://schemas.openxmlformats.org/officeDocument/2006/math">
-                      <m:sSup>
-                        <m:sSupPr>
-                          <m:ctrlPr>
-                            <a:rPr lang="en-US" altLang="zh-CN" sz="2400" b="0" i="1" smtClean="0">
-                              <a:latin typeface="Cambria Math" panose="02040503050406030204" pitchFamily="18" charset="0"/>
-                            </a:rPr>
-                          </m:ctrlPr>
-                        </m:sSupPr>
-                        <m:e>
-                          <m:r>
-                            <a:rPr lang="en-US" altLang="zh-CN" sz="2400" b="0" i="1" smtClean="0">
-                              <a:latin typeface="Cambria Math" panose="02040503050406030204" pitchFamily="18" charset="0"/>
-                            </a:rPr>
-                            <m:t>𝜔</m:t>
-                          </m:r>
-                        </m:e>
-                        <m:sup>
-                          <m:r>
-                            <a:rPr lang="en-US" altLang="zh-CN" sz="2400" b="0" i="1" smtClean="0">
-                              <a:latin typeface="Cambria Math" panose="02040503050406030204" pitchFamily="18" charset="0"/>
-                            </a:rPr>
-                            <m:t>𝑚</m:t>
-                          </m:r>
-                        </m:sup>
-                      </m:sSup>
-                    </m:oMath>
-                  </m:oMathPara>
-                </a14:m>
-                <a:endParaRPr lang="zh-CN" altLang="en-US" sz="2400" dirty="0"/>
-              </a:p>
-            </p:txBody>
-          </p:sp>
-        </mc:Choice>
-        <mc:Fallback xmlns="">
-          <p:sp>
-            <p:nvSpPr>
-              <p:cNvPr id="51" name="TextBox 50">
-                <a:extLst>
-                  <a:ext uri="{FF2B5EF4-FFF2-40B4-BE49-F238E27FC236}">
-                    <a16:creationId xmlns:a16="http://schemas.microsoft.com/office/drawing/2014/main" id="{80B43B82-D5F2-48C5-B790-AFD875BFFE5B}"/>
-                  </a:ext>
-                </a:extLst>
-              </p:cNvPr>
-              <p:cNvSpPr txBox="1">
-                <a:spLocks noRot="1" noChangeAspect="1" noMove="1" noResize="1" noEditPoints="1" noAdjustHandles="1" noChangeArrowheads="1" noChangeShapeType="1" noTextEdit="1"/>
-              </p:cNvSpPr>
-              <p:nvPr/>
-            </p:nvSpPr>
-            <p:spPr>
-              <a:xfrm>
-                <a:off x="1561234" y="4347997"/>
-                <a:ext cx="541110" cy="369332"/>
-              </a:xfrm>
-              <a:prstGeom prst="rect">
-                <a:avLst/>
-              </a:prstGeom>
-              <a:blipFill>
-                <a:blip r:embed="rId4"/>
-                <a:stretch>
-                  <a:fillRect l="-5618"/>
-                </a:stretch>
-              </a:blipFill>
-            </p:spPr>
-            <p:txBody>
-              <a:bodyPr/>
-              <a:lstStyle/>
-              <a:p>
-                <a:r>
-                  <a:rPr lang="zh-CN" altLang="en-US">
-                    <a:noFill/>
-                  </a:rPr>
-                  <a:t> </a:t>
-                </a:r>
-              </a:p>
-            </p:txBody>
-          </p:sp>
-        </mc:Fallback>
-      </mc:AlternateContent>
-      <mc:AlternateContent xmlns:mc="http://schemas.openxmlformats.org/markup-compatibility/2006" xmlns:a14="http://schemas.microsoft.com/office/drawing/2010/main">
-        <mc:Choice Requires="a14">
-          <p:sp>
-            <p:nvSpPr>
-              <p:cNvPr id="57" name="TextBox 56">
-                <a:extLst>
-                  <a:ext uri="{FF2B5EF4-FFF2-40B4-BE49-F238E27FC236}">
-                    <a16:creationId xmlns:a16="http://schemas.microsoft.com/office/drawing/2014/main" id="{993CFC25-4FB2-442B-963A-2B81FD97FCA1}"/>
-                  </a:ext>
-                </a:extLst>
-              </p:cNvPr>
-              <p:cNvSpPr txBox="1"/>
-              <p:nvPr/>
-            </p:nvSpPr>
-            <p:spPr>
-              <a:xfrm>
-                <a:off x="2889198" y="3269975"/>
-                <a:ext cx="388055" cy="369332"/>
-              </a:xfrm>
-              <a:prstGeom prst="rect">
-                <a:avLst/>
-              </a:prstGeom>
-              <a:noFill/>
-            </p:spPr>
-            <p:txBody>
-              <a:bodyPr wrap="none" lIns="0" tIns="0" rIns="0" bIns="0" rtlCol="0">
-                <a:spAutoFit/>
-              </a:bodyPr>
-              <a:lstStyle/>
-              <a:p>
-                <a:pPr/>
-                <a14:m>
-                  <m:oMathPara xmlns:m="http://schemas.openxmlformats.org/officeDocument/2006/math">
-                    <m:oMathParaPr>
-                      <m:jc m:val="centerGroup"/>
-                    </m:oMathParaPr>
-                    <m:oMath xmlns:m="http://schemas.openxmlformats.org/officeDocument/2006/math">
-                      <m:sSub>
-                        <m:sSubPr>
-                          <m:ctrlPr>
-                            <a:rPr lang="en-US" altLang="zh-CN" sz="2400" b="0" i="1" smtClean="0">
-                              <a:latin typeface="Cambria Math" panose="02040503050406030204" pitchFamily="18" charset="0"/>
-                            </a:rPr>
-                          </m:ctrlPr>
-                        </m:sSubPr>
-                        <m:e>
-                          <m:r>
-                            <a:rPr lang="en-US" altLang="zh-CN" sz="2400" b="0" i="1" smtClean="0">
-                              <a:latin typeface="Cambria Math" panose="02040503050406030204" pitchFamily="18" charset="0"/>
-                            </a:rPr>
-                            <m:t>𝑥</m:t>
-                          </m:r>
-                        </m:e>
-                        <m:sub>
-                          <m:r>
-                            <a:rPr lang="en-US" altLang="zh-CN" sz="2400" b="0" i="1" smtClean="0">
-                              <a:latin typeface="Cambria Math" panose="02040503050406030204" pitchFamily="18" charset="0"/>
-                            </a:rPr>
-                            <m:t>0</m:t>
-                          </m:r>
-                        </m:sub>
-                      </m:sSub>
-                    </m:oMath>
-                  </m:oMathPara>
-                </a14:m>
-                <a:endParaRPr lang="zh-CN" altLang="en-US" sz="2400" dirty="0"/>
-              </a:p>
-            </p:txBody>
-          </p:sp>
-        </mc:Choice>
-        <mc:Fallback xmlns="">
-          <p:sp>
-            <p:nvSpPr>
-              <p:cNvPr id="57" name="TextBox 56">
-                <a:extLst>
-                  <a:ext uri="{FF2B5EF4-FFF2-40B4-BE49-F238E27FC236}">
-                    <a16:creationId xmlns:a16="http://schemas.microsoft.com/office/drawing/2014/main" id="{993CFC25-4FB2-442B-963A-2B81FD97FCA1}"/>
-                  </a:ext>
-                </a:extLst>
-              </p:cNvPr>
-              <p:cNvSpPr txBox="1">
-                <a:spLocks noRot="1" noChangeAspect="1" noMove="1" noResize="1" noEditPoints="1" noAdjustHandles="1" noChangeArrowheads="1" noChangeShapeType="1" noTextEdit="1"/>
-              </p:cNvSpPr>
-              <p:nvPr/>
-            </p:nvSpPr>
-            <p:spPr>
-              <a:xfrm>
-                <a:off x="2889198" y="3269975"/>
-                <a:ext cx="388055" cy="369332"/>
-              </a:xfrm>
-              <a:prstGeom prst="rect">
-                <a:avLst/>
-              </a:prstGeom>
-              <a:blipFill>
-                <a:blip r:embed="rId5"/>
-                <a:stretch>
-                  <a:fillRect l="-9375" r="-4688" b="-13115"/>
-                </a:stretch>
-              </a:blipFill>
-            </p:spPr>
-            <p:txBody>
-              <a:bodyPr/>
-              <a:lstStyle/>
-              <a:p>
-                <a:r>
-                  <a:rPr lang="zh-CN" altLang="en-US">
-                    <a:noFill/>
-                  </a:rPr>
-                  <a:t> </a:t>
-                </a:r>
-              </a:p>
-            </p:txBody>
-          </p:sp>
-        </mc:Fallback>
-      </mc:AlternateContent>
-      <p:cxnSp>
-        <p:nvCxnSpPr>
-          <p:cNvPr id="24" name="Connector: Elbow 23">
-            <a:extLst>
-              <a:ext uri="{FF2B5EF4-FFF2-40B4-BE49-F238E27FC236}">
-                <a16:creationId xmlns:a16="http://schemas.microsoft.com/office/drawing/2014/main" id="{227D3719-C0B2-430F-98D6-91D5D77FF2DF}"/>
-              </a:ext>
-            </a:extLst>
-          </p:cNvPr>
-          <p:cNvCxnSpPr>
-            <a:cxnSpLocks/>
-            <a:stCxn id="6" idx="0"/>
-            <a:endCxn id="4" idx="1"/>
-          </p:cNvCxnSpPr>
-          <p:nvPr/>
-        </p:nvCxnSpPr>
-        <p:spPr>
-          <a:xfrm rot="5400000" flipH="1" flipV="1">
-            <a:off x="1660409" y="502509"/>
-            <a:ext cx="2605673" cy="2916143"/>
-          </a:xfrm>
-          <a:prstGeom prst="bentConnector2">
-            <a:avLst/>
-          </a:prstGeom>
-          <a:ln w="25400">
-            <a:tailEnd type="triangle"/>
-          </a:ln>
-        </p:spPr>
-        <p:style>
-          <a:lnRef idx="3">
-            <a:schemeClr val="accent1"/>
-          </a:lnRef>
-          <a:fillRef idx="0">
-            <a:schemeClr val="accent1"/>
-          </a:fillRef>
-          <a:effectRef idx="2">
-            <a:schemeClr val="accent1"/>
-          </a:effectRef>
-          <a:fontRef idx="minor">
-            <a:schemeClr val="tx1"/>
-          </a:fontRef>
-        </p:style>
-      </p:cxnSp>
-      <mc:AlternateContent xmlns:mc="http://schemas.openxmlformats.org/markup-compatibility/2006" xmlns:a14="http://schemas.microsoft.com/office/drawing/2010/main">
-        <mc:Choice Requires="a14">
-          <p:sp>
-            <p:nvSpPr>
-              <p:cNvPr id="52" name="TextBox 51">
-                <a:extLst>
-                  <a:ext uri="{FF2B5EF4-FFF2-40B4-BE49-F238E27FC236}">
-                    <a16:creationId xmlns:a16="http://schemas.microsoft.com/office/drawing/2014/main" id="{EF741F43-13B1-45A2-8F55-74AE51693414}"/>
-                  </a:ext>
-                </a:extLst>
-              </p:cNvPr>
-              <p:cNvSpPr txBox="1"/>
-              <p:nvPr/>
-            </p:nvSpPr>
-            <p:spPr>
-              <a:xfrm>
-                <a:off x="8282823" y="704934"/>
-                <a:ext cx="1095749" cy="369332"/>
-              </a:xfrm>
-              <a:prstGeom prst="rect">
-                <a:avLst/>
-              </a:prstGeom>
-              <a:noFill/>
-            </p:spPr>
-            <p:txBody>
-              <a:bodyPr wrap="none" lIns="0" tIns="0" rIns="0" bIns="0" rtlCol="0">
-                <a:spAutoFit/>
-              </a:bodyPr>
-              <a:lstStyle/>
-              <a:p>
-                <a:pPr/>
-                <a14:m>
-                  <m:oMathPara xmlns:m="http://schemas.openxmlformats.org/officeDocument/2006/math">
-                    <m:oMathParaPr>
-                      <m:jc m:val="centerGroup"/>
-                    </m:oMathParaPr>
-                    <m:oMath xmlns:m="http://schemas.openxmlformats.org/officeDocument/2006/math">
-                      <m:sSub>
-                        <m:sSubPr>
-                          <m:ctrlPr>
-                            <a:rPr lang="en-US" altLang="zh-CN" sz="2400" b="0" i="1" smtClean="0">
-                              <a:latin typeface="Cambria Math" panose="02040503050406030204" pitchFamily="18" charset="0"/>
-                            </a:rPr>
-                          </m:ctrlPr>
-                        </m:sSubPr>
-                        <m:e>
-                          <m:r>
-                            <a:rPr lang="en-US" altLang="zh-CN" sz="2400" b="0" i="1" smtClean="0">
-                              <a:latin typeface="Cambria Math" panose="02040503050406030204" pitchFamily="18" charset="0"/>
-                            </a:rPr>
-                            <m:t>𝑥</m:t>
-                          </m:r>
-                        </m:e>
-                        <m:sub>
-                          <m:r>
-                            <a:rPr lang="en-US" altLang="zh-CN" sz="2400" b="0" i="1" smtClean="0">
-                              <a:latin typeface="Cambria Math" panose="02040503050406030204" pitchFamily="18" charset="0"/>
-                            </a:rPr>
-                            <m:t>𝑡</m:t>
-                          </m:r>
-                        </m:sub>
-                      </m:sSub>
-                      <m:r>
-                        <a:rPr lang="en-US" altLang="zh-CN" sz="2400" b="0" i="1" smtClean="0">
-                          <a:latin typeface="Cambria Math" panose="02040503050406030204" pitchFamily="18" charset="0"/>
-                        </a:rPr>
-                        <m:t>→</m:t>
-                      </m:r>
-                      <m:sSub>
-                        <m:sSubPr>
-                          <m:ctrlPr>
-                            <a:rPr lang="en-US" altLang="zh-CN" sz="2400" b="0" i="1" smtClean="0">
-                              <a:latin typeface="Cambria Math" panose="02040503050406030204" pitchFamily="18" charset="0"/>
-                            </a:rPr>
-                          </m:ctrlPr>
-                        </m:sSubPr>
-                        <m:e>
-                          <m:r>
-                            <a:rPr lang="en-US" altLang="zh-CN" sz="2400" b="0" i="1" smtClean="0">
-                              <a:latin typeface="Cambria Math" panose="02040503050406030204" pitchFamily="18" charset="0"/>
-                            </a:rPr>
-                            <m:t>𝑥</m:t>
-                          </m:r>
-                        </m:e>
-                        <m:sub>
-                          <m:r>
-                            <a:rPr lang="en-US" altLang="zh-CN" sz="2400" b="0" i="1" smtClean="0">
-                              <a:latin typeface="Cambria Math" panose="02040503050406030204" pitchFamily="18" charset="0"/>
-                            </a:rPr>
-                            <m:t>0</m:t>
-                          </m:r>
-                        </m:sub>
-                      </m:sSub>
-                    </m:oMath>
-                  </m:oMathPara>
-                </a14:m>
-                <a:endParaRPr lang="zh-CN" altLang="en-US" sz="2400" dirty="0"/>
-              </a:p>
-            </p:txBody>
-          </p:sp>
-        </mc:Choice>
-        <mc:Fallback xmlns="">
-          <p:sp>
-            <p:nvSpPr>
-              <p:cNvPr id="52" name="TextBox 51">
-                <a:extLst>
-                  <a:ext uri="{FF2B5EF4-FFF2-40B4-BE49-F238E27FC236}">
-                    <a16:creationId xmlns:a16="http://schemas.microsoft.com/office/drawing/2014/main" id="{EF741F43-13B1-45A2-8F55-74AE51693414}"/>
-                  </a:ext>
-                </a:extLst>
-              </p:cNvPr>
-              <p:cNvSpPr txBox="1">
-                <a:spLocks noRot="1" noChangeAspect="1" noMove="1" noResize="1" noEditPoints="1" noAdjustHandles="1" noChangeArrowheads="1" noChangeShapeType="1" noTextEdit="1"/>
-              </p:cNvSpPr>
-              <p:nvPr/>
-            </p:nvSpPr>
-            <p:spPr>
-              <a:xfrm>
-                <a:off x="8282823" y="704934"/>
-                <a:ext cx="1095749" cy="369332"/>
-              </a:xfrm>
-              <a:prstGeom prst="rect">
-                <a:avLst/>
-              </a:prstGeom>
-              <a:blipFill>
-                <a:blip r:embed="rId6"/>
-                <a:stretch>
-                  <a:fillRect l="-2793" r="-2235" b="-15000"/>
-                </a:stretch>
-              </a:blipFill>
-            </p:spPr>
-            <p:txBody>
-              <a:bodyPr/>
-              <a:lstStyle/>
-              <a:p>
-                <a:r>
-                  <a:rPr lang="zh-CN" altLang="en-US">
-                    <a:noFill/>
-                  </a:rPr>
-                  <a:t> </a:t>
-                </a:r>
-              </a:p>
-            </p:txBody>
-          </p:sp>
-        </mc:Fallback>
-      </mc:AlternateContent>
-      <mc:AlternateContent xmlns:mc="http://schemas.openxmlformats.org/markup-compatibility/2006" xmlns:a14="http://schemas.microsoft.com/office/drawing/2010/main">
-        <mc:Choice Requires="a14">
-          <p:sp>
-            <p:nvSpPr>
-              <p:cNvPr id="54" name="TextBox 53">
-                <a:extLst>
-                  <a:ext uri="{FF2B5EF4-FFF2-40B4-BE49-F238E27FC236}">
-                    <a16:creationId xmlns:a16="http://schemas.microsoft.com/office/drawing/2014/main" id="{A51EAC8F-82BB-42EB-BAAC-26A8FA8C2276}"/>
-                  </a:ext>
-                </a:extLst>
-              </p:cNvPr>
-              <p:cNvSpPr txBox="1"/>
-              <p:nvPr/>
-            </p:nvSpPr>
-            <p:spPr>
-              <a:xfrm>
-                <a:off x="8282823" y="1075045"/>
-                <a:ext cx="820609" cy="369332"/>
-              </a:xfrm>
-              <a:prstGeom prst="rect">
-                <a:avLst/>
-              </a:prstGeom>
-              <a:noFill/>
-            </p:spPr>
-            <p:txBody>
-              <a:bodyPr wrap="none" lIns="0" tIns="0" rIns="0" bIns="0" rtlCol="0">
-                <a:spAutoFit/>
-              </a:bodyPr>
-              <a:lstStyle/>
-              <a:p>
-                <a:pPr/>
-                <a14:m>
-                  <m:oMathPara xmlns:m="http://schemas.openxmlformats.org/officeDocument/2006/math">
-                    <m:oMathParaPr>
-                      <m:jc m:val="centerGroup"/>
-                    </m:oMathParaPr>
-                    <m:oMath xmlns:m="http://schemas.openxmlformats.org/officeDocument/2006/math">
-                      <m:sSub>
-                        <m:sSubPr>
-                          <m:ctrlPr>
-                            <a:rPr lang="en-US" altLang="zh-CN" sz="2400" b="0" i="1" smtClean="0">
-                              <a:latin typeface="Cambria Math" panose="02040503050406030204" pitchFamily="18" charset="0"/>
-                            </a:rPr>
-                          </m:ctrlPr>
-                        </m:sSubPr>
-                        <m:e>
-                          <m:r>
-                            <a:rPr lang="en-US" altLang="zh-CN" sz="2400" b="0" i="1" smtClean="0">
-                              <a:latin typeface="Cambria Math" panose="02040503050406030204" pitchFamily="18" charset="0"/>
-                            </a:rPr>
-                            <m:t>𝜇</m:t>
-                          </m:r>
-                        </m:e>
-                        <m:sub>
-                          <m:r>
-                            <a:rPr lang="en-US" altLang="zh-CN" sz="2400" b="0" i="1" smtClean="0">
-                              <a:latin typeface="Cambria Math" panose="02040503050406030204" pitchFamily="18" charset="0"/>
-                            </a:rPr>
-                            <m:t>0</m:t>
-                          </m:r>
-                        </m:sub>
-                      </m:sSub>
-                      <m:r>
-                        <a:rPr lang="en-US" altLang="zh-CN" sz="2400" b="0" i="1" smtClean="0">
-                          <a:latin typeface="Cambria Math" panose="02040503050406030204" pitchFamily="18" charset="0"/>
-                        </a:rPr>
-                        <m:t>,</m:t>
-                      </m:r>
-                      <m:sSub>
-                        <m:sSubPr>
-                          <m:ctrlPr>
-                            <a:rPr lang="en-US" altLang="zh-CN" sz="2400" b="0" i="1" smtClean="0">
-                              <a:latin typeface="Cambria Math" panose="02040503050406030204" pitchFamily="18" charset="0"/>
-                            </a:rPr>
-                          </m:ctrlPr>
-                        </m:sSubPr>
-                        <m:e>
-                          <m:r>
-                            <m:rPr>
-                              <m:sty m:val="p"/>
-                            </m:rPr>
-                            <a:rPr lang="en-US" altLang="zh-CN" sz="2400" b="0" i="0" smtClean="0">
-                              <a:latin typeface="Cambria Math" panose="02040503050406030204" pitchFamily="18" charset="0"/>
-                            </a:rPr>
-                            <m:t>Σ</m:t>
-                          </m:r>
-                        </m:e>
-                        <m:sub>
-                          <m:r>
-                            <a:rPr lang="en-US" altLang="zh-CN" sz="2400" b="0" i="1" smtClean="0">
-                              <a:latin typeface="Cambria Math" panose="02040503050406030204" pitchFamily="18" charset="0"/>
-                            </a:rPr>
-                            <m:t>0</m:t>
-                          </m:r>
-                        </m:sub>
-                      </m:sSub>
-                    </m:oMath>
-                  </m:oMathPara>
-                </a14:m>
-                <a:endParaRPr lang="zh-CN" altLang="en-US" sz="2400" dirty="0"/>
-              </a:p>
-            </p:txBody>
-          </p:sp>
-        </mc:Choice>
-        <mc:Fallback xmlns="">
-          <p:sp>
-            <p:nvSpPr>
-              <p:cNvPr id="54" name="TextBox 53">
-                <a:extLst>
-                  <a:ext uri="{FF2B5EF4-FFF2-40B4-BE49-F238E27FC236}">
-                    <a16:creationId xmlns:a16="http://schemas.microsoft.com/office/drawing/2014/main" id="{A51EAC8F-82BB-42EB-BAAC-26A8FA8C2276}"/>
-                  </a:ext>
-                </a:extLst>
-              </p:cNvPr>
-              <p:cNvSpPr txBox="1">
-                <a:spLocks noRot="1" noChangeAspect="1" noMove="1" noResize="1" noEditPoints="1" noAdjustHandles="1" noChangeArrowheads="1" noChangeShapeType="1" noTextEdit="1"/>
-              </p:cNvSpPr>
-              <p:nvPr/>
-            </p:nvSpPr>
-            <p:spPr>
-              <a:xfrm>
-                <a:off x="8282823" y="1075045"/>
-                <a:ext cx="820609" cy="369332"/>
-              </a:xfrm>
-              <a:prstGeom prst="rect">
-                <a:avLst/>
-              </a:prstGeom>
-              <a:blipFill>
-                <a:blip r:embed="rId7"/>
-                <a:stretch>
-                  <a:fillRect l="-8209" r="-1493" b="-22951"/>
-                </a:stretch>
-              </a:blipFill>
-            </p:spPr>
-            <p:txBody>
-              <a:bodyPr/>
-              <a:lstStyle/>
-              <a:p>
-                <a:r>
-                  <a:rPr lang="zh-CN" altLang="en-US">
-                    <a:noFill/>
-                  </a:rPr>
-                  <a:t> </a:t>
-                </a:r>
-              </a:p>
-            </p:txBody>
-          </p:sp>
-        </mc:Fallback>
-      </mc:AlternateContent>
-      <mc:AlternateContent xmlns:mc="http://schemas.openxmlformats.org/markup-compatibility/2006" xmlns:a14="http://schemas.microsoft.com/office/drawing/2010/main">
-        <mc:Choice Requires="a14">
-          <p:sp>
-            <p:nvSpPr>
-              <p:cNvPr id="55" name="TextBox 54">
-                <a:extLst>
-                  <a:ext uri="{FF2B5EF4-FFF2-40B4-BE49-F238E27FC236}">
-                    <a16:creationId xmlns:a16="http://schemas.microsoft.com/office/drawing/2014/main" id="{EF6EA042-014B-4A5E-85A9-71F466BB967B}"/>
-                  </a:ext>
-                </a:extLst>
-              </p:cNvPr>
-              <p:cNvSpPr txBox="1"/>
-              <p:nvPr/>
-            </p:nvSpPr>
-            <p:spPr>
-              <a:xfrm>
-                <a:off x="2599424" y="671772"/>
-                <a:ext cx="387670" cy="369332"/>
-              </a:xfrm>
-              <a:prstGeom prst="rect">
-                <a:avLst/>
-              </a:prstGeom>
-              <a:noFill/>
-            </p:spPr>
-            <p:txBody>
-              <a:bodyPr wrap="none" lIns="0" tIns="0" rIns="0" bIns="0" rtlCol="0">
-                <a:spAutoFit/>
-              </a:bodyPr>
-              <a:lstStyle/>
-              <a:p>
-                <a:pPr/>
-                <a14:m>
-                  <m:oMathPara xmlns:m="http://schemas.openxmlformats.org/officeDocument/2006/math">
-                    <m:oMathParaPr>
-                      <m:jc m:val="centerGroup"/>
-                    </m:oMathParaPr>
-                    <m:oMath xmlns:m="http://schemas.openxmlformats.org/officeDocument/2006/math">
-                      <m:sSub>
-                        <m:sSubPr>
-                          <m:ctrlPr>
-                            <a:rPr lang="en-US" altLang="zh-CN" sz="2400" b="0" i="1" smtClean="0">
-                              <a:latin typeface="Cambria Math" panose="02040503050406030204" pitchFamily="18" charset="0"/>
-                            </a:rPr>
-                          </m:ctrlPr>
-                        </m:sSubPr>
-                        <m:e>
-                          <m:r>
-                            <a:rPr lang="en-US" altLang="zh-CN" sz="2400" b="0" i="1" smtClean="0">
-                              <a:latin typeface="Cambria Math" panose="02040503050406030204" pitchFamily="18" charset="0"/>
-                            </a:rPr>
-                            <m:t>𝑢</m:t>
-                          </m:r>
-                        </m:e>
-                        <m:sub>
-                          <m:r>
-                            <a:rPr lang="en-US" altLang="zh-CN" sz="2400" b="0" i="1" smtClean="0">
-                              <a:latin typeface="Cambria Math" panose="02040503050406030204" pitchFamily="18" charset="0"/>
-                            </a:rPr>
-                            <m:t>𝑠</m:t>
-                          </m:r>
-                        </m:sub>
-                      </m:sSub>
-                    </m:oMath>
-                  </m:oMathPara>
-                </a14:m>
-                <a:endParaRPr lang="zh-CN" altLang="en-US" sz="2400" dirty="0"/>
-              </a:p>
-            </p:txBody>
-          </p:sp>
-        </mc:Choice>
-        <mc:Fallback xmlns="">
-          <p:sp>
-            <p:nvSpPr>
-              <p:cNvPr id="55" name="TextBox 54">
-                <a:extLst>
-                  <a:ext uri="{FF2B5EF4-FFF2-40B4-BE49-F238E27FC236}">
-                    <a16:creationId xmlns:a16="http://schemas.microsoft.com/office/drawing/2014/main" id="{EF6EA042-014B-4A5E-85A9-71F466BB967B}"/>
-                  </a:ext>
-                </a:extLst>
-              </p:cNvPr>
-              <p:cNvSpPr txBox="1">
-                <a:spLocks noRot="1" noChangeAspect="1" noMove="1" noResize="1" noEditPoints="1" noAdjustHandles="1" noChangeArrowheads="1" noChangeShapeType="1" noTextEdit="1"/>
-              </p:cNvSpPr>
-              <p:nvPr/>
-            </p:nvSpPr>
-            <p:spPr>
-              <a:xfrm>
-                <a:off x="2599424" y="671772"/>
-                <a:ext cx="387670" cy="369332"/>
-              </a:xfrm>
-              <a:prstGeom prst="rect">
-                <a:avLst/>
-              </a:prstGeom>
-              <a:blipFill>
-                <a:blip r:embed="rId8"/>
-                <a:stretch>
-                  <a:fillRect l="-7813" b="-9836"/>
-                </a:stretch>
-              </a:blipFill>
-            </p:spPr>
-            <p:txBody>
-              <a:bodyPr/>
-              <a:lstStyle/>
-              <a:p>
-                <a:r>
-                  <a:rPr lang="zh-CN" altLang="en-US">
-                    <a:noFill/>
-                  </a:rPr>
-                  <a:t> </a:t>
-                </a:r>
-              </a:p>
-            </p:txBody>
-          </p:sp>
-        </mc:Fallback>
-      </mc:AlternateContent>
-      <mc:AlternateContent xmlns:mc="http://schemas.openxmlformats.org/markup-compatibility/2006" xmlns:a14="http://schemas.microsoft.com/office/drawing/2010/main">
-        <mc:Choice Requires="a14">
-          <p:sp>
-            <p:nvSpPr>
-              <p:cNvPr id="56" name="TextBox 55">
-                <a:extLst>
-                  <a:ext uri="{FF2B5EF4-FFF2-40B4-BE49-F238E27FC236}">
-                    <a16:creationId xmlns:a16="http://schemas.microsoft.com/office/drawing/2014/main" id="{112FAFEE-B470-4A16-8B02-18995D013FA1}"/>
-                  </a:ext>
-                </a:extLst>
-              </p:cNvPr>
-              <p:cNvSpPr txBox="1"/>
-              <p:nvPr/>
-            </p:nvSpPr>
-            <p:spPr>
-              <a:xfrm>
-                <a:off x="4486575" y="4566162"/>
-                <a:ext cx="1092735" cy="276999"/>
-              </a:xfrm>
-              <a:prstGeom prst="rect">
-                <a:avLst/>
-              </a:prstGeom>
-              <a:noFill/>
-            </p:spPr>
-            <p:txBody>
-              <a:bodyPr wrap="none" lIns="0" tIns="0" rIns="0" bIns="0" rtlCol="0">
-                <a:spAutoFit/>
-              </a:bodyPr>
-              <a:lstStyle/>
-              <a:p>
-                <a:pPr/>
-                <a14:m>
-                  <m:oMathPara xmlns:m="http://schemas.openxmlformats.org/officeDocument/2006/math">
-                    <m:oMathParaPr>
-                      <m:jc m:val="centerGroup"/>
-                    </m:oMathParaPr>
-                    <m:oMath xmlns:m="http://schemas.openxmlformats.org/officeDocument/2006/math">
-                      <m:sSubSup>
-                        <m:sSubSupPr>
-                          <m:ctrlPr>
-                            <a:rPr lang="en-US" altLang="zh-CN" b="0" i="1" smtClean="0">
-                              <a:latin typeface="Cambria Math" panose="02040503050406030204" pitchFamily="18" charset="0"/>
-                            </a:rPr>
-                          </m:ctrlPr>
-                        </m:sSubSupPr>
-                        <m:e>
-                          <m:r>
-                            <a:rPr lang="en-US" altLang="zh-CN" b="0" i="1" smtClean="0">
-                              <a:latin typeface="Cambria Math" panose="02040503050406030204" pitchFamily="18" charset="0"/>
-                            </a:rPr>
-                            <m:t>𝜇</m:t>
-                          </m:r>
-                        </m:e>
-                        <m:sub>
-                          <m:r>
-                            <a:rPr lang="en-US" altLang="zh-CN" b="0" i="1" smtClean="0">
-                              <a:latin typeface="Cambria Math" panose="02040503050406030204" pitchFamily="18" charset="0"/>
-                            </a:rPr>
-                            <m:t>𝑠</m:t>
-                          </m:r>
-                        </m:sub>
-                        <m:sup>
-                          <m:r>
-                            <a:rPr lang="en-US" altLang="zh-CN" b="0" i="1" smtClean="0">
-                              <a:latin typeface="Cambria Math" panose="02040503050406030204" pitchFamily="18" charset="0"/>
-                            </a:rPr>
-                            <m:t>𝑇</m:t>
-                          </m:r>
-                          <m:r>
-                            <a:rPr lang="en-US" altLang="zh-CN" b="0" i="1" smtClean="0">
-                              <a:latin typeface="Cambria Math" panose="02040503050406030204" pitchFamily="18" charset="0"/>
-                            </a:rPr>
-                            <m:t>−1</m:t>
-                          </m:r>
-                        </m:sup>
-                      </m:sSubSup>
-                      <m:r>
-                        <a:rPr lang="en-US" altLang="zh-CN" b="0" i="1" smtClean="0">
-                          <a:latin typeface="Cambria Math" panose="02040503050406030204" pitchFamily="18" charset="0"/>
-                        </a:rPr>
-                        <m:t>,</m:t>
-                      </m:r>
-                      <m:sSubSup>
-                        <m:sSubSupPr>
-                          <m:ctrlPr>
-                            <a:rPr lang="en-US" altLang="zh-CN" b="0" i="1" smtClean="0">
-                              <a:latin typeface="Cambria Math" panose="02040503050406030204" pitchFamily="18" charset="0"/>
-                            </a:rPr>
-                          </m:ctrlPr>
-                        </m:sSubSupPr>
-                        <m:e>
-                          <m:r>
-                            <m:rPr>
-                              <m:sty m:val="p"/>
-                            </m:rPr>
-                            <a:rPr lang="en-US" altLang="zh-CN" b="0" i="0" smtClean="0">
-                              <a:latin typeface="Cambria Math" panose="02040503050406030204" pitchFamily="18" charset="0"/>
-                            </a:rPr>
-                            <m:t>Σ</m:t>
-                          </m:r>
-                        </m:e>
-                        <m:sub>
-                          <m:r>
-                            <a:rPr lang="en-US" altLang="zh-CN" b="0" i="1" smtClean="0">
-                              <a:latin typeface="Cambria Math" panose="02040503050406030204" pitchFamily="18" charset="0"/>
-                            </a:rPr>
-                            <m:t>𝑠</m:t>
-                          </m:r>
-                        </m:sub>
-                        <m:sup>
-                          <m:r>
-                            <a:rPr lang="en-US" altLang="zh-CN" b="0" i="1" smtClean="0">
-                              <a:latin typeface="Cambria Math" panose="02040503050406030204" pitchFamily="18" charset="0"/>
-                            </a:rPr>
-                            <m:t>𝑇</m:t>
-                          </m:r>
-                          <m:r>
-                            <a:rPr lang="en-US" altLang="zh-CN" b="0" i="1" smtClean="0">
-                              <a:latin typeface="Cambria Math" panose="02040503050406030204" pitchFamily="18" charset="0"/>
-                            </a:rPr>
-                            <m:t>−1</m:t>
-                          </m:r>
-                        </m:sup>
-                      </m:sSubSup>
-                    </m:oMath>
-                  </m:oMathPara>
-                </a14:m>
-                <a:endParaRPr lang="zh-CN" altLang="en-US" dirty="0"/>
-              </a:p>
-            </p:txBody>
-          </p:sp>
-        </mc:Choice>
-        <mc:Fallback xmlns="">
-          <p:sp>
-            <p:nvSpPr>
-              <p:cNvPr id="56" name="TextBox 55">
-                <a:extLst>
-                  <a:ext uri="{FF2B5EF4-FFF2-40B4-BE49-F238E27FC236}">
-                    <a16:creationId xmlns:a16="http://schemas.microsoft.com/office/drawing/2014/main" id="{112FAFEE-B470-4A16-8B02-18995D013FA1}"/>
-                  </a:ext>
-                </a:extLst>
-              </p:cNvPr>
-              <p:cNvSpPr txBox="1">
-                <a:spLocks noRot="1" noChangeAspect="1" noMove="1" noResize="1" noEditPoints="1" noAdjustHandles="1" noChangeArrowheads="1" noChangeShapeType="1" noTextEdit="1"/>
-              </p:cNvSpPr>
-              <p:nvPr/>
-            </p:nvSpPr>
-            <p:spPr>
-              <a:xfrm>
-                <a:off x="4486575" y="4566162"/>
-                <a:ext cx="1092735" cy="276999"/>
-              </a:xfrm>
-              <a:prstGeom prst="rect">
-                <a:avLst/>
-              </a:prstGeom>
-              <a:blipFill>
-                <a:blip r:embed="rId9"/>
-                <a:stretch>
-                  <a:fillRect l="-4469" t="-4444" r="-1117" b="-24444"/>
-                </a:stretch>
-              </a:blipFill>
-            </p:spPr>
-            <p:txBody>
-              <a:bodyPr/>
-              <a:lstStyle/>
-              <a:p>
-                <a:r>
-                  <a:rPr lang="zh-CN" altLang="en-US">
-                    <a:noFill/>
-                  </a:rPr>
-                  <a:t> </a:t>
-                </a:r>
-              </a:p>
-            </p:txBody>
-          </p:sp>
-        </mc:Fallback>
-      </mc:AlternateContent>
-      <p:sp>
-        <p:nvSpPr>
-          <p:cNvPr id="77" name="Rectangle: Rounded Corners 76">
-            <a:extLst>
-              <a:ext uri="{FF2B5EF4-FFF2-40B4-BE49-F238E27FC236}">
-                <a16:creationId xmlns:a16="http://schemas.microsoft.com/office/drawing/2014/main" id="{2E862EF5-CEE2-445D-92C5-4AC16808F89B}"/>
-              </a:ext>
-            </a:extLst>
-          </p:cNvPr>
-          <p:cNvSpPr/>
-          <p:nvPr/>
-        </p:nvSpPr>
-        <p:spPr>
-          <a:xfrm>
-            <a:off x="4585194" y="5024364"/>
-            <a:ext cx="1943249" cy="489998"/>
-          </a:xfrm>
-          <a:prstGeom prst="roundRect">
-            <a:avLst/>
-          </a:prstGeom>
-        </p:spPr>
-        <p:style>
-          <a:lnRef idx="2">
-            <a:schemeClr val="dk1"/>
-          </a:lnRef>
-          <a:fillRef idx="1">
-            <a:schemeClr val="lt1"/>
-          </a:fillRef>
-          <a:effectRef idx="0">
-            <a:schemeClr val="dk1"/>
-          </a:effectRef>
-          <a:fontRef idx="minor">
-            <a:schemeClr val="dk1"/>
-          </a:fontRef>
-        </p:style>
-        <p:txBody>
-          <a:bodyPr rtlCol="0" anchor="ctr"/>
-          <a:lstStyle/>
-          <a:p>
-            <a:pPr algn="ctr"/>
-            <a:r>
-              <a:rPr lang="en-US" altLang="zh-CN" sz="1600" b="1" dirty="0"/>
-              <a:t>Safe</a:t>
-            </a:r>
-            <a:r>
-              <a:rPr lang="en-US" altLang="zh-CN" b="1" dirty="0"/>
-              <a:t> </a:t>
-            </a:r>
-            <a:r>
-              <a:rPr lang="en-US" altLang="zh-CN" sz="1600" b="1" dirty="0"/>
-              <a:t>Resample</a:t>
-            </a:r>
-            <a:r>
-              <a:rPr lang="en-US" altLang="zh-CN" b="1" dirty="0"/>
-              <a:t> </a:t>
-            </a:r>
-          </a:p>
-        </p:txBody>
-      </p:sp>
-      <p:sp>
-        <p:nvSpPr>
-          <p:cNvPr id="47" name="TextBox 46">
-            <a:extLst>
-              <a:ext uri="{FF2B5EF4-FFF2-40B4-BE49-F238E27FC236}">
-                <a16:creationId xmlns:a16="http://schemas.microsoft.com/office/drawing/2014/main" id="{BFBC8C86-F6E1-48F1-B164-A21EFE9DDD2F}"/>
-              </a:ext>
-            </a:extLst>
-          </p:cNvPr>
-          <p:cNvSpPr txBox="1"/>
-          <p:nvPr/>
-        </p:nvSpPr>
-        <p:spPr>
-          <a:xfrm>
-            <a:off x="4922753" y="2004117"/>
-            <a:ext cx="1971675" cy="461665"/>
-          </a:xfrm>
-          <a:prstGeom prst="rect">
-            <a:avLst/>
-          </a:prstGeom>
-          <a:noFill/>
-        </p:spPr>
-        <p:txBody>
-          <a:bodyPr wrap="square" rtlCol="0">
-            <a:spAutoFit/>
-          </a:bodyPr>
-          <a:lstStyle/>
-          <a:p>
-            <a:r>
-              <a:rPr lang="en-US" altLang="zh-CN" sz="2400" dirty="0">
-                <a:latin typeface="Times New Roman" panose="02020603050405020304" pitchFamily="18" charset="0"/>
-                <a:cs typeface="Times New Roman" panose="02020603050405020304" pitchFamily="18" charset="0"/>
-              </a:rPr>
-              <a:t>MPPI-CBF</a:t>
-            </a:r>
-            <a:endParaRPr lang="zh-CN" altLang="en-US" sz="2400" dirty="0">
-              <a:latin typeface="Times New Roman" panose="02020603050405020304" pitchFamily="18" charset="0"/>
-              <a:cs typeface="Times New Roman" panose="02020603050405020304" pitchFamily="18" charset="0"/>
-            </a:endParaRPr>
-          </a:p>
-        </p:txBody>
-      </p:sp>
-      <p:cxnSp>
-        <p:nvCxnSpPr>
-          <p:cNvPr id="29" name="Straight Arrow Connector 28">
-            <a:extLst>
-              <a:ext uri="{FF2B5EF4-FFF2-40B4-BE49-F238E27FC236}">
-                <a16:creationId xmlns:a16="http://schemas.microsoft.com/office/drawing/2014/main" id="{5F18C219-ABE7-4149-88A1-628ACE459AFA}"/>
-              </a:ext>
-            </a:extLst>
-          </p:cNvPr>
-          <p:cNvCxnSpPr>
-            <a:stCxn id="8" idx="0"/>
-            <a:endCxn id="6" idx="2"/>
-          </p:cNvCxnSpPr>
-          <p:nvPr/>
-        </p:nvCxnSpPr>
-        <p:spPr>
-          <a:xfrm flipV="1">
-            <a:off x="1505174" y="4132913"/>
-            <a:ext cx="0" cy="744388"/>
-          </a:xfrm>
-          <a:prstGeom prst="straightConnector1">
-            <a:avLst/>
-          </a:prstGeom>
-          <a:ln w="25400">
-            <a:tailEnd type="triangle"/>
-          </a:ln>
-        </p:spPr>
-        <p:style>
-          <a:lnRef idx="1">
-            <a:schemeClr val="accent1"/>
-          </a:lnRef>
-          <a:fillRef idx="0">
-            <a:schemeClr val="accent1"/>
-          </a:fillRef>
-          <a:effectRef idx="0">
-            <a:schemeClr val="accent1"/>
-          </a:effectRef>
-          <a:fontRef idx="minor">
-            <a:schemeClr val="tx1"/>
-          </a:fontRef>
-        </p:style>
-      </p:cxnSp>
-      <p:sp>
-        <p:nvSpPr>
-          <p:cNvPr id="58" name="Rectangle: Rounded Corners 57">
-            <a:extLst>
-              <a:ext uri="{FF2B5EF4-FFF2-40B4-BE49-F238E27FC236}">
-                <a16:creationId xmlns:a16="http://schemas.microsoft.com/office/drawing/2014/main" id="{E1B715C5-C250-4E05-BB7F-C2F5D493D039}"/>
-              </a:ext>
-            </a:extLst>
-          </p:cNvPr>
-          <p:cNvSpPr/>
-          <p:nvPr/>
-        </p:nvSpPr>
-        <p:spPr>
-          <a:xfrm>
-            <a:off x="9257479" y="3382211"/>
-            <a:ext cx="2278755" cy="2743727"/>
-          </a:xfrm>
-          <a:prstGeom prst="roundRect">
-            <a:avLst/>
-          </a:prstGeom>
-          <a:ln/>
-        </p:spPr>
-        <p:style>
-          <a:lnRef idx="2">
-            <a:schemeClr val="accent3">
-              <a:shade val="50000"/>
-            </a:schemeClr>
-          </a:lnRef>
-          <a:fillRef idx="1">
-            <a:schemeClr val="accent3"/>
-          </a:fillRef>
-          <a:effectRef idx="0">
-            <a:schemeClr val="accent3"/>
-          </a:effectRef>
-          <a:fontRef idx="minor">
-            <a:schemeClr val="lt1"/>
-          </a:fontRef>
-        </p:style>
-        <p:txBody>
-          <a:bodyPr rtlCol="0" anchor="ctr"/>
-          <a:lstStyle/>
-          <a:p>
-            <a:pPr algn="ctr"/>
-            <a:endParaRPr lang="en-US" altLang="zh-CN" sz="1800" b="1" dirty="0"/>
-          </a:p>
-          <a:p>
-            <a:pPr algn="ctr"/>
-            <a:endParaRPr lang="en-US" altLang="zh-CN" b="1" dirty="0"/>
-          </a:p>
-          <a:p>
-            <a:pPr algn="ctr"/>
-            <a:endParaRPr lang="en-US" altLang="zh-CN" sz="1800" b="1" dirty="0"/>
-          </a:p>
-          <a:p>
-            <a:pPr algn="ctr"/>
-            <a:endParaRPr lang="en-US" altLang="zh-CN" b="1" dirty="0"/>
-          </a:p>
-          <a:p>
-            <a:pPr algn="ctr"/>
-            <a:endParaRPr lang="en-US" altLang="zh-CN" sz="1800" b="1" dirty="0"/>
-          </a:p>
-          <a:p>
-            <a:pPr algn="ctr"/>
-            <a:endParaRPr lang="en-US" altLang="zh-CN" b="1" dirty="0"/>
-          </a:p>
-        </p:txBody>
-      </p:sp>
-      <p:sp>
-        <p:nvSpPr>
-          <p:cNvPr id="59" name="Rectangle: Rounded Corners 58">
-            <a:extLst>
-              <a:ext uri="{FF2B5EF4-FFF2-40B4-BE49-F238E27FC236}">
-                <a16:creationId xmlns:a16="http://schemas.microsoft.com/office/drawing/2014/main" id="{726011FA-DF3E-482E-8C06-DDE927E3D4F6}"/>
-              </a:ext>
-            </a:extLst>
-          </p:cNvPr>
-          <p:cNvSpPr/>
-          <p:nvPr/>
-        </p:nvSpPr>
-        <p:spPr>
-          <a:xfrm>
-            <a:off x="9468899" y="3937376"/>
-            <a:ext cx="1943250" cy="447098"/>
-          </a:xfrm>
-          <a:prstGeom prst="roundRect">
-            <a:avLst/>
-          </a:prstGeom>
-        </p:spPr>
-        <p:style>
-          <a:lnRef idx="2">
-            <a:schemeClr val="dk1"/>
-          </a:lnRef>
-          <a:fillRef idx="1">
-            <a:schemeClr val="lt1"/>
-          </a:fillRef>
-          <a:effectRef idx="0">
-            <a:schemeClr val="dk1"/>
-          </a:effectRef>
-          <a:fontRef idx="minor">
-            <a:schemeClr val="dk1"/>
-          </a:fontRef>
-        </p:style>
-        <p:txBody>
-          <a:bodyPr rtlCol="0" anchor="ctr"/>
-          <a:lstStyle/>
-          <a:p>
-            <a:pPr algn="ctr"/>
-            <a:r>
-              <a:rPr lang="en-US" altLang="zh-CN" sz="1600" b="1" dirty="0"/>
-              <a:t>Control Barrier Function</a:t>
-            </a:r>
-            <a:endParaRPr lang="zh-CN" altLang="en-US" sz="1600" b="1" dirty="0"/>
-          </a:p>
-        </p:txBody>
-      </p:sp>
-      <mc:AlternateContent xmlns:mc="http://schemas.openxmlformats.org/markup-compatibility/2006" xmlns:a14="http://schemas.microsoft.com/office/drawing/2010/main">
-        <mc:Choice Requires="a14">
-          <p:sp>
-            <p:nvSpPr>
-              <p:cNvPr id="60" name="TextBox 59">
-                <a:extLst>
-                  <a:ext uri="{FF2B5EF4-FFF2-40B4-BE49-F238E27FC236}">
-                    <a16:creationId xmlns:a16="http://schemas.microsoft.com/office/drawing/2014/main" id="{BC707B97-ECD6-457C-B6C1-6DCE13DEFF9A}"/>
-                  </a:ext>
-                </a:extLst>
-              </p:cNvPr>
-              <p:cNvSpPr txBox="1"/>
-              <p:nvPr/>
-            </p:nvSpPr>
-            <p:spPr>
-              <a:xfrm>
-                <a:off x="9698993" y="4619746"/>
-                <a:ext cx="630557" cy="276999"/>
-              </a:xfrm>
-              <a:prstGeom prst="rect">
-                <a:avLst/>
-              </a:prstGeom>
-              <a:noFill/>
-            </p:spPr>
-            <p:txBody>
-              <a:bodyPr wrap="none" lIns="0" tIns="0" rIns="0" bIns="0" rtlCol="0">
-                <a:spAutoFit/>
-              </a:bodyPr>
-              <a:lstStyle/>
-              <a:p>
-                <a:pPr/>
-                <a14:m>
-                  <m:oMathPara xmlns:m="http://schemas.openxmlformats.org/officeDocument/2006/math">
-                    <m:oMathParaPr>
-                      <m:jc m:val="centerGroup"/>
-                    </m:oMathParaPr>
-                    <m:oMath xmlns:m="http://schemas.openxmlformats.org/officeDocument/2006/math">
-                      <m:sSubSup>
-                        <m:sSubSupPr>
-                          <m:ctrlPr>
-                            <a:rPr lang="en-US" altLang="zh-CN" b="0" i="1" smtClean="0">
-                              <a:latin typeface="Cambria Math" panose="02040503050406030204" pitchFamily="18" charset="0"/>
-                            </a:rPr>
-                          </m:ctrlPr>
-                        </m:sSubSupPr>
-                        <m:e>
-                          <m:r>
-                            <a:rPr lang="en-US" altLang="zh-CN" b="0" i="1" smtClean="0">
-                              <a:latin typeface="Cambria Math" panose="02040503050406030204" pitchFamily="18" charset="0"/>
-                            </a:rPr>
-                            <m:t>𝜇</m:t>
-                          </m:r>
-                        </m:e>
-                        <m:sub>
-                          <m:r>
-                            <a:rPr lang="en-US" altLang="zh-CN" b="0" i="1" smtClean="0">
-                              <a:latin typeface="Cambria Math" panose="02040503050406030204" pitchFamily="18" charset="0"/>
-                            </a:rPr>
-                            <m:t>𝑠</m:t>
-                          </m:r>
-                        </m:sub>
-                        <m:sup>
-                          <m:r>
-                            <a:rPr lang="en-US" altLang="zh-CN" b="0" i="1" smtClean="0">
-                              <a:latin typeface="Cambria Math" panose="02040503050406030204" pitchFamily="18" charset="0"/>
-                            </a:rPr>
-                            <m:t>0</m:t>
-                          </m:r>
-                        </m:sup>
-                      </m:sSubSup>
-                      <m:r>
-                        <a:rPr lang="en-US" altLang="zh-CN" b="0" i="1" smtClean="0">
-                          <a:latin typeface="Cambria Math" panose="02040503050406030204" pitchFamily="18" charset="0"/>
-                        </a:rPr>
-                        <m:t>,</m:t>
-                      </m:r>
-                      <m:sSubSup>
-                        <m:sSubSupPr>
-                          <m:ctrlPr>
-                            <a:rPr lang="en-US" altLang="zh-CN" b="0" i="1" smtClean="0">
-                              <a:latin typeface="Cambria Math" panose="02040503050406030204" pitchFamily="18" charset="0"/>
-                            </a:rPr>
-                          </m:ctrlPr>
-                        </m:sSubSupPr>
-                        <m:e>
-                          <m:r>
-                            <m:rPr>
-                              <m:sty m:val="p"/>
-                            </m:rPr>
-                            <a:rPr lang="en-US" altLang="zh-CN" b="0" i="0" smtClean="0">
-                              <a:latin typeface="Cambria Math" panose="02040503050406030204" pitchFamily="18" charset="0"/>
-                            </a:rPr>
-                            <m:t>Σ</m:t>
-                          </m:r>
-                        </m:e>
-                        <m:sub>
-                          <m:r>
-                            <a:rPr lang="en-US" altLang="zh-CN" b="0" i="1" smtClean="0">
-                              <a:latin typeface="Cambria Math" panose="02040503050406030204" pitchFamily="18" charset="0"/>
-                            </a:rPr>
-                            <m:t>𝑠</m:t>
-                          </m:r>
-                        </m:sub>
-                        <m:sup>
-                          <m:r>
-                            <a:rPr lang="en-US" altLang="zh-CN" b="0" i="1" smtClean="0">
-                              <a:latin typeface="Cambria Math" panose="02040503050406030204" pitchFamily="18" charset="0"/>
-                            </a:rPr>
-                            <m:t>0</m:t>
-                          </m:r>
-                        </m:sup>
-                      </m:sSubSup>
-                    </m:oMath>
-                  </m:oMathPara>
-                </a14:m>
-                <a:endParaRPr lang="zh-CN" altLang="en-US" dirty="0"/>
-              </a:p>
-            </p:txBody>
-          </p:sp>
-        </mc:Choice>
-        <mc:Fallback xmlns="">
-          <p:sp>
-            <p:nvSpPr>
-              <p:cNvPr id="60" name="TextBox 59">
-                <a:extLst>
-                  <a:ext uri="{FF2B5EF4-FFF2-40B4-BE49-F238E27FC236}">
-                    <a16:creationId xmlns:a16="http://schemas.microsoft.com/office/drawing/2014/main" id="{BC707B97-ECD6-457C-B6C1-6DCE13DEFF9A}"/>
-                  </a:ext>
-                </a:extLst>
-              </p:cNvPr>
-              <p:cNvSpPr txBox="1">
-                <a:spLocks noRot="1" noChangeAspect="1" noMove="1" noResize="1" noEditPoints="1" noAdjustHandles="1" noChangeArrowheads="1" noChangeShapeType="1" noTextEdit="1"/>
-              </p:cNvSpPr>
-              <p:nvPr/>
-            </p:nvSpPr>
-            <p:spPr>
-              <a:xfrm>
-                <a:off x="9698993" y="4619746"/>
-                <a:ext cx="630557" cy="276999"/>
-              </a:xfrm>
-              <a:prstGeom prst="rect">
-                <a:avLst/>
-              </a:prstGeom>
-              <a:blipFill>
-                <a:blip r:embed="rId10"/>
-                <a:stretch>
-                  <a:fillRect l="-6796" t="-4444" r="-3883" b="-22222"/>
-                </a:stretch>
-              </a:blipFill>
-            </p:spPr>
-            <p:txBody>
-              <a:bodyPr/>
-              <a:lstStyle/>
-              <a:p>
-                <a:r>
-                  <a:rPr lang="zh-CN" altLang="en-US">
-                    <a:noFill/>
-                  </a:rPr>
-                  <a:t> </a:t>
-                </a:r>
-              </a:p>
-            </p:txBody>
-          </p:sp>
-        </mc:Fallback>
-      </mc:AlternateContent>
-      <p:sp>
-        <p:nvSpPr>
-          <p:cNvPr id="61" name="Rectangle: Rounded Corners 60">
-            <a:extLst>
-              <a:ext uri="{FF2B5EF4-FFF2-40B4-BE49-F238E27FC236}">
-                <a16:creationId xmlns:a16="http://schemas.microsoft.com/office/drawing/2014/main" id="{4EAAA717-B620-4713-872D-91C3B3B96644}"/>
-              </a:ext>
-            </a:extLst>
-          </p:cNvPr>
-          <p:cNvSpPr/>
-          <p:nvPr/>
-        </p:nvSpPr>
-        <p:spPr>
-          <a:xfrm>
-            <a:off x="9471851" y="5028973"/>
-            <a:ext cx="1943249" cy="489998"/>
-          </a:xfrm>
-          <a:prstGeom prst="roundRect">
-            <a:avLst/>
-          </a:prstGeom>
-        </p:spPr>
-        <p:style>
-          <a:lnRef idx="2">
-            <a:schemeClr val="dk1"/>
-          </a:lnRef>
-          <a:fillRef idx="1">
-            <a:schemeClr val="lt1"/>
-          </a:fillRef>
-          <a:effectRef idx="0">
-            <a:schemeClr val="dk1"/>
-          </a:effectRef>
-          <a:fontRef idx="minor">
-            <a:schemeClr val="dk1"/>
-          </a:fontRef>
-        </p:style>
-        <p:txBody>
-          <a:bodyPr rtlCol="0" anchor="ctr"/>
-          <a:lstStyle/>
-          <a:p>
-            <a:pPr algn="ctr"/>
-            <a:r>
-              <a:rPr lang="en-US" altLang="zh-CN" sz="1600" b="1" dirty="0"/>
-              <a:t>Safe</a:t>
-            </a:r>
-            <a:r>
-              <a:rPr lang="en-US" altLang="zh-CN" b="1" dirty="0"/>
-              <a:t> </a:t>
-            </a:r>
-            <a:r>
-              <a:rPr lang="en-US" altLang="zh-CN" sz="1600" b="1" dirty="0"/>
-              <a:t>Resample</a:t>
-            </a:r>
-            <a:r>
-              <a:rPr lang="en-US" altLang="zh-CN" b="1" dirty="0"/>
-              <a:t> </a:t>
-            </a:r>
-          </a:p>
-        </p:txBody>
-      </p:sp>
-      <p:cxnSp>
-        <p:nvCxnSpPr>
-          <p:cNvPr id="102" name="Straight Arrow Connector 101">
-            <a:extLst>
-              <a:ext uri="{FF2B5EF4-FFF2-40B4-BE49-F238E27FC236}">
-                <a16:creationId xmlns:a16="http://schemas.microsoft.com/office/drawing/2014/main" id="{A69224D9-801C-4571-8BAE-CCE7DE624EE1}"/>
-              </a:ext>
-            </a:extLst>
-          </p:cNvPr>
-          <p:cNvCxnSpPr>
-            <a:cxnSpLocks/>
-            <a:endCxn id="6" idx="3"/>
-          </p:cNvCxnSpPr>
-          <p:nvPr/>
-        </p:nvCxnSpPr>
-        <p:spPr>
-          <a:xfrm flipH="1">
-            <a:off x="2599424" y="3698165"/>
-            <a:ext cx="1211886" cy="0"/>
-          </a:xfrm>
-          <a:prstGeom prst="straightConnector1">
-            <a:avLst/>
-          </a:prstGeom>
-          <a:ln w="25400">
-            <a:tailEnd type="triangle"/>
-          </a:ln>
-        </p:spPr>
-        <p:style>
-          <a:lnRef idx="1">
-            <a:schemeClr val="accent1"/>
-          </a:lnRef>
-          <a:fillRef idx="0">
-            <a:schemeClr val="accent1"/>
-          </a:fillRef>
-          <a:effectRef idx="0">
-            <a:schemeClr val="accent1"/>
-          </a:effectRef>
-          <a:fontRef idx="minor">
-            <a:schemeClr val="tx1"/>
-          </a:fontRef>
-        </p:style>
-      </p:cxnSp>
-      <p:cxnSp>
-        <p:nvCxnSpPr>
-          <p:cNvPr id="114" name="Straight Arrow Connector 113">
-            <a:extLst>
-              <a:ext uri="{FF2B5EF4-FFF2-40B4-BE49-F238E27FC236}">
-                <a16:creationId xmlns:a16="http://schemas.microsoft.com/office/drawing/2014/main" id="{0A3670C2-77A0-4668-9733-092F8CC2545E}"/>
-              </a:ext>
-            </a:extLst>
-          </p:cNvPr>
-          <p:cNvCxnSpPr>
-            <a:stCxn id="12" idx="2"/>
-            <a:endCxn id="77" idx="0"/>
-          </p:cNvCxnSpPr>
-          <p:nvPr/>
-        </p:nvCxnSpPr>
-        <p:spPr>
-          <a:xfrm>
-            <a:off x="5556819" y="4423102"/>
-            <a:ext cx="0" cy="601262"/>
-          </a:xfrm>
-          <a:prstGeom prst="straightConnector1">
-            <a:avLst/>
-          </a:prstGeom>
-          <a:ln w="25400">
-            <a:tailEnd type="triangle"/>
-          </a:ln>
-        </p:spPr>
-        <p:style>
-          <a:lnRef idx="1">
-            <a:schemeClr val="accent1"/>
-          </a:lnRef>
-          <a:fillRef idx="0">
-            <a:schemeClr val="accent1"/>
-          </a:fillRef>
-          <a:effectRef idx="0">
-            <a:schemeClr val="accent1"/>
-          </a:effectRef>
-          <a:fontRef idx="minor">
-            <a:schemeClr val="tx1"/>
-          </a:fontRef>
-        </p:style>
-      </p:cxnSp>
-      <p:cxnSp>
-        <p:nvCxnSpPr>
-          <p:cNvPr id="130" name="Straight Arrow Connector 129">
-            <a:extLst>
-              <a:ext uri="{FF2B5EF4-FFF2-40B4-BE49-F238E27FC236}">
-                <a16:creationId xmlns:a16="http://schemas.microsoft.com/office/drawing/2014/main" id="{78BFDC9D-1240-487A-8D3B-4F1B4E591818}"/>
-              </a:ext>
-            </a:extLst>
-          </p:cNvPr>
-          <p:cNvCxnSpPr>
-            <a:cxnSpLocks/>
-            <a:stCxn id="59" idx="2"/>
-            <a:endCxn id="61" idx="0"/>
-          </p:cNvCxnSpPr>
-          <p:nvPr/>
-        </p:nvCxnSpPr>
-        <p:spPr>
-          <a:xfrm>
-            <a:off x="10440524" y="4384474"/>
-            <a:ext cx="2952" cy="644499"/>
-          </a:xfrm>
-          <a:prstGeom prst="straightConnector1">
-            <a:avLst/>
-          </a:prstGeom>
-          <a:ln w="25400">
-            <a:tailEnd type="triangle"/>
-          </a:ln>
-        </p:spPr>
-        <p:style>
-          <a:lnRef idx="1">
-            <a:schemeClr val="accent1"/>
-          </a:lnRef>
-          <a:fillRef idx="0">
-            <a:schemeClr val="accent1"/>
-          </a:fillRef>
-          <a:effectRef idx="0">
-            <a:schemeClr val="accent1"/>
-          </a:effectRef>
-          <a:fontRef idx="minor">
-            <a:schemeClr val="tx1"/>
-          </a:fontRef>
-        </p:style>
-      </p:cxnSp>
-      <mc:AlternateContent xmlns:mc="http://schemas.openxmlformats.org/markup-compatibility/2006" xmlns:a14="http://schemas.microsoft.com/office/drawing/2010/main">
-        <mc:Choice Requires="a14">
-          <p:sp>
-            <p:nvSpPr>
-              <p:cNvPr id="135" name="TextBox 134">
-                <a:extLst>
-                  <a:ext uri="{FF2B5EF4-FFF2-40B4-BE49-F238E27FC236}">
-                    <a16:creationId xmlns:a16="http://schemas.microsoft.com/office/drawing/2014/main" id="{0EF9B45C-6A25-4FE5-AE17-CFA8B9D41058}"/>
-                  </a:ext>
-                </a:extLst>
-              </p:cNvPr>
-              <p:cNvSpPr txBox="1"/>
-              <p:nvPr/>
-            </p:nvSpPr>
-            <p:spPr>
-              <a:xfrm>
-                <a:off x="9431628" y="6148926"/>
-                <a:ext cx="1971675" cy="338554"/>
-              </a:xfrm>
-              <a:prstGeom prst="rect">
-                <a:avLst/>
-              </a:prstGeom>
-              <a:noFill/>
-            </p:spPr>
-            <p:txBody>
-              <a:bodyPr wrap="square" rtlCol="0">
-                <a:spAutoFit/>
-              </a:bodyPr>
-              <a:lstStyle/>
-              <a:p>
-                <a:pPr/>
-                <a14:m>
-                  <m:oMathPara xmlns:m="http://schemas.openxmlformats.org/officeDocument/2006/math">
-                    <m:oMathParaPr>
-                      <m:jc m:val="centerGroup"/>
-                    </m:oMathParaPr>
-                    <m:oMath xmlns:m="http://schemas.openxmlformats.org/officeDocument/2006/math">
-                      <m:sSub>
-                        <m:sSubPr>
-                          <m:ctrlPr>
-                            <a:rPr lang="en-US" altLang="zh-CN" sz="1600" b="0" i="1" smtClean="0">
-                              <a:latin typeface="Cambria Math" panose="02040503050406030204" pitchFamily="18" charset="0"/>
-                              <a:cs typeface="Times New Roman" panose="02020603050405020304" pitchFamily="18" charset="0"/>
-                            </a:rPr>
-                          </m:ctrlPr>
-                        </m:sSubPr>
-                        <m:e>
-                          <m:r>
-                            <a:rPr lang="en-US" altLang="zh-CN" sz="1600" b="0" i="1" smtClean="0">
-                              <a:latin typeface="Cambria Math" panose="02040503050406030204" pitchFamily="18" charset="0"/>
-                              <a:cs typeface="Times New Roman" panose="02020603050405020304" pitchFamily="18" charset="0"/>
-                            </a:rPr>
-                            <m:t>𝑡</m:t>
-                          </m:r>
-                        </m:e>
-                        <m:sub>
-                          <m:r>
-                            <a:rPr lang="en-US" altLang="zh-CN" sz="1600" b="0" i="1" smtClean="0">
-                              <a:latin typeface="Cambria Math" panose="02040503050406030204" pitchFamily="18" charset="0"/>
-                              <a:cs typeface="Times New Roman" panose="02020603050405020304" pitchFamily="18" charset="0"/>
-                            </a:rPr>
-                            <m:t>0</m:t>
-                          </m:r>
-                        </m:sub>
-                      </m:sSub>
-                    </m:oMath>
-                  </m:oMathPara>
-                </a14:m>
-                <a:endParaRPr lang="zh-CN" altLang="en-US" sz="1600" dirty="0">
-                  <a:latin typeface="Times New Roman" panose="02020603050405020304" pitchFamily="18" charset="0"/>
-                  <a:cs typeface="Times New Roman" panose="02020603050405020304" pitchFamily="18" charset="0"/>
-                </a:endParaRPr>
-              </a:p>
-            </p:txBody>
-          </p:sp>
-        </mc:Choice>
-        <mc:Fallback xmlns="">
-          <p:sp>
-            <p:nvSpPr>
-              <p:cNvPr id="135" name="TextBox 134">
-                <a:extLst>
-                  <a:ext uri="{FF2B5EF4-FFF2-40B4-BE49-F238E27FC236}">
-                    <a16:creationId xmlns:a16="http://schemas.microsoft.com/office/drawing/2014/main" id="{0EF9B45C-6A25-4FE5-AE17-CFA8B9D41058}"/>
-                  </a:ext>
-                </a:extLst>
-              </p:cNvPr>
-              <p:cNvSpPr txBox="1">
-                <a:spLocks noRot="1" noChangeAspect="1" noMove="1" noResize="1" noEditPoints="1" noAdjustHandles="1" noChangeArrowheads="1" noChangeShapeType="1" noTextEdit="1"/>
-              </p:cNvSpPr>
-              <p:nvPr/>
-            </p:nvSpPr>
-            <p:spPr>
-              <a:xfrm>
-                <a:off x="9431628" y="6148926"/>
-                <a:ext cx="1971675" cy="338554"/>
-              </a:xfrm>
-              <a:prstGeom prst="rect">
-                <a:avLst/>
-              </a:prstGeom>
-              <a:blipFill>
-                <a:blip r:embed="rId11"/>
-                <a:stretch>
-                  <a:fillRect/>
-                </a:stretch>
-              </a:blipFill>
-            </p:spPr>
-            <p:txBody>
-              <a:bodyPr/>
-              <a:lstStyle/>
-              <a:p>
-                <a:r>
-                  <a:rPr lang="zh-CN" altLang="en-US">
-                    <a:noFill/>
-                  </a:rPr>
-                  <a:t> </a:t>
-                </a:r>
-              </a:p>
-            </p:txBody>
-          </p:sp>
-        </mc:Fallback>
-      </mc:AlternateContent>
-      <mc:AlternateContent xmlns:mc="http://schemas.openxmlformats.org/markup-compatibility/2006" xmlns:a14="http://schemas.microsoft.com/office/drawing/2010/main">
-        <mc:Choice Requires="a14">
-          <p:sp>
-            <p:nvSpPr>
-              <p:cNvPr id="136" name="TextBox 135">
-                <a:extLst>
-                  <a:ext uri="{FF2B5EF4-FFF2-40B4-BE49-F238E27FC236}">
-                    <a16:creationId xmlns:a16="http://schemas.microsoft.com/office/drawing/2014/main" id="{A762D262-0DC1-4109-9D30-C92AD29C5DB4}"/>
-                  </a:ext>
-                </a:extLst>
-              </p:cNvPr>
-              <p:cNvSpPr txBox="1"/>
-              <p:nvPr/>
-            </p:nvSpPr>
-            <p:spPr>
-              <a:xfrm>
-                <a:off x="4594035" y="6075971"/>
-                <a:ext cx="1971675" cy="338554"/>
-              </a:xfrm>
-              <a:prstGeom prst="rect">
-                <a:avLst/>
-              </a:prstGeom>
-              <a:noFill/>
-            </p:spPr>
-            <p:txBody>
-              <a:bodyPr wrap="square" rtlCol="0">
-                <a:spAutoFit/>
-              </a:bodyPr>
-              <a:lstStyle/>
-              <a:p>
-                <a:pPr/>
-                <a14:m>
-                  <m:oMathPara xmlns:m="http://schemas.openxmlformats.org/officeDocument/2006/math">
-                    <m:oMathParaPr>
-                      <m:jc m:val="centerGroup"/>
-                    </m:oMathParaPr>
-                    <m:oMath xmlns:m="http://schemas.openxmlformats.org/officeDocument/2006/math">
-                      <m:sSub>
-                        <m:sSubPr>
-                          <m:ctrlPr>
-                            <a:rPr lang="en-US" altLang="zh-CN" sz="1600" b="0" i="1" smtClean="0">
-                              <a:latin typeface="Cambria Math" panose="02040503050406030204" pitchFamily="18" charset="0"/>
-                              <a:cs typeface="Times New Roman" panose="02020603050405020304" pitchFamily="18" charset="0"/>
-                            </a:rPr>
-                          </m:ctrlPr>
-                        </m:sSubPr>
-                        <m:e>
-                          <m:r>
-                            <a:rPr lang="en-US" altLang="zh-CN" sz="1600" b="0" i="1" smtClean="0">
-                              <a:latin typeface="Cambria Math" panose="02040503050406030204" pitchFamily="18" charset="0"/>
-                              <a:cs typeface="Times New Roman" panose="02020603050405020304" pitchFamily="18" charset="0"/>
-                            </a:rPr>
-                            <m:t>𝑡</m:t>
-                          </m:r>
-                        </m:e>
-                        <m:sub>
-                          <m:r>
-                            <a:rPr lang="en-US" altLang="zh-CN" sz="1600" b="0" i="1" smtClean="0">
-                              <a:latin typeface="Cambria Math" panose="02040503050406030204" pitchFamily="18" charset="0"/>
-                              <a:cs typeface="Times New Roman" panose="02020603050405020304" pitchFamily="18" charset="0"/>
-                            </a:rPr>
-                            <m:t>𝑇</m:t>
-                          </m:r>
-                          <m:r>
-                            <a:rPr lang="en-US" altLang="zh-CN" sz="1600" b="0" i="1" smtClean="0">
-                              <a:latin typeface="Cambria Math" panose="02040503050406030204" pitchFamily="18" charset="0"/>
-                              <a:cs typeface="Times New Roman" panose="02020603050405020304" pitchFamily="18" charset="0"/>
-                            </a:rPr>
-                            <m:t>−1</m:t>
-                          </m:r>
-                        </m:sub>
-                      </m:sSub>
-                    </m:oMath>
-                  </m:oMathPara>
-                </a14:m>
-                <a:endParaRPr lang="zh-CN" altLang="en-US" sz="1600" dirty="0">
-                  <a:latin typeface="Times New Roman" panose="02020603050405020304" pitchFamily="18" charset="0"/>
-                  <a:cs typeface="Times New Roman" panose="02020603050405020304" pitchFamily="18" charset="0"/>
-                </a:endParaRPr>
-              </a:p>
-            </p:txBody>
-          </p:sp>
-        </mc:Choice>
-        <mc:Fallback xmlns="">
-          <p:sp>
-            <p:nvSpPr>
-              <p:cNvPr id="136" name="TextBox 135">
-                <a:extLst>
-                  <a:ext uri="{FF2B5EF4-FFF2-40B4-BE49-F238E27FC236}">
-                    <a16:creationId xmlns:a16="http://schemas.microsoft.com/office/drawing/2014/main" id="{A762D262-0DC1-4109-9D30-C92AD29C5DB4}"/>
-                  </a:ext>
-                </a:extLst>
-              </p:cNvPr>
-              <p:cNvSpPr txBox="1">
-                <a:spLocks noRot="1" noChangeAspect="1" noMove="1" noResize="1" noEditPoints="1" noAdjustHandles="1" noChangeArrowheads="1" noChangeShapeType="1" noTextEdit="1"/>
-              </p:cNvSpPr>
-              <p:nvPr/>
-            </p:nvSpPr>
-            <p:spPr>
-              <a:xfrm>
-                <a:off x="4594035" y="6075971"/>
-                <a:ext cx="1971675" cy="338554"/>
-              </a:xfrm>
-              <a:prstGeom prst="rect">
-                <a:avLst/>
-              </a:prstGeom>
-              <a:blipFill>
-                <a:blip r:embed="rId12"/>
-                <a:stretch>
-                  <a:fillRect/>
-                </a:stretch>
-              </a:blipFill>
-            </p:spPr>
-            <p:txBody>
-              <a:bodyPr/>
-              <a:lstStyle/>
-              <a:p>
-                <a:r>
-                  <a:rPr lang="zh-CN" altLang="en-US">
-                    <a:noFill/>
-                  </a:rPr>
-                  <a:t> </a:t>
-                </a:r>
-              </a:p>
-            </p:txBody>
-          </p:sp>
-        </mc:Fallback>
-      </mc:AlternateContent>
-      <p:cxnSp>
-        <p:nvCxnSpPr>
-          <p:cNvPr id="133" name="Connector: Elbow 132">
-            <a:extLst>
-              <a:ext uri="{FF2B5EF4-FFF2-40B4-BE49-F238E27FC236}">
-                <a16:creationId xmlns:a16="http://schemas.microsoft.com/office/drawing/2014/main" id="{C7C644C0-6DEB-44C2-9A4F-FC51ECE004AF}"/>
-              </a:ext>
-            </a:extLst>
-          </p:cNvPr>
-          <p:cNvCxnSpPr>
-            <a:cxnSpLocks/>
-            <a:stCxn id="4" idx="3"/>
-            <a:endCxn id="59" idx="0"/>
-          </p:cNvCxnSpPr>
-          <p:nvPr/>
-        </p:nvCxnSpPr>
-        <p:spPr>
-          <a:xfrm>
-            <a:off x="7166783" y="657743"/>
-            <a:ext cx="3273741" cy="3279633"/>
-          </a:xfrm>
-          <a:prstGeom prst="bentConnector2">
-            <a:avLst/>
-          </a:prstGeom>
-          <a:ln w="25400">
-            <a:tailEnd type="triangle"/>
-          </a:ln>
-        </p:spPr>
-        <p:style>
-          <a:lnRef idx="1">
-            <a:schemeClr val="accent1"/>
-          </a:lnRef>
-          <a:fillRef idx="0">
-            <a:schemeClr val="accent1"/>
-          </a:fillRef>
-          <a:effectRef idx="0">
-            <a:schemeClr val="accent1"/>
-          </a:effectRef>
-          <a:fontRef idx="minor">
-            <a:schemeClr val="tx1"/>
-          </a:fontRef>
-        </p:style>
-      </p:cxnSp>
-      <mc:AlternateContent xmlns:mc="http://schemas.openxmlformats.org/markup-compatibility/2006" xmlns:a14="http://schemas.microsoft.com/office/drawing/2010/main">
-        <mc:Choice Requires="a14">
-          <p:sp>
-            <p:nvSpPr>
-              <p:cNvPr id="150" name="TextBox 149">
-                <a:extLst>
-                  <a:ext uri="{FF2B5EF4-FFF2-40B4-BE49-F238E27FC236}">
-                    <a16:creationId xmlns:a16="http://schemas.microsoft.com/office/drawing/2014/main" id="{D7BC8EF9-0D79-4A86-B5DE-4231F1927825}"/>
-                  </a:ext>
-                </a:extLst>
-              </p:cNvPr>
-              <p:cNvSpPr txBox="1"/>
-              <p:nvPr/>
-            </p:nvSpPr>
-            <p:spPr>
-              <a:xfrm>
-                <a:off x="6833343" y="2947208"/>
-                <a:ext cx="1971675" cy="338554"/>
-              </a:xfrm>
-              <a:prstGeom prst="rect">
-                <a:avLst/>
-              </a:prstGeom>
-              <a:noFill/>
-            </p:spPr>
-            <p:txBody>
-              <a:bodyPr wrap="square" rtlCol="0">
-                <a:spAutoFit/>
-              </a:bodyPr>
-              <a:lstStyle/>
-              <a:p>
-                <a:pPr algn="ctr"/>
-                <a14:m>
-                  <m:oMath xmlns:m="http://schemas.openxmlformats.org/officeDocument/2006/math">
-                    <m:sSub>
-                      <m:sSubPr>
-                        <m:ctrlPr>
-                          <a:rPr lang="en-US" altLang="zh-CN" sz="1600" b="1" i="1" smtClean="0">
-                            <a:latin typeface="Cambria Math" panose="02040503050406030204" pitchFamily="18" charset="0"/>
-                            <a:cs typeface="Times New Roman" panose="02020603050405020304" pitchFamily="18" charset="0"/>
-                          </a:rPr>
-                        </m:ctrlPr>
-                      </m:sSubPr>
-                      <m:e>
-                        <m:r>
-                          <a:rPr lang="en-US" altLang="zh-CN" sz="1600" b="1" i="1" smtClean="0">
-                            <a:latin typeface="Cambria Math" panose="02040503050406030204" pitchFamily="18" charset="0"/>
-                            <a:cs typeface="Times New Roman" panose="02020603050405020304" pitchFamily="18" charset="0"/>
-                          </a:rPr>
-                          <m:t>𝒎</m:t>
-                        </m:r>
-                      </m:e>
-                      <m:sub>
-                        <m:r>
-                          <a:rPr lang="en-US" altLang="zh-CN" sz="1600" b="1" i="1" smtClean="0">
-                            <a:latin typeface="Cambria Math" panose="02040503050406030204" pitchFamily="18" charset="0"/>
-                            <a:cs typeface="Times New Roman" panose="02020603050405020304" pitchFamily="18" charset="0"/>
-                          </a:rPr>
-                          <m:t>𝒕𝒉</m:t>
-                        </m:r>
-                      </m:sub>
-                    </m:sSub>
-                  </m:oMath>
-                </a14:m>
-                <a:r>
-                  <a:rPr lang="zh-CN" altLang="en-US" sz="1600" b="1" dirty="0">
-                    <a:latin typeface="Times New Roman" panose="02020603050405020304" pitchFamily="18" charset="0"/>
-                    <a:cs typeface="Times New Roman" panose="02020603050405020304" pitchFamily="18" charset="0"/>
-                  </a:rPr>
-                  <a:t> </a:t>
-                </a:r>
-                <a:r>
-                  <a:rPr lang="en-US" altLang="zh-CN" sz="1600" b="1" dirty="0">
-                    <a:latin typeface="Times New Roman" panose="02020603050405020304" pitchFamily="18" charset="0"/>
-                    <a:cs typeface="Times New Roman" panose="02020603050405020304" pitchFamily="18" charset="0"/>
-                  </a:rPr>
-                  <a:t>sample</a:t>
-                </a:r>
-                <a:endParaRPr lang="zh-CN" altLang="en-US" sz="1600" b="1" dirty="0">
-                  <a:latin typeface="Times New Roman" panose="02020603050405020304" pitchFamily="18" charset="0"/>
-                  <a:cs typeface="Times New Roman" panose="02020603050405020304" pitchFamily="18" charset="0"/>
-                </a:endParaRPr>
-              </a:p>
-            </p:txBody>
-          </p:sp>
-        </mc:Choice>
-        <mc:Fallback xmlns="">
-          <p:sp>
-            <p:nvSpPr>
-              <p:cNvPr id="150" name="TextBox 149">
-                <a:extLst>
-                  <a:ext uri="{FF2B5EF4-FFF2-40B4-BE49-F238E27FC236}">
-                    <a16:creationId xmlns:a16="http://schemas.microsoft.com/office/drawing/2014/main" id="{D7BC8EF9-0D79-4A86-B5DE-4231F1927825}"/>
-                  </a:ext>
-                </a:extLst>
-              </p:cNvPr>
-              <p:cNvSpPr txBox="1">
-                <a:spLocks noRot="1" noChangeAspect="1" noMove="1" noResize="1" noEditPoints="1" noAdjustHandles="1" noChangeArrowheads="1" noChangeShapeType="1" noTextEdit="1"/>
-              </p:cNvSpPr>
-              <p:nvPr/>
-            </p:nvSpPr>
-            <p:spPr>
-              <a:xfrm>
-                <a:off x="6833343" y="2947208"/>
-                <a:ext cx="1971675" cy="338554"/>
-              </a:xfrm>
-              <a:prstGeom prst="rect">
-                <a:avLst/>
-              </a:prstGeom>
-              <a:blipFill>
-                <a:blip r:embed="rId13"/>
-                <a:stretch>
-                  <a:fillRect t="-5357" b="-21429"/>
-                </a:stretch>
-              </a:blipFill>
-            </p:spPr>
-            <p:txBody>
-              <a:bodyPr/>
-              <a:lstStyle/>
-              <a:p>
-                <a:r>
-                  <a:rPr lang="zh-CN" altLang="en-US">
-                    <a:noFill/>
-                  </a:rPr>
-                  <a:t> </a:t>
-                </a:r>
-              </a:p>
-            </p:txBody>
-          </p:sp>
-        </mc:Fallback>
-      </mc:AlternateContent>
-      <p:cxnSp>
-        <p:nvCxnSpPr>
-          <p:cNvPr id="153" name="Straight Arrow Connector 152">
-            <a:extLst>
-              <a:ext uri="{FF2B5EF4-FFF2-40B4-BE49-F238E27FC236}">
-                <a16:creationId xmlns:a16="http://schemas.microsoft.com/office/drawing/2014/main" id="{3BEDFEE4-4E4E-49F6-8BF0-BB3ECEDD2495}"/>
-              </a:ext>
-            </a:extLst>
-          </p:cNvPr>
-          <p:cNvCxnSpPr>
-            <a:endCxn id="8" idx="3"/>
-          </p:cNvCxnSpPr>
-          <p:nvPr/>
-        </p:nvCxnSpPr>
-        <p:spPr>
-          <a:xfrm flipH="1">
-            <a:off x="2599424" y="5246633"/>
-            <a:ext cx="1605258" cy="0"/>
-          </a:xfrm>
-          <a:prstGeom prst="straightConnector1">
-            <a:avLst/>
-          </a:prstGeom>
-          <a:ln w="25400">
-            <a:tailEnd type="triangle"/>
-          </a:ln>
-        </p:spPr>
-        <p:style>
-          <a:lnRef idx="1">
-            <a:schemeClr val="accent1"/>
-          </a:lnRef>
-          <a:fillRef idx="0">
-            <a:schemeClr val="accent1"/>
-          </a:fillRef>
-          <a:effectRef idx="0">
-            <a:schemeClr val="accent1"/>
-          </a:effectRef>
-          <a:fontRef idx="minor">
-            <a:schemeClr val="tx1"/>
-          </a:fontRef>
-        </p:style>
-      </p:cxnSp>
-      <mc:AlternateContent xmlns:mc="http://schemas.openxmlformats.org/markup-compatibility/2006" xmlns:a14="http://schemas.microsoft.com/office/drawing/2010/main">
-        <mc:Choice Requires="a14">
-          <p:sp>
-            <p:nvSpPr>
-              <p:cNvPr id="158" name="TextBox 157">
-                <a:extLst>
-                  <a:ext uri="{FF2B5EF4-FFF2-40B4-BE49-F238E27FC236}">
-                    <a16:creationId xmlns:a16="http://schemas.microsoft.com/office/drawing/2014/main" id="{718A7C03-9BD2-4E6A-9E0A-C7557E409DDF}"/>
-                  </a:ext>
-                </a:extLst>
-              </p:cNvPr>
-              <p:cNvSpPr txBox="1"/>
-              <p:nvPr/>
-            </p:nvSpPr>
-            <p:spPr>
-              <a:xfrm>
-                <a:off x="8701294" y="3948017"/>
-                <a:ext cx="368114" cy="284117"/>
-              </a:xfrm>
-              <a:prstGeom prst="rect">
-                <a:avLst/>
-              </a:prstGeom>
-              <a:noFill/>
-            </p:spPr>
-            <p:txBody>
-              <a:bodyPr wrap="none" lIns="0" tIns="0" rIns="0" bIns="0" rtlCol="0">
-                <a:spAutoFit/>
-              </a:bodyPr>
-              <a:lstStyle/>
-              <a:p>
-                <a:pPr/>
-                <a14:m>
-                  <m:oMathPara xmlns:m="http://schemas.openxmlformats.org/officeDocument/2006/math">
-                    <m:oMathParaPr>
-                      <m:jc m:val="centerGroup"/>
-                    </m:oMathParaPr>
-                    <m:oMath xmlns:m="http://schemas.openxmlformats.org/officeDocument/2006/math">
-                      <m:sSubSup>
-                        <m:sSubSupPr>
-                          <m:ctrlPr>
-                            <a:rPr lang="en-US" altLang="zh-CN" i="1" smtClean="0">
-                              <a:latin typeface="Cambria Math" panose="02040503050406030204" pitchFamily="18" charset="0"/>
-                            </a:rPr>
-                          </m:ctrlPr>
-                        </m:sSubSupPr>
-                        <m:e>
-                          <m:r>
-                            <a:rPr lang="en-US" altLang="zh-CN" b="0" i="1" smtClean="0">
-                              <a:latin typeface="Cambria Math" panose="02040503050406030204" pitchFamily="18" charset="0"/>
-                            </a:rPr>
-                            <m:t>𝑥</m:t>
-                          </m:r>
-                        </m:e>
-                        <m:sub>
-                          <m:r>
-                            <a:rPr lang="en-US" altLang="zh-CN" b="0" i="1" smtClean="0">
-                              <a:latin typeface="Cambria Math" panose="02040503050406030204" pitchFamily="18" charset="0"/>
-                            </a:rPr>
-                            <m:t>0</m:t>
-                          </m:r>
-                        </m:sub>
-                        <m:sup>
-                          <m:r>
-                            <a:rPr lang="en-US" altLang="zh-CN" i="1">
-                              <a:latin typeface="Cambria Math" panose="02040503050406030204" pitchFamily="18" charset="0"/>
-                            </a:rPr>
-                            <m:t>𝑚</m:t>
-                          </m:r>
-                        </m:sup>
-                      </m:sSubSup>
-                    </m:oMath>
-                  </m:oMathPara>
-                </a14:m>
-                <a:endParaRPr lang="zh-CN" altLang="en-US" dirty="0"/>
-              </a:p>
-            </p:txBody>
-          </p:sp>
-        </mc:Choice>
-        <mc:Fallback xmlns="">
-          <p:sp>
-            <p:nvSpPr>
-              <p:cNvPr id="158" name="TextBox 157">
-                <a:extLst>
-                  <a:ext uri="{FF2B5EF4-FFF2-40B4-BE49-F238E27FC236}">
-                    <a16:creationId xmlns:a16="http://schemas.microsoft.com/office/drawing/2014/main" id="{718A7C03-9BD2-4E6A-9E0A-C7557E409DDF}"/>
-                  </a:ext>
-                </a:extLst>
-              </p:cNvPr>
-              <p:cNvSpPr txBox="1">
-                <a:spLocks noRot="1" noChangeAspect="1" noMove="1" noResize="1" noEditPoints="1" noAdjustHandles="1" noChangeArrowheads="1" noChangeShapeType="1" noTextEdit="1"/>
-              </p:cNvSpPr>
-              <p:nvPr/>
-            </p:nvSpPr>
-            <p:spPr>
-              <a:xfrm>
-                <a:off x="8701294" y="3948017"/>
-                <a:ext cx="368114" cy="284117"/>
-              </a:xfrm>
-              <a:prstGeom prst="rect">
-                <a:avLst/>
-              </a:prstGeom>
-              <a:blipFill>
-                <a:blip r:embed="rId14"/>
-                <a:stretch>
-                  <a:fillRect l="-8197" b="-15217"/>
-                </a:stretch>
-              </a:blipFill>
-            </p:spPr>
-            <p:txBody>
-              <a:bodyPr/>
-              <a:lstStyle/>
-              <a:p>
-                <a:r>
-                  <a:rPr lang="zh-CN" altLang="en-US">
-                    <a:noFill/>
-                  </a:rPr>
-                  <a:t> </a:t>
-                </a:r>
-              </a:p>
-            </p:txBody>
-          </p:sp>
-        </mc:Fallback>
-      </mc:AlternateContent>
-      <mc:AlternateContent xmlns:mc="http://schemas.openxmlformats.org/markup-compatibility/2006" xmlns:a14="http://schemas.microsoft.com/office/drawing/2010/main">
-        <mc:Choice Requires="a14">
-          <p:sp>
-            <p:nvSpPr>
-              <p:cNvPr id="159" name="TextBox 158">
-                <a:extLst>
-                  <a:ext uri="{FF2B5EF4-FFF2-40B4-BE49-F238E27FC236}">
-                    <a16:creationId xmlns:a16="http://schemas.microsoft.com/office/drawing/2014/main" id="{6C1915AA-4251-478A-8D87-A6585BF52BA4}"/>
-                  </a:ext>
-                </a:extLst>
-              </p:cNvPr>
-              <p:cNvSpPr txBox="1"/>
-              <p:nvPr/>
-            </p:nvSpPr>
-            <p:spPr>
-              <a:xfrm>
-                <a:off x="6042856" y="2968908"/>
-                <a:ext cx="530338" cy="276999"/>
-              </a:xfrm>
-              <a:prstGeom prst="rect">
-                <a:avLst/>
-              </a:prstGeom>
-              <a:noFill/>
-            </p:spPr>
-            <p:txBody>
-              <a:bodyPr wrap="none" lIns="0" tIns="0" rIns="0" bIns="0" rtlCol="0">
-                <a:spAutoFit/>
-              </a:bodyPr>
-              <a:lstStyle/>
-              <a:p>
-                <a:pPr/>
-                <a14:m>
-                  <m:oMathPara xmlns:m="http://schemas.openxmlformats.org/officeDocument/2006/math">
-                    <m:oMathParaPr>
-                      <m:jc m:val="centerGroup"/>
-                    </m:oMathParaPr>
-                    <m:oMath xmlns:m="http://schemas.openxmlformats.org/officeDocument/2006/math">
-                      <m:sSubSup>
-                        <m:sSubSupPr>
-                          <m:ctrlPr>
-                            <a:rPr lang="en-US" altLang="zh-CN" i="1" smtClean="0">
-                              <a:latin typeface="Cambria Math" panose="02040503050406030204" pitchFamily="18" charset="0"/>
-                            </a:rPr>
-                          </m:ctrlPr>
-                        </m:sSubSupPr>
-                        <m:e>
-                          <m:r>
-                            <a:rPr lang="en-US" altLang="zh-CN" b="0" i="1" smtClean="0">
-                              <a:latin typeface="Cambria Math" panose="02040503050406030204" pitchFamily="18" charset="0"/>
-                            </a:rPr>
-                            <m:t>𝑥</m:t>
-                          </m:r>
-                        </m:e>
-                        <m:sub>
-                          <m:r>
-                            <a:rPr lang="en-US" altLang="zh-CN" b="0" i="1" smtClean="0">
-                              <a:latin typeface="Cambria Math" panose="02040503050406030204" pitchFamily="18" charset="0"/>
-                            </a:rPr>
-                            <m:t>𝑇</m:t>
-                          </m:r>
-                          <m:r>
-                            <a:rPr lang="en-US" altLang="zh-CN" b="0" i="1" smtClean="0">
-                              <a:latin typeface="Cambria Math" panose="02040503050406030204" pitchFamily="18" charset="0"/>
-                            </a:rPr>
-                            <m:t>−1</m:t>
-                          </m:r>
-                        </m:sub>
-                        <m:sup>
-                          <m:r>
-                            <a:rPr lang="en-US" altLang="zh-CN" i="1">
-                              <a:latin typeface="Cambria Math" panose="02040503050406030204" pitchFamily="18" charset="0"/>
-                            </a:rPr>
-                            <m:t>𝑚</m:t>
-                          </m:r>
-                        </m:sup>
-                      </m:sSubSup>
-                    </m:oMath>
-                  </m:oMathPara>
-                </a14:m>
-                <a:endParaRPr lang="zh-CN" altLang="en-US" dirty="0"/>
-              </a:p>
-            </p:txBody>
-          </p:sp>
-        </mc:Choice>
-        <mc:Fallback xmlns="">
-          <p:sp>
-            <p:nvSpPr>
-              <p:cNvPr id="159" name="TextBox 158">
-                <a:extLst>
-                  <a:ext uri="{FF2B5EF4-FFF2-40B4-BE49-F238E27FC236}">
-                    <a16:creationId xmlns:a16="http://schemas.microsoft.com/office/drawing/2014/main" id="{6C1915AA-4251-478A-8D87-A6585BF52BA4}"/>
-                  </a:ext>
-                </a:extLst>
-              </p:cNvPr>
-              <p:cNvSpPr txBox="1">
-                <a:spLocks noRot="1" noChangeAspect="1" noMove="1" noResize="1" noEditPoints="1" noAdjustHandles="1" noChangeArrowheads="1" noChangeShapeType="1" noTextEdit="1"/>
-              </p:cNvSpPr>
-              <p:nvPr/>
-            </p:nvSpPr>
-            <p:spPr>
-              <a:xfrm>
-                <a:off x="6042856" y="2968908"/>
-                <a:ext cx="530338" cy="276999"/>
-              </a:xfrm>
-              <a:prstGeom prst="rect">
-                <a:avLst/>
-              </a:prstGeom>
-              <a:blipFill>
-                <a:blip r:embed="rId15"/>
-                <a:stretch>
-                  <a:fillRect l="-5747" r="-3448" b="-20000"/>
-                </a:stretch>
-              </a:blipFill>
-            </p:spPr>
-            <p:txBody>
-              <a:bodyPr/>
-              <a:lstStyle/>
-              <a:p>
-                <a:r>
-                  <a:rPr lang="zh-CN" altLang="en-US">
-                    <a:noFill/>
-                  </a:rPr>
-                  <a:t> </a:t>
-                </a:r>
-              </a:p>
-            </p:txBody>
-          </p:sp>
-        </mc:Fallback>
-      </mc:AlternateContent>
-      <mc:AlternateContent xmlns:mc="http://schemas.openxmlformats.org/markup-compatibility/2006" xmlns:a14="http://schemas.microsoft.com/office/drawing/2010/main">
-        <mc:Choice Requires="a14">
-          <p:sp>
-            <p:nvSpPr>
-              <p:cNvPr id="160" name="TextBox 159">
-                <a:extLst>
-                  <a:ext uri="{FF2B5EF4-FFF2-40B4-BE49-F238E27FC236}">
-                    <a16:creationId xmlns:a16="http://schemas.microsoft.com/office/drawing/2014/main" id="{8A41ED28-96BE-4EC2-881F-87D76084668E}"/>
-                  </a:ext>
-                </a:extLst>
-              </p:cNvPr>
-              <p:cNvSpPr txBox="1"/>
-              <p:nvPr/>
-            </p:nvSpPr>
-            <p:spPr>
-              <a:xfrm>
-                <a:off x="10478926" y="3033738"/>
-                <a:ext cx="368114" cy="284117"/>
-              </a:xfrm>
-              <a:prstGeom prst="rect">
-                <a:avLst/>
-              </a:prstGeom>
-              <a:noFill/>
-            </p:spPr>
-            <p:txBody>
-              <a:bodyPr wrap="none" lIns="0" tIns="0" rIns="0" bIns="0" rtlCol="0">
-                <a:spAutoFit/>
-              </a:bodyPr>
-              <a:lstStyle/>
-              <a:p>
-                <a:pPr/>
-                <a14:m>
-                  <m:oMathPara xmlns:m="http://schemas.openxmlformats.org/officeDocument/2006/math">
-                    <m:oMathParaPr>
-                      <m:jc m:val="centerGroup"/>
-                    </m:oMathParaPr>
-                    <m:oMath xmlns:m="http://schemas.openxmlformats.org/officeDocument/2006/math">
-                      <m:sSubSup>
-                        <m:sSubSupPr>
-                          <m:ctrlPr>
-                            <a:rPr lang="en-US" altLang="zh-CN" i="1" smtClean="0">
-                              <a:latin typeface="Cambria Math" panose="02040503050406030204" pitchFamily="18" charset="0"/>
-                            </a:rPr>
-                          </m:ctrlPr>
-                        </m:sSubSupPr>
-                        <m:e>
-                          <m:r>
-                            <a:rPr lang="en-US" altLang="zh-CN" b="0" i="1" smtClean="0">
-                              <a:latin typeface="Cambria Math" panose="02040503050406030204" pitchFamily="18" charset="0"/>
-                            </a:rPr>
-                            <m:t>𝑥</m:t>
-                          </m:r>
-                        </m:e>
-                        <m:sub>
-                          <m:r>
-                            <a:rPr lang="en-US" altLang="zh-CN" b="0" i="1" smtClean="0">
-                              <a:latin typeface="Cambria Math" panose="02040503050406030204" pitchFamily="18" charset="0"/>
-                            </a:rPr>
-                            <m:t>0</m:t>
-                          </m:r>
-                        </m:sub>
-                        <m:sup>
-                          <m:r>
-                            <a:rPr lang="en-US" altLang="zh-CN" i="1">
-                              <a:latin typeface="Cambria Math" panose="02040503050406030204" pitchFamily="18" charset="0"/>
-                            </a:rPr>
-                            <m:t>𝑚</m:t>
-                          </m:r>
-                        </m:sup>
-                      </m:sSubSup>
-                    </m:oMath>
-                  </m:oMathPara>
-                </a14:m>
-                <a:endParaRPr lang="zh-CN" altLang="en-US" dirty="0"/>
-              </a:p>
-            </p:txBody>
-          </p:sp>
-        </mc:Choice>
-        <mc:Fallback xmlns="">
-          <p:sp>
-            <p:nvSpPr>
-              <p:cNvPr id="160" name="TextBox 159">
-                <a:extLst>
-                  <a:ext uri="{FF2B5EF4-FFF2-40B4-BE49-F238E27FC236}">
-                    <a16:creationId xmlns:a16="http://schemas.microsoft.com/office/drawing/2014/main" id="{8A41ED28-96BE-4EC2-881F-87D76084668E}"/>
-                  </a:ext>
-                </a:extLst>
-              </p:cNvPr>
-              <p:cNvSpPr txBox="1">
-                <a:spLocks noRot="1" noChangeAspect="1" noMove="1" noResize="1" noEditPoints="1" noAdjustHandles="1" noChangeArrowheads="1" noChangeShapeType="1" noTextEdit="1"/>
-              </p:cNvSpPr>
-              <p:nvPr/>
-            </p:nvSpPr>
-            <p:spPr>
-              <a:xfrm>
-                <a:off x="10478926" y="3033738"/>
-                <a:ext cx="368114" cy="284117"/>
-              </a:xfrm>
-              <a:prstGeom prst="rect">
-                <a:avLst/>
-              </a:prstGeom>
-              <a:blipFill>
-                <a:blip r:embed="rId16"/>
-                <a:stretch>
-                  <a:fillRect l="-8333" b="-15217"/>
-                </a:stretch>
-              </a:blipFill>
-            </p:spPr>
-            <p:txBody>
-              <a:bodyPr/>
-              <a:lstStyle/>
-              <a:p>
-                <a:r>
-                  <a:rPr lang="zh-CN" altLang="en-US">
-                    <a:noFill/>
-                  </a:rPr>
-                  <a:t> </a:t>
-                </a:r>
-              </a:p>
-            </p:txBody>
-          </p:sp>
-        </mc:Fallback>
-      </mc:AlternateContent>
-      <p:sp>
-        <p:nvSpPr>
-          <p:cNvPr id="177" name="Rectangle: Rounded Corners 176">
-            <a:extLst>
-              <a:ext uri="{FF2B5EF4-FFF2-40B4-BE49-F238E27FC236}">
-                <a16:creationId xmlns:a16="http://schemas.microsoft.com/office/drawing/2014/main" id="{534F7F22-675E-4546-B85D-F32E0107DAB3}"/>
-              </a:ext>
-            </a:extLst>
-          </p:cNvPr>
-          <p:cNvSpPr/>
-          <p:nvPr/>
-        </p:nvSpPr>
-        <p:spPr>
-          <a:xfrm>
-            <a:off x="8245732" y="4355259"/>
-            <a:ext cx="737168" cy="820619"/>
-          </a:xfrm>
-          <a:prstGeom prst="roundRect">
-            <a:avLst/>
-          </a:prstGeom>
-          <a:ln/>
-        </p:spPr>
-        <p:style>
-          <a:lnRef idx="2">
-            <a:schemeClr val="accent3">
-              <a:shade val="50000"/>
-            </a:schemeClr>
-          </a:lnRef>
-          <a:fillRef idx="1">
-            <a:schemeClr val="accent3"/>
-          </a:fillRef>
-          <a:effectRef idx="0">
-            <a:schemeClr val="accent3"/>
-          </a:effectRef>
-          <a:fontRef idx="minor">
-            <a:schemeClr val="lt1"/>
-          </a:fontRef>
-        </p:style>
-        <p:txBody>
-          <a:bodyPr rtlCol="0" anchor="ctr"/>
-          <a:lstStyle/>
-          <a:p>
-            <a:pPr algn="ctr"/>
-            <a:endParaRPr lang="en-US" altLang="zh-CN" sz="1800" b="1" dirty="0"/>
-          </a:p>
-          <a:p>
-            <a:pPr algn="ctr"/>
-            <a:endParaRPr lang="en-US" altLang="zh-CN" b="1" dirty="0"/>
-          </a:p>
-          <a:p>
-            <a:pPr algn="ctr"/>
-            <a:endParaRPr lang="en-US" altLang="zh-CN" sz="1800" b="1" dirty="0"/>
-          </a:p>
-          <a:p>
-            <a:pPr algn="ctr"/>
-            <a:endParaRPr lang="en-US" altLang="zh-CN" b="1" dirty="0"/>
-          </a:p>
-          <a:p>
-            <a:pPr algn="ctr"/>
-            <a:endParaRPr lang="en-US" altLang="zh-CN" sz="1800" b="1" dirty="0"/>
-          </a:p>
-          <a:p>
-            <a:pPr algn="ctr"/>
-            <a:endParaRPr lang="en-US" altLang="zh-CN" b="1" dirty="0"/>
-          </a:p>
-        </p:txBody>
-      </p:sp>
-      <p:sp>
-        <p:nvSpPr>
-          <p:cNvPr id="185" name="Rectangle: Rounded Corners 184">
-            <a:extLst>
-              <a:ext uri="{FF2B5EF4-FFF2-40B4-BE49-F238E27FC236}">
-                <a16:creationId xmlns:a16="http://schemas.microsoft.com/office/drawing/2014/main" id="{2BB69DB7-B65A-4043-887F-E6978FFA3E96}"/>
-              </a:ext>
-            </a:extLst>
-          </p:cNvPr>
-          <p:cNvSpPr/>
-          <p:nvPr/>
-        </p:nvSpPr>
-        <p:spPr>
-          <a:xfrm>
-            <a:off x="8480254" y="4559374"/>
-            <a:ext cx="288072" cy="136728"/>
-          </a:xfrm>
-          <a:prstGeom prst="roundRect">
-            <a:avLst/>
-          </a:prstGeom>
-        </p:spPr>
-        <p:style>
-          <a:lnRef idx="2">
-            <a:schemeClr val="dk1"/>
-          </a:lnRef>
-          <a:fillRef idx="1">
-            <a:schemeClr val="lt1"/>
-          </a:fillRef>
-          <a:effectRef idx="0">
-            <a:schemeClr val="dk1"/>
-          </a:effectRef>
-          <a:fontRef idx="minor">
-            <a:schemeClr val="dk1"/>
-          </a:fontRef>
-        </p:style>
-        <p:txBody>
-          <a:bodyPr rtlCol="0" anchor="ctr"/>
-          <a:lstStyle/>
-          <a:p>
-            <a:pPr algn="ctr"/>
-            <a:endParaRPr lang="en-US" altLang="zh-CN" b="1" dirty="0"/>
-          </a:p>
-        </p:txBody>
-      </p:sp>
-      <p:sp>
-        <p:nvSpPr>
-          <p:cNvPr id="187" name="Rectangle: Rounded Corners 186">
-            <a:extLst>
-              <a:ext uri="{FF2B5EF4-FFF2-40B4-BE49-F238E27FC236}">
-                <a16:creationId xmlns:a16="http://schemas.microsoft.com/office/drawing/2014/main" id="{CCFCE323-7D42-461A-88FF-6929CA3075F1}"/>
-              </a:ext>
-            </a:extLst>
-          </p:cNvPr>
-          <p:cNvSpPr/>
-          <p:nvPr/>
-        </p:nvSpPr>
-        <p:spPr>
-          <a:xfrm>
-            <a:off x="8481847" y="4874167"/>
-            <a:ext cx="288072" cy="136728"/>
-          </a:xfrm>
-          <a:prstGeom prst="roundRect">
-            <a:avLst/>
-          </a:prstGeom>
-        </p:spPr>
-        <p:style>
-          <a:lnRef idx="2">
-            <a:schemeClr val="dk1"/>
-          </a:lnRef>
-          <a:fillRef idx="1">
-            <a:schemeClr val="lt1"/>
-          </a:fillRef>
-          <a:effectRef idx="0">
-            <a:schemeClr val="dk1"/>
-          </a:effectRef>
-          <a:fontRef idx="minor">
-            <a:schemeClr val="dk1"/>
-          </a:fontRef>
-        </p:style>
-        <p:txBody>
-          <a:bodyPr rtlCol="0" anchor="ctr"/>
-          <a:lstStyle/>
-          <a:p>
-            <a:pPr algn="ctr"/>
-            <a:endParaRPr lang="en-US" altLang="zh-CN" b="1" dirty="0"/>
-          </a:p>
-        </p:txBody>
-      </p:sp>
-      <p:sp>
-        <p:nvSpPr>
-          <p:cNvPr id="188" name="Rectangle: Rounded Corners 187">
-            <a:extLst>
-              <a:ext uri="{FF2B5EF4-FFF2-40B4-BE49-F238E27FC236}">
-                <a16:creationId xmlns:a16="http://schemas.microsoft.com/office/drawing/2014/main" id="{ACCB11FB-1303-4843-890A-79BC80049F3B}"/>
-              </a:ext>
-            </a:extLst>
-          </p:cNvPr>
-          <p:cNvSpPr/>
-          <p:nvPr/>
-        </p:nvSpPr>
-        <p:spPr>
-          <a:xfrm>
-            <a:off x="7180888" y="4459222"/>
-            <a:ext cx="288072" cy="136728"/>
-          </a:xfrm>
-          <a:prstGeom prst="roundRect">
-            <a:avLst/>
-          </a:prstGeom>
-        </p:spPr>
-        <p:style>
-          <a:lnRef idx="2">
-            <a:schemeClr val="dk1"/>
-          </a:lnRef>
-          <a:fillRef idx="1">
-            <a:schemeClr val="lt1"/>
-          </a:fillRef>
-          <a:effectRef idx="0">
-            <a:schemeClr val="dk1"/>
-          </a:effectRef>
-          <a:fontRef idx="minor">
-            <a:schemeClr val="dk1"/>
-          </a:fontRef>
-        </p:style>
-        <p:txBody>
-          <a:bodyPr rtlCol="0" anchor="ctr"/>
-          <a:lstStyle/>
-          <a:p>
-            <a:pPr algn="ctr"/>
-            <a:endParaRPr lang="en-US" altLang="zh-CN" b="1" dirty="0"/>
-          </a:p>
-        </p:txBody>
-      </p:sp>
-      <p:sp>
-        <p:nvSpPr>
-          <p:cNvPr id="189" name="Rectangle: Rounded Corners 188">
-            <a:extLst>
-              <a:ext uri="{FF2B5EF4-FFF2-40B4-BE49-F238E27FC236}">
-                <a16:creationId xmlns:a16="http://schemas.microsoft.com/office/drawing/2014/main" id="{4FF2A4BC-FE32-46E9-8342-7A22824B92B7}"/>
-              </a:ext>
-            </a:extLst>
-          </p:cNvPr>
-          <p:cNvSpPr/>
-          <p:nvPr/>
-        </p:nvSpPr>
-        <p:spPr>
-          <a:xfrm>
-            <a:off x="7180888" y="4699547"/>
-            <a:ext cx="288072" cy="136728"/>
-          </a:xfrm>
-          <a:prstGeom prst="roundRect">
-            <a:avLst/>
-          </a:prstGeom>
-        </p:spPr>
-        <p:style>
-          <a:lnRef idx="2">
-            <a:schemeClr val="dk1"/>
-          </a:lnRef>
-          <a:fillRef idx="1">
-            <a:schemeClr val="lt1"/>
-          </a:fillRef>
-          <a:effectRef idx="0">
-            <a:schemeClr val="dk1"/>
-          </a:effectRef>
-          <a:fontRef idx="minor">
-            <a:schemeClr val="dk1"/>
-          </a:fontRef>
-        </p:style>
-        <p:txBody>
-          <a:bodyPr rtlCol="0" anchor="ctr"/>
-          <a:lstStyle/>
-          <a:p>
-            <a:pPr algn="ctr"/>
-            <a:endParaRPr lang="en-US" altLang="zh-CN" b="1" dirty="0"/>
-          </a:p>
-        </p:txBody>
-      </p:sp>
-      <p:sp>
-        <p:nvSpPr>
-          <p:cNvPr id="190" name="Rectangle: Rounded Corners 189">
-            <a:extLst>
-              <a:ext uri="{FF2B5EF4-FFF2-40B4-BE49-F238E27FC236}">
-                <a16:creationId xmlns:a16="http://schemas.microsoft.com/office/drawing/2014/main" id="{0712F91E-3C86-485C-8BCD-B9AA34925862}"/>
-              </a:ext>
-            </a:extLst>
-          </p:cNvPr>
-          <p:cNvSpPr/>
-          <p:nvPr/>
-        </p:nvSpPr>
-        <p:spPr>
-          <a:xfrm>
-            <a:off x="7188137" y="4946878"/>
-            <a:ext cx="288072" cy="136728"/>
-          </a:xfrm>
-          <a:prstGeom prst="roundRect">
-            <a:avLst/>
-          </a:prstGeom>
-        </p:spPr>
-        <p:style>
-          <a:lnRef idx="2">
-            <a:schemeClr val="dk1"/>
-          </a:lnRef>
-          <a:fillRef idx="1">
-            <a:schemeClr val="lt1"/>
-          </a:fillRef>
-          <a:effectRef idx="0">
-            <a:schemeClr val="dk1"/>
-          </a:effectRef>
-          <a:fontRef idx="minor">
-            <a:schemeClr val="dk1"/>
-          </a:fontRef>
-        </p:style>
-        <p:txBody>
-          <a:bodyPr rtlCol="0" anchor="ctr"/>
-          <a:lstStyle/>
-          <a:p>
-            <a:pPr algn="ctr"/>
-            <a:endParaRPr lang="en-US" altLang="zh-CN" b="1" dirty="0"/>
-          </a:p>
-        </p:txBody>
-      </p:sp>
-      <mc:AlternateContent xmlns:mc="http://schemas.openxmlformats.org/markup-compatibility/2006" xmlns:a14="http://schemas.microsoft.com/office/drawing/2010/main">
-        <mc:Choice Requires="a14">
-          <p:sp>
-            <p:nvSpPr>
-              <p:cNvPr id="191" name="TextBox 190">
-                <a:extLst>
-                  <a:ext uri="{FF2B5EF4-FFF2-40B4-BE49-F238E27FC236}">
-                    <a16:creationId xmlns:a16="http://schemas.microsoft.com/office/drawing/2014/main" id="{47C9EC12-22AF-497B-89D5-584FA76E2AB2}"/>
-                  </a:ext>
-                </a:extLst>
-              </p:cNvPr>
-              <p:cNvSpPr txBox="1"/>
-              <p:nvPr/>
-            </p:nvSpPr>
-            <p:spPr>
-              <a:xfrm>
-                <a:off x="6543963" y="5092381"/>
-                <a:ext cx="1971675" cy="338554"/>
-              </a:xfrm>
-              <a:prstGeom prst="rect">
-                <a:avLst/>
-              </a:prstGeom>
-              <a:noFill/>
-            </p:spPr>
-            <p:txBody>
-              <a:bodyPr wrap="square" rtlCol="0">
-                <a:spAutoFit/>
-              </a:bodyPr>
-              <a:lstStyle/>
-              <a:p>
-                <a:pPr/>
-                <a14:m>
-                  <m:oMathPara xmlns:m="http://schemas.openxmlformats.org/officeDocument/2006/math">
-                    <m:oMathParaPr>
-                      <m:jc m:val="centerGroup"/>
-                    </m:oMathParaPr>
-                    <m:oMath xmlns:m="http://schemas.openxmlformats.org/officeDocument/2006/math">
-                      <m:sSub>
-                        <m:sSubPr>
-                          <m:ctrlPr>
-                            <a:rPr lang="en-US" altLang="zh-CN" sz="1600" b="0" i="1" smtClean="0">
-                              <a:latin typeface="Cambria Math" panose="02040503050406030204" pitchFamily="18" charset="0"/>
-                              <a:cs typeface="Times New Roman" panose="02020603050405020304" pitchFamily="18" charset="0"/>
-                            </a:rPr>
-                          </m:ctrlPr>
-                        </m:sSubPr>
-                        <m:e>
-                          <m:r>
-                            <a:rPr lang="en-US" altLang="zh-CN" sz="1600" b="0" i="1" smtClean="0">
-                              <a:latin typeface="Cambria Math" panose="02040503050406030204" pitchFamily="18" charset="0"/>
-                              <a:cs typeface="Times New Roman" panose="02020603050405020304" pitchFamily="18" charset="0"/>
-                            </a:rPr>
-                            <m:t>𝑡</m:t>
-                          </m:r>
-                        </m:e>
-                        <m:sub>
-                          <m:r>
-                            <a:rPr lang="en-US" altLang="zh-CN" sz="1600" b="0" i="1" smtClean="0">
-                              <a:latin typeface="Cambria Math" panose="02040503050406030204" pitchFamily="18" charset="0"/>
-                              <a:cs typeface="Times New Roman" panose="02020603050405020304" pitchFamily="18" charset="0"/>
-                            </a:rPr>
-                            <m:t>𝑇</m:t>
-                          </m:r>
-                          <m:r>
-                            <a:rPr lang="en-US" altLang="zh-CN" sz="1600" b="0" i="1" smtClean="0">
-                              <a:latin typeface="Cambria Math" panose="02040503050406030204" pitchFamily="18" charset="0"/>
-                              <a:cs typeface="Times New Roman" panose="02020603050405020304" pitchFamily="18" charset="0"/>
-                            </a:rPr>
-                            <m:t>−2</m:t>
-                          </m:r>
-                        </m:sub>
-                      </m:sSub>
-                    </m:oMath>
-                  </m:oMathPara>
-                </a14:m>
-                <a:endParaRPr lang="zh-CN" altLang="en-US" sz="1600" dirty="0">
-                  <a:latin typeface="Times New Roman" panose="02020603050405020304" pitchFamily="18" charset="0"/>
-                  <a:cs typeface="Times New Roman" panose="02020603050405020304" pitchFamily="18" charset="0"/>
-                </a:endParaRPr>
-              </a:p>
-            </p:txBody>
-          </p:sp>
-        </mc:Choice>
-        <mc:Fallback xmlns="">
-          <p:sp>
-            <p:nvSpPr>
-              <p:cNvPr id="191" name="TextBox 190">
-                <a:extLst>
-                  <a:ext uri="{FF2B5EF4-FFF2-40B4-BE49-F238E27FC236}">
-                    <a16:creationId xmlns:a16="http://schemas.microsoft.com/office/drawing/2014/main" id="{47C9EC12-22AF-497B-89D5-584FA76E2AB2}"/>
-                  </a:ext>
-                </a:extLst>
-              </p:cNvPr>
-              <p:cNvSpPr txBox="1">
-                <a:spLocks noRot="1" noChangeAspect="1" noMove="1" noResize="1" noEditPoints="1" noAdjustHandles="1" noChangeArrowheads="1" noChangeShapeType="1" noTextEdit="1"/>
-              </p:cNvSpPr>
-              <p:nvPr/>
-            </p:nvSpPr>
-            <p:spPr>
-              <a:xfrm>
-                <a:off x="6543963" y="5092381"/>
-                <a:ext cx="1971675" cy="338554"/>
-              </a:xfrm>
-              <a:prstGeom prst="rect">
-                <a:avLst/>
-              </a:prstGeom>
-              <a:blipFill>
-                <a:blip r:embed="rId17"/>
-                <a:stretch>
-                  <a:fillRect/>
-                </a:stretch>
-              </a:blipFill>
-            </p:spPr>
-            <p:txBody>
-              <a:bodyPr/>
-              <a:lstStyle/>
-              <a:p>
-                <a:r>
-                  <a:rPr lang="zh-CN" altLang="en-US">
-                    <a:noFill/>
-                  </a:rPr>
-                  <a:t> </a:t>
-                </a:r>
-              </a:p>
-            </p:txBody>
-          </p:sp>
-        </mc:Fallback>
-      </mc:AlternateContent>
-      <mc:AlternateContent xmlns:mc="http://schemas.openxmlformats.org/markup-compatibility/2006" xmlns:a14="http://schemas.microsoft.com/office/drawing/2010/main">
-        <mc:Choice Requires="a14">
-          <p:sp>
-            <p:nvSpPr>
-              <p:cNvPr id="192" name="TextBox 191">
-                <a:extLst>
-                  <a:ext uri="{FF2B5EF4-FFF2-40B4-BE49-F238E27FC236}">
-                    <a16:creationId xmlns:a16="http://schemas.microsoft.com/office/drawing/2014/main" id="{1B9D8422-5036-4704-8C6F-1DB422B838B1}"/>
-                  </a:ext>
-                </a:extLst>
-              </p:cNvPr>
-              <p:cNvSpPr txBox="1"/>
-              <p:nvPr/>
-            </p:nvSpPr>
-            <p:spPr>
-              <a:xfrm>
-                <a:off x="7664695" y="5124559"/>
-                <a:ext cx="1971675" cy="338554"/>
-              </a:xfrm>
-              <a:prstGeom prst="rect">
-                <a:avLst/>
-              </a:prstGeom>
-              <a:noFill/>
-            </p:spPr>
-            <p:txBody>
-              <a:bodyPr wrap="square" rtlCol="0">
-                <a:spAutoFit/>
-              </a:bodyPr>
-              <a:lstStyle/>
-              <a:p>
-                <a:pPr/>
-                <a14:m>
-                  <m:oMathPara xmlns:m="http://schemas.openxmlformats.org/officeDocument/2006/math">
-                    <m:oMathParaPr>
-                      <m:jc m:val="centerGroup"/>
-                    </m:oMathParaPr>
-                    <m:oMath xmlns:m="http://schemas.openxmlformats.org/officeDocument/2006/math">
-                      <m:sSub>
-                        <m:sSubPr>
-                          <m:ctrlPr>
-                            <a:rPr lang="en-US" altLang="zh-CN" sz="1600" b="0" i="1" smtClean="0">
-                              <a:latin typeface="Cambria Math" panose="02040503050406030204" pitchFamily="18" charset="0"/>
-                              <a:cs typeface="Times New Roman" panose="02020603050405020304" pitchFamily="18" charset="0"/>
-                            </a:rPr>
-                          </m:ctrlPr>
-                        </m:sSubPr>
-                        <m:e>
-                          <m:r>
-                            <a:rPr lang="en-US" altLang="zh-CN" sz="1600" b="0" i="1" smtClean="0">
-                              <a:latin typeface="Cambria Math" panose="02040503050406030204" pitchFamily="18" charset="0"/>
-                              <a:cs typeface="Times New Roman" panose="02020603050405020304" pitchFamily="18" charset="0"/>
-                            </a:rPr>
-                            <m:t>𝑡</m:t>
-                          </m:r>
-                        </m:e>
-                        <m:sub>
-                          <m:r>
-                            <a:rPr lang="en-US" altLang="zh-CN" sz="1600" b="0" i="1" smtClean="0">
-                              <a:latin typeface="Cambria Math" panose="02040503050406030204" pitchFamily="18" charset="0"/>
-                              <a:cs typeface="Times New Roman" panose="02020603050405020304" pitchFamily="18" charset="0"/>
-                            </a:rPr>
-                            <m:t>1</m:t>
-                          </m:r>
-                        </m:sub>
-                      </m:sSub>
-                    </m:oMath>
-                  </m:oMathPara>
-                </a14:m>
-                <a:endParaRPr lang="zh-CN" altLang="en-US" sz="1600" dirty="0">
-                  <a:latin typeface="Times New Roman" panose="02020603050405020304" pitchFamily="18" charset="0"/>
-                  <a:cs typeface="Times New Roman" panose="02020603050405020304" pitchFamily="18" charset="0"/>
-                </a:endParaRPr>
-              </a:p>
-            </p:txBody>
-          </p:sp>
-        </mc:Choice>
-        <mc:Fallback xmlns="">
-          <p:sp>
-            <p:nvSpPr>
-              <p:cNvPr id="192" name="TextBox 191">
-                <a:extLst>
-                  <a:ext uri="{FF2B5EF4-FFF2-40B4-BE49-F238E27FC236}">
-                    <a16:creationId xmlns:a16="http://schemas.microsoft.com/office/drawing/2014/main" id="{1B9D8422-5036-4704-8C6F-1DB422B838B1}"/>
-                  </a:ext>
-                </a:extLst>
-              </p:cNvPr>
-              <p:cNvSpPr txBox="1">
-                <a:spLocks noRot="1" noChangeAspect="1" noMove="1" noResize="1" noEditPoints="1" noAdjustHandles="1" noChangeArrowheads="1" noChangeShapeType="1" noTextEdit="1"/>
-              </p:cNvSpPr>
-              <p:nvPr/>
-            </p:nvSpPr>
-            <p:spPr>
-              <a:xfrm>
-                <a:off x="7664695" y="5124559"/>
-                <a:ext cx="1971675" cy="338554"/>
-              </a:xfrm>
-              <a:prstGeom prst="rect">
-                <a:avLst/>
-              </a:prstGeom>
-              <a:blipFill>
-                <a:blip r:embed="rId18"/>
-                <a:stretch>
-                  <a:fillRect/>
-                </a:stretch>
-              </a:blipFill>
-            </p:spPr>
-            <p:txBody>
-              <a:bodyPr/>
-              <a:lstStyle/>
-              <a:p>
-                <a:r>
-                  <a:rPr lang="zh-CN" altLang="en-US">
-                    <a:noFill/>
-                  </a:rPr>
-                  <a:t> </a:t>
-                </a:r>
-              </a:p>
-            </p:txBody>
-          </p:sp>
-        </mc:Fallback>
-      </mc:AlternateContent>
-      <p:cxnSp>
-        <p:nvCxnSpPr>
-          <p:cNvPr id="198" name="Connector: Elbow 197">
-            <a:extLst>
-              <a:ext uri="{FF2B5EF4-FFF2-40B4-BE49-F238E27FC236}">
-                <a16:creationId xmlns:a16="http://schemas.microsoft.com/office/drawing/2014/main" id="{CD1BF935-72BE-4210-8664-6EABFAAD2BDE}"/>
-              </a:ext>
-            </a:extLst>
-          </p:cNvPr>
-          <p:cNvCxnSpPr>
-            <a:cxnSpLocks/>
-            <a:stCxn id="61" idx="1"/>
-            <a:endCxn id="185" idx="0"/>
-          </p:cNvCxnSpPr>
-          <p:nvPr/>
-        </p:nvCxnSpPr>
-        <p:spPr>
-          <a:xfrm rot="10800000">
-            <a:off x="8624291" y="4559374"/>
-            <a:ext cx="847561" cy="714598"/>
-          </a:xfrm>
-          <a:prstGeom prst="bentConnector4">
-            <a:avLst>
-              <a:gd name="adj1" fmla="val 41503"/>
-              <a:gd name="adj2" fmla="val 131990"/>
-            </a:avLst>
-          </a:prstGeom>
-          <a:ln w="25400">
-            <a:tailEnd type="triangle"/>
-          </a:ln>
-        </p:spPr>
-        <p:style>
-          <a:lnRef idx="1">
-            <a:schemeClr val="accent1"/>
-          </a:lnRef>
-          <a:fillRef idx="0">
-            <a:schemeClr val="accent1"/>
-          </a:fillRef>
-          <a:effectRef idx="0">
-            <a:schemeClr val="accent1"/>
-          </a:effectRef>
-          <a:fontRef idx="minor">
-            <a:schemeClr val="tx1"/>
-          </a:fontRef>
-        </p:style>
-      </p:cxnSp>
-      <p:sp>
-        <p:nvSpPr>
-          <p:cNvPr id="199" name="Rectangle: Rounded Corners 198">
-            <a:extLst>
-              <a:ext uri="{FF2B5EF4-FFF2-40B4-BE49-F238E27FC236}">
-                <a16:creationId xmlns:a16="http://schemas.microsoft.com/office/drawing/2014/main" id="{BFB2CAE5-475F-4F18-9B19-0DB0501E68E9}"/>
-              </a:ext>
-            </a:extLst>
-          </p:cNvPr>
-          <p:cNvSpPr/>
-          <p:nvPr/>
-        </p:nvSpPr>
-        <p:spPr>
-          <a:xfrm>
-            <a:off x="7105965" y="4354963"/>
-            <a:ext cx="737168" cy="820619"/>
-          </a:xfrm>
-          <a:prstGeom prst="roundRect">
-            <a:avLst/>
-          </a:prstGeom>
-          <a:ln/>
-        </p:spPr>
-        <p:style>
-          <a:lnRef idx="2">
-            <a:schemeClr val="accent3">
-              <a:shade val="50000"/>
-            </a:schemeClr>
-          </a:lnRef>
-          <a:fillRef idx="1">
-            <a:schemeClr val="accent3"/>
-          </a:fillRef>
-          <a:effectRef idx="0">
-            <a:schemeClr val="accent3"/>
-          </a:effectRef>
-          <a:fontRef idx="minor">
-            <a:schemeClr val="lt1"/>
-          </a:fontRef>
-        </p:style>
-        <p:txBody>
-          <a:bodyPr rtlCol="0" anchor="ctr"/>
-          <a:lstStyle/>
-          <a:p>
-            <a:pPr algn="ctr"/>
-            <a:endParaRPr lang="en-US" altLang="zh-CN" sz="1800" b="1" dirty="0"/>
-          </a:p>
-          <a:p>
-            <a:pPr algn="ctr"/>
-            <a:endParaRPr lang="en-US" altLang="zh-CN" b="1" dirty="0"/>
-          </a:p>
-          <a:p>
-            <a:pPr algn="ctr"/>
-            <a:endParaRPr lang="en-US" altLang="zh-CN" sz="1800" b="1" dirty="0"/>
-          </a:p>
-          <a:p>
-            <a:pPr algn="ctr"/>
-            <a:endParaRPr lang="en-US" altLang="zh-CN" b="1" dirty="0"/>
-          </a:p>
-          <a:p>
-            <a:pPr algn="ctr"/>
-            <a:endParaRPr lang="en-US" altLang="zh-CN" sz="1800" b="1" dirty="0"/>
-          </a:p>
-          <a:p>
-            <a:pPr algn="ctr"/>
-            <a:endParaRPr lang="en-US" altLang="zh-CN" b="1" dirty="0"/>
-          </a:p>
-        </p:txBody>
-      </p:sp>
-      <p:sp>
-        <p:nvSpPr>
-          <p:cNvPr id="200" name="Rectangle: Rounded Corners 199">
-            <a:extLst>
-              <a:ext uri="{FF2B5EF4-FFF2-40B4-BE49-F238E27FC236}">
-                <a16:creationId xmlns:a16="http://schemas.microsoft.com/office/drawing/2014/main" id="{E50BECCE-19BE-4C3F-8C24-E718018D82DC}"/>
-              </a:ext>
-            </a:extLst>
-          </p:cNvPr>
-          <p:cNvSpPr/>
-          <p:nvPr/>
-        </p:nvSpPr>
-        <p:spPr>
-          <a:xfrm>
-            <a:off x="7333096" y="4552355"/>
-            <a:ext cx="288072" cy="136728"/>
-          </a:xfrm>
-          <a:prstGeom prst="roundRect">
-            <a:avLst/>
-          </a:prstGeom>
-        </p:spPr>
-        <p:style>
-          <a:lnRef idx="2">
-            <a:schemeClr val="dk1"/>
-          </a:lnRef>
-          <a:fillRef idx="1">
-            <a:schemeClr val="lt1"/>
-          </a:fillRef>
-          <a:effectRef idx="0">
-            <a:schemeClr val="dk1"/>
-          </a:effectRef>
-          <a:fontRef idx="minor">
-            <a:schemeClr val="dk1"/>
-          </a:fontRef>
-        </p:style>
-        <p:txBody>
-          <a:bodyPr rtlCol="0" anchor="ctr"/>
-          <a:lstStyle/>
-          <a:p>
-            <a:pPr algn="ctr"/>
-            <a:endParaRPr lang="en-US" altLang="zh-CN" b="1" dirty="0"/>
-          </a:p>
-        </p:txBody>
-      </p:sp>
-      <p:sp>
-        <p:nvSpPr>
-          <p:cNvPr id="202" name="Rectangle: Rounded Corners 201">
-            <a:extLst>
-              <a:ext uri="{FF2B5EF4-FFF2-40B4-BE49-F238E27FC236}">
-                <a16:creationId xmlns:a16="http://schemas.microsoft.com/office/drawing/2014/main" id="{5F92BD43-DF36-4D6C-889A-4D169C3E1AB4}"/>
-              </a:ext>
-            </a:extLst>
-          </p:cNvPr>
-          <p:cNvSpPr/>
-          <p:nvPr/>
-        </p:nvSpPr>
-        <p:spPr>
-          <a:xfrm>
-            <a:off x="7334091" y="4858134"/>
-            <a:ext cx="288072" cy="136728"/>
-          </a:xfrm>
-          <a:prstGeom prst="roundRect">
-            <a:avLst/>
-          </a:prstGeom>
-        </p:spPr>
-        <p:style>
-          <a:lnRef idx="2">
-            <a:schemeClr val="dk1"/>
-          </a:lnRef>
-          <a:fillRef idx="1">
-            <a:schemeClr val="lt1"/>
-          </a:fillRef>
-          <a:effectRef idx="0">
-            <a:schemeClr val="dk1"/>
-          </a:effectRef>
-          <a:fontRef idx="minor">
-            <a:schemeClr val="dk1"/>
-          </a:fontRef>
-        </p:style>
-        <p:txBody>
-          <a:bodyPr rtlCol="0" anchor="ctr"/>
-          <a:lstStyle/>
-          <a:p>
-            <a:pPr algn="ctr"/>
-            <a:endParaRPr lang="en-US" altLang="zh-CN" b="1" dirty="0"/>
-          </a:p>
-        </p:txBody>
-      </p:sp>
-      <p:cxnSp>
-        <p:nvCxnSpPr>
-          <p:cNvPr id="204" name="Connector: Elbow 203">
-            <a:extLst>
-              <a:ext uri="{FF2B5EF4-FFF2-40B4-BE49-F238E27FC236}">
-                <a16:creationId xmlns:a16="http://schemas.microsoft.com/office/drawing/2014/main" id="{B243BAE1-8D44-41A5-BBA5-E63B302C1F8E}"/>
-              </a:ext>
-            </a:extLst>
-          </p:cNvPr>
-          <p:cNvCxnSpPr>
-            <a:cxnSpLocks/>
-            <a:stCxn id="202" idx="1"/>
-            <a:endCxn id="12" idx="0"/>
-          </p:cNvCxnSpPr>
-          <p:nvPr/>
-        </p:nvCxnSpPr>
-        <p:spPr>
-          <a:xfrm rot="10800000">
-            <a:off x="5556819" y="3976004"/>
-            <a:ext cx="1777272" cy="950494"/>
-          </a:xfrm>
-          <a:prstGeom prst="bentConnector4">
-            <a:avLst>
-              <a:gd name="adj1" fmla="val 22665"/>
-              <a:gd name="adj2" fmla="val 124051"/>
-            </a:avLst>
-          </a:prstGeom>
-          <a:ln w="25400">
-            <a:tailEnd type="triangle"/>
-          </a:ln>
-        </p:spPr>
-        <p:style>
-          <a:lnRef idx="1">
-            <a:schemeClr val="accent1"/>
-          </a:lnRef>
-          <a:fillRef idx="0">
-            <a:schemeClr val="accent1"/>
-          </a:fillRef>
-          <a:effectRef idx="0">
-            <a:schemeClr val="accent1"/>
-          </a:effectRef>
-          <a:fontRef idx="minor">
-            <a:schemeClr val="tx1"/>
-          </a:fontRef>
-        </p:style>
-      </p:cxnSp>
-      <p:cxnSp>
-        <p:nvCxnSpPr>
-          <p:cNvPr id="207" name="Connector: Elbow 206">
-            <a:extLst>
-              <a:ext uri="{FF2B5EF4-FFF2-40B4-BE49-F238E27FC236}">
-                <a16:creationId xmlns:a16="http://schemas.microsoft.com/office/drawing/2014/main" id="{99994EC9-3A4D-42AE-9DEB-D97B2A998277}"/>
-              </a:ext>
-            </a:extLst>
-          </p:cNvPr>
-          <p:cNvCxnSpPr>
-            <a:stCxn id="187" idx="1"/>
-            <a:endCxn id="200" idx="0"/>
-          </p:cNvCxnSpPr>
-          <p:nvPr/>
-        </p:nvCxnSpPr>
-        <p:spPr>
-          <a:xfrm rot="10800000">
-            <a:off x="7477133" y="4552355"/>
-            <a:ext cx="1004715" cy="390176"/>
-          </a:xfrm>
-          <a:prstGeom prst="bentConnector4">
-            <a:avLst>
-              <a:gd name="adj1" fmla="val 42832"/>
-              <a:gd name="adj2" fmla="val 158589"/>
-            </a:avLst>
-          </a:prstGeom>
-          <a:ln w="25400">
-            <a:prstDash val="sysDot"/>
-            <a:tailEnd type="triangle"/>
-          </a:ln>
-        </p:spPr>
-        <p:style>
-          <a:lnRef idx="1">
-            <a:schemeClr val="accent1"/>
-          </a:lnRef>
-          <a:fillRef idx="0">
-            <a:schemeClr val="accent1"/>
-          </a:fillRef>
-          <a:effectRef idx="0">
-            <a:schemeClr val="accent1"/>
-          </a:effectRef>
-          <a:fontRef idx="minor">
-            <a:schemeClr val="tx1"/>
-          </a:fontRef>
-        </p:style>
-      </p:cxnSp>
-      <p:cxnSp>
-        <p:nvCxnSpPr>
-          <p:cNvPr id="214" name="Straight Connector 213">
-            <a:extLst>
-              <a:ext uri="{FF2B5EF4-FFF2-40B4-BE49-F238E27FC236}">
-                <a16:creationId xmlns:a16="http://schemas.microsoft.com/office/drawing/2014/main" id="{A058F17C-0318-446E-A0A4-33DDC093E7F3}"/>
-              </a:ext>
-            </a:extLst>
-          </p:cNvPr>
-          <p:cNvCxnSpPr>
-            <a:cxnSpLocks/>
-            <a:stCxn id="200" idx="2"/>
-            <a:endCxn id="202" idx="0"/>
-          </p:cNvCxnSpPr>
-          <p:nvPr/>
-        </p:nvCxnSpPr>
-        <p:spPr>
-          <a:xfrm>
-            <a:off x="7477132" y="4689083"/>
-            <a:ext cx="995" cy="169051"/>
-          </a:xfrm>
-          <a:prstGeom prst="line">
-            <a:avLst/>
-          </a:prstGeom>
-          <a:ln w="12700"/>
-        </p:spPr>
-        <p:style>
-          <a:lnRef idx="1">
-            <a:schemeClr val="accent1"/>
-          </a:lnRef>
-          <a:fillRef idx="0">
-            <a:schemeClr val="accent1"/>
-          </a:fillRef>
-          <a:effectRef idx="0">
-            <a:schemeClr val="accent1"/>
-          </a:effectRef>
-          <a:fontRef idx="minor">
-            <a:schemeClr val="tx1"/>
-          </a:fontRef>
-        </p:style>
-      </p:cxnSp>
-      <p:cxnSp>
-        <p:nvCxnSpPr>
-          <p:cNvPr id="218" name="Straight Connector 217">
-            <a:extLst>
-              <a:ext uri="{FF2B5EF4-FFF2-40B4-BE49-F238E27FC236}">
-                <a16:creationId xmlns:a16="http://schemas.microsoft.com/office/drawing/2014/main" id="{D71168B6-051F-4F5E-B354-EABD5B499BB5}"/>
-              </a:ext>
-            </a:extLst>
-          </p:cNvPr>
-          <p:cNvCxnSpPr>
-            <a:cxnSpLocks/>
-            <a:stCxn id="185" idx="2"/>
-            <a:endCxn id="187" idx="0"/>
-          </p:cNvCxnSpPr>
-          <p:nvPr/>
-        </p:nvCxnSpPr>
-        <p:spPr>
-          <a:xfrm>
-            <a:off x="8624290" y="4696102"/>
-            <a:ext cx="1593" cy="178065"/>
-          </a:xfrm>
-          <a:prstGeom prst="line">
-            <a:avLst/>
-          </a:prstGeom>
-          <a:ln w="12700"/>
-        </p:spPr>
-        <p:style>
-          <a:lnRef idx="1">
-            <a:schemeClr val="accent1"/>
-          </a:lnRef>
-          <a:fillRef idx="0">
-            <a:schemeClr val="accent1"/>
-          </a:fillRef>
-          <a:effectRef idx="0">
-            <a:schemeClr val="accent1"/>
-          </a:effectRef>
-          <a:fontRef idx="minor">
-            <a:schemeClr val="tx1"/>
-          </a:fontRef>
-        </p:style>
-      </p:cxnSp>
-      <p:sp>
-        <p:nvSpPr>
-          <p:cNvPr id="223" name="Right Brace 222">
-            <a:extLst>
-              <a:ext uri="{FF2B5EF4-FFF2-40B4-BE49-F238E27FC236}">
-                <a16:creationId xmlns:a16="http://schemas.microsoft.com/office/drawing/2014/main" id="{32F683F0-5B5C-469A-8BE7-F6C5FE7C911B}"/>
-              </a:ext>
-            </a:extLst>
-          </p:cNvPr>
-          <p:cNvSpPr/>
-          <p:nvPr/>
-        </p:nvSpPr>
-        <p:spPr>
-          <a:xfrm rot="5400000">
-            <a:off x="7897021" y="4514848"/>
-            <a:ext cx="129377" cy="1898911"/>
-          </a:xfrm>
-          <a:prstGeom prst="rightBrace">
-            <a:avLst/>
-          </a:prstGeom>
-          <a:ln w="25400"/>
-        </p:spPr>
-        <p:style>
-          <a:lnRef idx="1">
-            <a:schemeClr val="accent1"/>
-          </a:lnRef>
-          <a:fillRef idx="0">
-            <a:schemeClr val="accent1"/>
-          </a:fillRef>
-          <a:effectRef idx="0">
-            <a:schemeClr val="accent1"/>
-          </a:effectRef>
-          <a:fontRef idx="minor">
-            <a:schemeClr val="tx1"/>
-          </a:fontRef>
-        </p:style>
-        <p:txBody>
-          <a:bodyPr rtlCol="0" anchor="ctr"/>
-          <a:lstStyle/>
-          <a:p>
-            <a:pPr algn="ctr"/>
-            <a:endParaRPr lang="zh-CN" altLang="en-US"/>
-          </a:p>
-        </p:txBody>
-      </p:sp>
-      <p:sp>
-        <p:nvSpPr>
-          <p:cNvPr id="224" name="TextBox 223">
-            <a:extLst>
-              <a:ext uri="{FF2B5EF4-FFF2-40B4-BE49-F238E27FC236}">
-                <a16:creationId xmlns:a16="http://schemas.microsoft.com/office/drawing/2014/main" id="{5D9CC333-529A-4B8C-BBE1-A5388A28C7B4}"/>
-              </a:ext>
-            </a:extLst>
-          </p:cNvPr>
-          <p:cNvSpPr txBox="1"/>
-          <p:nvPr/>
-        </p:nvSpPr>
-        <p:spPr>
-          <a:xfrm>
-            <a:off x="7350183" y="5546743"/>
-            <a:ext cx="2125721" cy="338554"/>
-          </a:xfrm>
-          <a:prstGeom prst="rect">
-            <a:avLst/>
-          </a:prstGeom>
-          <a:noFill/>
-        </p:spPr>
-        <p:txBody>
-          <a:bodyPr wrap="square" rtlCol="0">
-            <a:spAutoFit/>
-          </a:bodyPr>
-          <a:lstStyle/>
-          <a:p>
-            <a:r>
-              <a:rPr lang="en-US" altLang="zh-CN" sz="1600" dirty="0">
-                <a:latin typeface="Times New Roman" panose="02020603050405020304" pitchFamily="18" charset="0"/>
-                <a:cs typeface="Times New Roman" panose="02020603050405020304" pitchFamily="18" charset="0"/>
-              </a:rPr>
-              <a:t>time horizon</a:t>
-            </a:r>
-            <a:endParaRPr lang="zh-CN" altLang="en-US" sz="1600" dirty="0">
-              <a:latin typeface="Times New Roman" panose="02020603050405020304" pitchFamily="18" charset="0"/>
-              <a:cs typeface="Times New Roman" panose="02020603050405020304" pitchFamily="18" charset="0"/>
-            </a:endParaRPr>
-          </a:p>
-        </p:txBody>
-      </p:sp>
-    </p:spTree>
-    <p:extLst>
-      <p:ext uri="{BB962C8B-B14F-4D97-AF65-F5344CB8AC3E}">
-        <p14:creationId xmlns:p14="http://schemas.microsoft.com/office/powerpoint/2010/main" val="57319113"/>
-      </p:ext>
-    </p:extLst>
-  </p:cSld>
-  <p:clrMapOvr>
-    <a:masterClrMapping/>
-  </p:clrMapOvr>
-</p:sld>
-</file>
-
 <file path=ppt/slides/slide2.xml><?xml version="1.0" encoding="utf-8"?>
 <p:sld xmlns:a="http://schemas.openxmlformats.org/drawingml/2006/main" xmlns:r="http://schemas.openxmlformats.org/officeDocument/2006/relationships" xmlns:p="http://schemas.openxmlformats.org/presentationml/2006/main">
   <p:cSld>
@@ -11629,8 +5551,8 @@
           </a:p>
         </p:txBody>
       </p:sp>
-      <mc:AlternateContent xmlns:mc="http://schemas.openxmlformats.org/markup-compatibility/2006">
-        <mc:Choice xmlns:a14="http://schemas.microsoft.com/office/drawing/2010/main" Requires="a14">
+      <mc:AlternateContent xmlns:mc="http://schemas.openxmlformats.org/markup-compatibility/2006" xmlns:a14="http://schemas.microsoft.com/office/drawing/2010/main">
+        <mc:Choice Requires="a14">
           <p:sp>
             <p:nvSpPr>
               <p:cNvPr id="35" name="Rectangle: Rounded Corners 34">
@@ -11786,7 +5708,7 @@
             </p:txBody>
           </p:sp>
         </mc:Choice>
-        <mc:Fallback>
+        <mc:Fallback xmlns="">
           <p:sp>
             <p:nvSpPr>
               <p:cNvPr id="35" name="Rectangle: Rounded Corners 34">
@@ -13189,8 +7111,8 @@
           </a:fontRef>
         </p:style>
       </p:cxnSp>
-      <mc:AlternateContent xmlns:mc="http://schemas.openxmlformats.org/markup-compatibility/2006">
-        <mc:Choice xmlns:a14="http://schemas.microsoft.com/office/drawing/2010/main" Requires="a14">
+      <mc:AlternateContent xmlns:mc="http://schemas.openxmlformats.org/markup-compatibility/2006" xmlns:a14="http://schemas.microsoft.com/office/drawing/2010/main">
+        <mc:Choice Requires="a14">
           <p:sp>
             <p:nvSpPr>
               <p:cNvPr id="97" name="TextBox 96">
@@ -13365,7 +7287,7 @@
             </p:txBody>
           </p:sp>
         </mc:Choice>
-        <mc:Fallback>
+        <mc:Fallback xmlns="">
           <p:sp>
             <p:nvSpPr>
               <p:cNvPr id="97" name="TextBox 96">
